--- a/Workshops/25.11.2017 - Python. The Basics - Volume 1 -/Presentations/PowerPoint/1. Εισαγωγικα.pptx
+++ b/Workshops/25.11.2017 - Python. The Basics - Volume 1 -/Presentations/PowerPoint/1. Εισαγωγικα.pptx
@@ -4,39 +4,42 @@
   <p:sldMasterIdLst>
     <p:sldMasterId id="2147483807" r:id="rId1"/>
   </p:sldMasterIdLst>
+  <p:notesMasterIdLst>
+    <p:notesMasterId r:id="rId34"/>
+  </p:notesMasterIdLst>
   <p:sldIdLst>
-    <p:sldId id="271" r:id="rId2"/>
-    <p:sldId id="258" r:id="rId3"/>
-    <p:sldId id="259" r:id="rId4"/>
-    <p:sldId id="263" r:id="rId5"/>
-    <p:sldId id="264" r:id="rId6"/>
-    <p:sldId id="265" r:id="rId7"/>
-    <p:sldId id="266" r:id="rId8"/>
-    <p:sldId id="267" r:id="rId9"/>
-    <p:sldId id="260" r:id="rId10"/>
-    <p:sldId id="283" r:id="rId11"/>
-    <p:sldId id="284" r:id="rId12"/>
-    <p:sldId id="285" r:id="rId13"/>
-    <p:sldId id="256" r:id="rId14"/>
-    <p:sldId id="257" r:id="rId15"/>
-    <p:sldId id="279" r:id="rId16"/>
-    <p:sldId id="261" r:id="rId17"/>
-    <p:sldId id="286" r:id="rId18"/>
-    <p:sldId id="272" r:id="rId19"/>
-    <p:sldId id="273" r:id="rId20"/>
-    <p:sldId id="291" r:id="rId21"/>
-    <p:sldId id="274" r:id="rId22"/>
-    <p:sldId id="287" r:id="rId23"/>
-    <p:sldId id="288" r:id="rId24"/>
-    <p:sldId id="289" r:id="rId25"/>
-    <p:sldId id="290" r:id="rId26"/>
-    <p:sldId id="292" r:id="rId27"/>
-    <p:sldId id="278" r:id="rId28"/>
-    <p:sldId id="275" r:id="rId29"/>
-    <p:sldId id="276" r:id="rId30"/>
-    <p:sldId id="280" r:id="rId31"/>
-    <p:sldId id="281" r:id="rId32"/>
-    <p:sldId id="282" r:id="rId33"/>
+    <p:sldId id="293" r:id="rId2"/>
+    <p:sldId id="271" r:id="rId3"/>
+    <p:sldId id="258" r:id="rId4"/>
+    <p:sldId id="259" r:id="rId5"/>
+    <p:sldId id="263" r:id="rId6"/>
+    <p:sldId id="264" r:id="rId7"/>
+    <p:sldId id="265" r:id="rId8"/>
+    <p:sldId id="266" r:id="rId9"/>
+    <p:sldId id="267" r:id="rId10"/>
+    <p:sldId id="260" r:id="rId11"/>
+    <p:sldId id="283" r:id="rId12"/>
+    <p:sldId id="284" r:id="rId13"/>
+    <p:sldId id="285" r:id="rId14"/>
+    <p:sldId id="256" r:id="rId15"/>
+    <p:sldId id="257" r:id="rId16"/>
+    <p:sldId id="279" r:id="rId17"/>
+    <p:sldId id="261" r:id="rId18"/>
+    <p:sldId id="286" r:id="rId19"/>
+    <p:sldId id="272" r:id="rId20"/>
+    <p:sldId id="273" r:id="rId21"/>
+    <p:sldId id="291" r:id="rId22"/>
+    <p:sldId id="274" r:id="rId23"/>
+    <p:sldId id="287" r:id="rId24"/>
+    <p:sldId id="288" r:id="rId25"/>
+    <p:sldId id="289" r:id="rId26"/>
+    <p:sldId id="290" r:id="rId27"/>
+    <p:sldId id="292" r:id="rId28"/>
+    <p:sldId id="278" r:id="rId29"/>
+    <p:sldId id="275" r:id="rId30"/>
+    <p:sldId id="276" r:id="rId31"/>
+    <p:sldId id="280" r:id="rId32"/>
+    <p:sldId id="281" r:id="rId33"/>
   </p:sldIdLst>
   <p:sldSz cx="9144000" cy="5143500" type="screen16x9"/>
   <p:notesSz cx="6858000" cy="9144000"/>
@@ -135,7 +138,384 @@
       </a:defRPr>
     </a:lvl9pPr>
   </p:defaultTextStyle>
+  <p:extLst>
+    <p:ext uri="{EFAFB233-063F-42B5-8137-9DF3F51BA10A}">
+      <p15:sldGuideLst xmlns:p15="http://schemas.microsoft.com/office/powerpoint/2012/main">
+        <p15:guide id="1" orient="horz" pos="1620">
+          <p15:clr>
+            <a:srgbClr val="A4A3A4"/>
+          </p15:clr>
+        </p15:guide>
+        <p15:guide id="2" pos="2880">
+          <p15:clr>
+            <a:srgbClr val="A4A3A4"/>
+          </p15:clr>
+        </p15:guide>
+      </p15:sldGuideLst>
+    </p:ext>
+  </p:extLst>
 </p:presentation>
+</file>
+
+<file path=ppt/commentAuthors.xml><?xml version="1.0" encoding="utf-8"?>
+<p:cmAuthorLst xmlns:a="http://schemas.openxmlformats.org/drawingml/2006/main" xmlns:r="http://schemas.openxmlformats.org/officeDocument/2006/relationships" xmlns:p="http://schemas.openxmlformats.org/presentationml/2006/main">
+  <p:cmAuthor id="1" name="KARAMPELAS-TIMOTIEVITS ARISTOS" initials="KA" lastIdx="1" clrIdx="0">
+    <p:extLst>
+      <p:ext uri="{19B8F6BF-5375-455C-9EA6-DF929625EA0E}">
+        <p15:presenceInfo xmlns:p15="http://schemas.microsoft.com/office/powerpoint/2012/main" userId="KARAMPELAS-TIMOTIEVITS ARISTOS" providerId="None"/>
+      </p:ext>
+    </p:extLst>
+  </p:cmAuthor>
+</p:cmAuthorLst>
+</file>
+
+<file path=ppt/notesMasters/notesMaster1.xml><?xml version="1.0" encoding="utf-8"?>
+<p:notesMaster xmlns:a="http://schemas.openxmlformats.org/drawingml/2006/main" xmlns:r="http://schemas.openxmlformats.org/officeDocument/2006/relationships" xmlns:p="http://schemas.openxmlformats.org/presentationml/2006/main">
+  <p:cSld>
+    <p:bg>
+      <p:bgRef idx="1001">
+        <a:schemeClr val="bg1"/>
+      </p:bgRef>
+    </p:bg>
+    <p:spTree>
+      <p:nvGrpSpPr>
+        <p:cNvPr id="1" name=""/>
+        <p:cNvGrpSpPr/>
+        <p:nvPr/>
+      </p:nvGrpSpPr>
+      <p:grpSpPr>
+        <a:xfrm>
+          <a:off x="0" y="0"/>
+          <a:ext cx="0" cy="0"/>
+          <a:chOff x="0" y="0"/>
+          <a:chExt cx="0" cy="0"/>
+        </a:xfrm>
+      </p:grpSpPr>
+      <p:sp>
+        <p:nvSpPr>
+          <p:cNvPr id="2" name="Θέση κεφαλίδας 1"/>
+          <p:cNvSpPr>
+            <a:spLocks noGrp="1"/>
+          </p:cNvSpPr>
+          <p:nvPr>
+            <p:ph type="hdr" sz="quarter"/>
+          </p:nvPr>
+        </p:nvSpPr>
+        <p:spPr>
+          <a:xfrm>
+            <a:off x="0" y="0"/>
+            <a:ext cx="2971800" cy="458788"/>
+          </a:xfrm>
+          <a:prstGeom prst="rect">
+            <a:avLst/>
+          </a:prstGeom>
+        </p:spPr>
+        <p:txBody>
+          <a:bodyPr vert="horz" lIns="91440" tIns="45720" rIns="91440" bIns="45720" rtlCol="0"/>
+          <a:lstStyle>
+            <a:lvl1pPr algn="l">
+              <a:defRPr sz="1200"/>
+            </a:lvl1pPr>
+          </a:lstStyle>
+          <a:p>
+            <a:endParaRPr lang="el-GR"/>
+          </a:p>
+        </p:txBody>
+      </p:sp>
+      <p:sp>
+        <p:nvSpPr>
+          <p:cNvPr id="3" name="Θέση ημερομηνίας 2"/>
+          <p:cNvSpPr>
+            <a:spLocks noGrp="1"/>
+          </p:cNvSpPr>
+          <p:nvPr>
+            <p:ph type="dt" idx="1"/>
+          </p:nvPr>
+        </p:nvSpPr>
+        <p:spPr>
+          <a:xfrm>
+            <a:off x="3884613" y="0"/>
+            <a:ext cx="2971800" cy="458788"/>
+          </a:xfrm>
+          <a:prstGeom prst="rect">
+            <a:avLst/>
+          </a:prstGeom>
+        </p:spPr>
+        <p:txBody>
+          <a:bodyPr vert="horz" lIns="91440" tIns="45720" rIns="91440" bIns="45720" rtlCol="0"/>
+          <a:lstStyle>
+            <a:lvl1pPr algn="r">
+              <a:defRPr sz="1200"/>
+            </a:lvl1pPr>
+          </a:lstStyle>
+          <a:p>
+            <a:fld id="{B5208D4F-C9F7-4B61-A729-8DAF7C54F2BA}" type="datetimeFigureOut">
+              <a:rPr lang="el-GR" smtClean="0"/>
+              <a:t>20/11/2018</a:t>
+            </a:fld>
+            <a:endParaRPr lang="el-GR"/>
+          </a:p>
+        </p:txBody>
+      </p:sp>
+      <p:sp>
+        <p:nvSpPr>
+          <p:cNvPr id="4" name="Θέση εικόνας διαφάνειας 3"/>
+          <p:cNvSpPr>
+            <a:spLocks noGrp="1" noRot="1" noChangeAspect="1"/>
+          </p:cNvSpPr>
+          <p:nvPr>
+            <p:ph type="sldImg" idx="2"/>
+          </p:nvPr>
+        </p:nvSpPr>
+        <p:spPr>
+          <a:xfrm>
+            <a:off x="685800" y="1143000"/>
+            <a:ext cx="5486400" cy="3086100"/>
+          </a:xfrm>
+          <a:prstGeom prst="rect">
+            <a:avLst/>
+          </a:prstGeom>
+          <a:noFill/>
+          <a:ln w="12700">
+            <a:solidFill>
+              <a:prstClr val="black"/>
+            </a:solidFill>
+          </a:ln>
+        </p:spPr>
+        <p:txBody>
+          <a:bodyPr vert="horz" lIns="91440" tIns="45720" rIns="91440" bIns="45720" rtlCol="0" anchor="ctr"/>
+          <a:lstStyle/>
+          <a:p>
+            <a:endParaRPr lang="el-GR"/>
+          </a:p>
+        </p:txBody>
+      </p:sp>
+      <p:sp>
+        <p:nvSpPr>
+          <p:cNvPr id="5" name="Θέση σημειώσεων 4"/>
+          <p:cNvSpPr>
+            <a:spLocks noGrp="1"/>
+          </p:cNvSpPr>
+          <p:nvPr>
+            <p:ph type="body" sz="quarter" idx="3"/>
+          </p:nvPr>
+        </p:nvSpPr>
+        <p:spPr>
+          <a:xfrm>
+            <a:off x="685800" y="4400550"/>
+            <a:ext cx="5486400" cy="3600450"/>
+          </a:xfrm>
+          <a:prstGeom prst="rect">
+            <a:avLst/>
+          </a:prstGeom>
+        </p:spPr>
+        <p:txBody>
+          <a:bodyPr vert="horz" lIns="91440" tIns="45720" rIns="91440" bIns="45720" rtlCol="0"/>
+          <a:lstStyle/>
+          <a:p>
+            <a:pPr lvl="0"/>
+            <a:r>
+              <a:rPr lang="el-GR"/>
+              <a:t>Επεξεργασία στυλ υποδείγματος κειμένου</a:t>
+            </a:r>
+          </a:p>
+          <a:p>
+            <a:pPr lvl="1"/>
+            <a:r>
+              <a:rPr lang="el-GR"/>
+              <a:t>Δεύτερου επιπέδου</a:t>
+            </a:r>
+          </a:p>
+          <a:p>
+            <a:pPr lvl="2"/>
+            <a:r>
+              <a:rPr lang="el-GR"/>
+              <a:t>Τρίτου επιπέδου</a:t>
+            </a:r>
+          </a:p>
+          <a:p>
+            <a:pPr lvl="3"/>
+            <a:r>
+              <a:rPr lang="el-GR"/>
+              <a:t>Τέταρτου επιπέδου</a:t>
+            </a:r>
+          </a:p>
+          <a:p>
+            <a:pPr lvl="4"/>
+            <a:r>
+              <a:rPr lang="el-GR"/>
+              <a:t>Πέμπτου επιπέδου</a:t>
+            </a:r>
+          </a:p>
+        </p:txBody>
+      </p:sp>
+      <p:sp>
+        <p:nvSpPr>
+          <p:cNvPr id="6" name="Θέση υποσέλιδου 5"/>
+          <p:cNvSpPr>
+            <a:spLocks noGrp="1"/>
+          </p:cNvSpPr>
+          <p:nvPr>
+            <p:ph type="ftr" sz="quarter" idx="4"/>
+          </p:nvPr>
+        </p:nvSpPr>
+        <p:spPr>
+          <a:xfrm>
+            <a:off x="0" y="8685213"/>
+            <a:ext cx="2971800" cy="458787"/>
+          </a:xfrm>
+          <a:prstGeom prst="rect">
+            <a:avLst/>
+          </a:prstGeom>
+        </p:spPr>
+        <p:txBody>
+          <a:bodyPr vert="horz" lIns="91440" tIns="45720" rIns="91440" bIns="45720" rtlCol="0" anchor="b"/>
+          <a:lstStyle>
+            <a:lvl1pPr algn="l">
+              <a:defRPr sz="1200"/>
+            </a:lvl1pPr>
+          </a:lstStyle>
+          <a:p>
+            <a:endParaRPr lang="el-GR"/>
+          </a:p>
+        </p:txBody>
+      </p:sp>
+      <p:sp>
+        <p:nvSpPr>
+          <p:cNvPr id="7" name="Θέση αριθμού διαφάνειας 6"/>
+          <p:cNvSpPr>
+            <a:spLocks noGrp="1"/>
+          </p:cNvSpPr>
+          <p:nvPr>
+            <p:ph type="sldNum" sz="quarter" idx="5"/>
+          </p:nvPr>
+        </p:nvSpPr>
+        <p:spPr>
+          <a:xfrm>
+            <a:off x="3884613" y="8685213"/>
+            <a:ext cx="2971800" cy="458787"/>
+          </a:xfrm>
+          <a:prstGeom prst="rect">
+            <a:avLst/>
+          </a:prstGeom>
+        </p:spPr>
+        <p:txBody>
+          <a:bodyPr vert="horz" lIns="91440" tIns="45720" rIns="91440" bIns="45720" rtlCol="0" anchor="b"/>
+          <a:lstStyle>
+            <a:lvl1pPr algn="r">
+              <a:defRPr sz="1200"/>
+            </a:lvl1pPr>
+          </a:lstStyle>
+          <a:p>
+            <a:fld id="{AA196350-C16A-445D-B8FF-FD90539EBAC8}" type="slidenum">
+              <a:rPr lang="el-GR" smtClean="0"/>
+              <a:t>‹#›</a:t>
+            </a:fld>
+            <a:endParaRPr lang="el-GR"/>
+          </a:p>
+        </p:txBody>
+      </p:sp>
+    </p:spTree>
+    <p:extLst>
+      <p:ext uri="{BB962C8B-B14F-4D97-AF65-F5344CB8AC3E}">
+        <p14:creationId xmlns:p14="http://schemas.microsoft.com/office/powerpoint/2010/main" val="2451366122"/>
+      </p:ext>
+    </p:extLst>
+  </p:cSld>
+  <p:clrMap bg1="lt1" tx1="dk1" bg2="lt2" tx2="dk2" accent1="accent1" accent2="accent2" accent3="accent3" accent4="accent4" accent5="accent5" accent6="accent6" hlink="hlink" folHlink="folHlink"/>
+  <p:notesStyle>
+    <a:lvl1pPr marL="0" algn="l" defTabSz="914400" rtl="0" eaLnBrk="1" latinLnBrk="0" hangingPunct="1">
+      <a:defRPr sz="1200" kern="1200">
+        <a:solidFill>
+          <a:schemeClr val="tx1"/>
+        </a:solidFill>
+        <a:latin typeface="+mn-lt"/>
+        <a:ea typeface="+mn-ea"/>
+        <a:cs typeface="+mn-cs"/>
+      </a:defRPr>
+    </a:lvl1pPr>
+    <a:lvl2pPr marL="457200" algn="l" defTabSz="914400" rtl="0" eaLnBrk="1" latinLnBrk="0" hangingPunct="1">
+      <a:defRPr sz="1200" kern="1200">
+        <a:solidFill>
+          <a:schemeClr val="tx1"/>
+        </a:solidFill>
+        <a:latin typeface="+mn-lt"/>
+        <a:ea typeface="+mn-ea"/>
+        <a:cs typeface="+mn-cs"/>
+      </a:defRPr>
+    </a:lvl2pPr>
+    <a:lvl3pPr marL="914400" algn="l" defTabSz="914400" rtl="0" eaLnBrk="1" latinLnBrk="0" hangingPunct="1">
+      <a:defRPr sz="1200" kern="1200">
+        <a:solidFill>
+          <a:schemeClr val="tx1"/>
+        </a:solidFill>
+        <a:latin typeface="+mn-lt"/>
+        <a:ea typeface="+mn-ea"/>
+        <a:cs typeface="+mn-cs"/>
+      </a:defRPr>
+    </a:lvl3pPr>
+    <a:lvl4pPr marL="1371600" algn="l" defTabSz="914400" rtl="0" eaLnBrk="1" latinLnBrk="0" hangingPunct="1">
+      <a:defRPr sz="1200" kern="1200">
+        <a:solidFill>
+          <a:schemeClr val="tx1"/>
+        </a:solidFill>
+        <a:latin typeface="+mn-lt"/>
+        <a:ea typeface="+mn-ea"/>
+        <a:cs typeface="+mn-cs"/>
+      </a:defRPr>
+    </a:lvl4pPr>
+    <a:lvl5pPr marL="1828800" algn="l" defTabSz="914400" rtl="0" eaLnBrk="1" latinLnBrk="0" hangingPunct="1">
+      <a:defRPr sz="1200" kern="1200">
+        <a:solidFill>
+          <a:schemeClr val="tx1"/>
+        </a:solidFill>
+        <a:latin typeface="+mn-lt"/>
+        <a:ea typeface="+mn-ea"/>
+        <a:cs typeface="+mn-cs"/>
+      </a:defRPr>
+    </a:lvl5pPr>
+    <a:lvl6pPr marL="2286000" algn="l" defTabSz="914400" rtl="0" eaLnBrk="1" latinLnBrk="0" hangingPunct="1">
+      <a:defRPr sz="1200" kern="1200">
+        <a:solidFill>
+          <a:schemeClr val="tx1"/>
+        </a:solidFill>
+        <a:latin typeface="+mn-lt"/>
+        <a:ea typeface="+mn-ea"/>
+        <a:cs typeface="+mn-cs"/>
+      </a:defRPr>
+    </a:lvl6pPr>
+    <a:lvl7pPr marL="2743200" algn="l" defTabSz="914400" rtl="0" eaLnBrk="1" latinLnBrk="0" hangingPunct="1">
+      <a:defRPr sz="1200" kern="1200">
+        <a:solidFill>
+          <a:schemeClr val="tx1"/>
+        </a:solidFill>
+        <a:latin typeface="+mn-lt"/>
+        <a:ea typeface="+mn-ea"/>
+        <a:cs typeface="+mn-cs"/>
+      </a:defRPr>
+    </a:lvl7pPr>
+    <a:lvl8pPr marL="3200400" algn="l" defTabSz="914400" rtl="0" eaLnBrk="1" latinLnBrk="0" hangingPunct="1">
+      <a:defRPr sz="1200" kern="1200">
+        <a:solidFill>
+          <a:schemeClr val="tx1"/>
+        </a:solidFill>
+        <a:latin typeface="+mn-lt"/>
+        <a:ea typeface="+mn-ea"/>
+        <a:cs typeface="+mn-cs"/>
+      </a:defRPr>
+    </a:lvl8pPr>
+    <a:lvl9pPr marL="3657600" algn="l" defTabSz="914400" rtl="0" eaLnBrk="1" latinLnBrk="0" hangingPunct="1">
+      <a:defRPr sz="1200" kern="1200">
+        <a:solidFill>
+          <a:schemeClr val="tx1"/>
+        </a:solidFill>
+        <a:latin typeface="+mn-lt"/>
+        <a:ea typeface="+mn-ea"/>
+        <a:cs typeface="+mn-cs"/>
+      </a:defRPr>
+    </a:lvl9pPr>
+  </p:notesStyle>
+</p:notesMaster>
 </file>
 
 <file path=ppt/slideLayouts/slideLayout1.xml><?xml version="1.0" encoding="utf-8"?>
@@ -226,10 +606,9 @@
           </a:lstStyle>
           <a:p>
             <a:r>
-              <a:rPr kumimoji="0" lang="en-US" smtClean="0"/>
+              <a:rPr kumimoji="0" lang="en-US"/>
               <a:t>Click to edit Master title style</a:t>
             </a:r>
-            <a:endParaRPr kumimoji="0" lang="en-US"/>
           </a:p>
         </p:txBody>
       </p:sp>
@@ -287,10 +666,9 @@
           </a:lstStyle>
           <a:p>
             <a:r>
-              <a:rPr kumimoji="0" lang="en-US" smtClean="0"/>
+              <a:rPr kumimoji="0" lang="en-US"/>
               <a:t>Click to edit Master subtitle style</a:t>
             </a:r>
-            <a:endParaRPr kumimoji="0" lang="en-US"/>
           </a:p>
         </p:txBody>
       </p:sp>
@@ -309,10 +687,9 @@
           <a:bodyPr/>
           <a:lstStyle/>
           <a:p>
-            <a:fld id="{1D8BD707-D9CF-40AE-B4C6-C98DA3205C09}" type="datetimeFigureOut">
+            <a:fld id="{83398961-908C-49AF-A0F1-78F4B57660BB}" type="datetime1">
               <a:rPr lang="en-US" smtClean="0"/>
-              <a:pPr/>
-              <a:t>12/1/2017</a:t>
+              <a:t>11/20/2018</a:t>
             </a:fld>
             <a:endParaRPr lang="en-US"/>
           </a:p>
@@ -402,84 +779,82 @@
           <a:lstStyle/>
           <a:p>
             <a:r>
-              <a:rPr kumimoji="0" lang="en-US" smtClean="0"/>
+              <a:rPr kumimoji="0" lang="en-US"/>
               <a:t>Click to edit Master title style</a:t>
             </a:r>
+          </a:p>
+        </p:txBody>
+      </p:sp>
+      <p:sp>
+        <p:nvSpPr>
+          <p:cNvPr id="3" name="Vertical Text Placeholder 2"/>
+          <p:cNvSpPr>
+            <a:spLocks noGrp="1"/>
+          </p:cNvSpPr>
+          <p:nvPr>
+            <p:ph type="body" orient="vert" idx="1"/>
+          </p:nvPr>
+        </p:nvSpPr>
+        <p:spPr/>
+        <p:txBody>
+          <a:bodyPr vert="eaVert"/>
+          <a:lstStyle/>
+          <a:p>
+            <a:pPr lvl="0" eaLnBrk="1" latinLnBrk="0" hangingPunct="1"/>
+            <a:r>
+              <a:rPr lang="en-US"/>
+              <a:t>Click to edit Master text styles</a:t>
+            </a:r>
+          </a:p>
+          <a:p>
+            <a:pPr lvl="1" eaLnBrk="1" latinLnBrk="0" hangingPunct="1"/>
+            <a:r>
+              <a:rPr lang="en-US"/>
+              <a:t>Second level</a:t>
+            </a:r>
+          </a:p>
+          <a:p>
+            <a:pPr lvl="2" eaLnBrk="1" latinLnBrk="0" hangingPunct="1"/>
+            <a:r>
+              <a:rPr lang="en-US"/>
+              <a:t>Third level</a:t>
+            </a:r>
+          </a:p>
+          <a:p>
+            <a:pPr lvl="3" eaLnBrk="1" latinLnBrk="0" hangingPunct="1"/>
+            <a:r>
+              <a:rPr lang="en-US"/>
+              <a:t>Fourth level</a:t>
+            </a:r>
+          </a:p>
+          <a:p>
+            <a:pPr lvl="4" eaLnBrk="1" latinLnBrk="0" hangingPunct="1"/>
+            <a:r>
+              <a:rPr lang="en-US"/>
+              <a:t>Fifth level</a:t>
+            </a:r>
             <a:endParaRPr kumimoji="0" lang="en-US"/>
           </a:p>
         </p:txBody>
       </p:sp>
       <p:sp>
         <p:nvSpPr>
-          <p:cNvPr id="3" name="Vertical Text Placeholder 2"/>
-          <p:cNvSpPr>
-            <a:spLocks noGrp="1"/>
-          </p:cNvSpPr>
-          <p:nvPr>
-            <p:ph type="body" orient="vert" idx="1"/>
-          </p:nvPr>
-        </p:nvSpPr>
-        <p:spPr/>
-        <p:txBody>
-          <a:bodyPr vert="eaVert"/>
-          <a:lstStyle/>
-          <a:p>
-            <a:pPr lvl="0" eaLnBrk="1" latinLnBrk="0" hangingPunct="1"/>
-            <a:r>
+          <p:cNvPr id="4" name="Date Placeholder 3"/>
+          <p:cNvSpPr>
+            <a:spLocks noGrp="1"/>
+          </p:cNvSpPr>
+          <p:nvPr>
+            <p:ph type="dt" sz="half" idx="10"/>
+          </p:nvPr>
+        </p:nvSpPr>
+        <p:spPr/>
+        <p:txBody>
+          <a:bodyPr/>
+          <a:lstStyle/>
+          <a:p>
+            <a:fld id="{31D01172-9649-4885-B018-F6C918653A1A}" type="datetime1">
               <a:rPr lang="en-US" smtClean="0"/>
-              <a:t>Click to edit Master text styles</a:t>
-            </a:r>
-          </a:p>
-          <a:p>
-            <a:pPr lvl="1" eaLnBrk="1" latinLnBrk="0" hangingPunct="1"/>
-            <a:r>
-              <a:rPr lang="en-US" smtClean="0"/>
-              <a:t>Second level</a:t>
-            </a:r>
-          </a:p>
-          <a:p>
-            <a:pPr lvl="2" eaLnBrk="1" latinLnBrk="0" hangingPunct="1"/>
-            <a:r>
-              <a:rPr lang="en-US" smtClean="0"/>
-              <a:t>Third level</a:t>
-            </a:r>
-          </a:p>
-          <a:p>
-            <a:pPr lvl="3" eaLnBrk="1" latinLnBrk="0" hangingPunct="1"/>
-            <a:r>
-              <a:rPr lang="en-US" smtClean="0"/>
-              <a:t>Fourth level</a:t>
-            </a:r>
-          </a:p>
-          <a:p>
-            <a:pPr lvl="4" eaLnBrk="1" latinLnBrk="0" hangingPunct="1"/>
-            <a:r>
-              <a:rPr lang="en-US" smtClean="0"/>
-              <a:t>Fifth level</a:t>
-            </a:r>
-            <a:endParaRPr kumimoji="0" lang="en-US"/>
-          </a:p>
-        </p:txBody>
-      </p:sp>
-      <p:sp>
-        <p:nvSpPr>
-          <p:cNvPr id="4" name="Date Placeholder 3"/>
-          <p:cNvSpPr>
-            <a:spLocks noGrp="1"/>
-          </p:cNvSpPr>
-          <p:nvPr>
-            <p:ph type="dt" sz="half" idx="10"/>
-          </p:nvPr>
-        </p:nvSpPr>
-        <p:spPr/>
-        <p:txBody>
-          <a:bodyPr/>
-          <a:lstStyle/>
-          <a:p>
-            <a:fld id="{4EF08309-2DB7-471A-833C-5CCE4C84E14D}" type="datetimeFigureOut">
-              <a:rPr lang="el-GR" smtClean="0"/>
-              <a:pPr/>
-              <a:t>1/12/2017</a:t>
+              <a:t>11/20/2018</a:t>
             </a:fld>
             <a:endParaRPr lang="el-GR"/>
           </a:p>
@@ -574,10 +949,9 @@
           <a:lstStyle/>
           <a:p>
             <a:r>
-              <a:rPr kumimoji="0" lang="en-US" smtClean="0"/>
+              <a:rPr kumimoji="0" lang="en-US"/>
               <a:t>Click to edit Master title style</a:t>
             </a:r>
-            <a:endParaRPr kumimoji="0" lang="en-US"/>
           </a:p>
         </p:txBody>
       </p:sp>
@@ -603,60 +977,59 @@
           <a:p>
             <a:pPr lvl="0" eaLnBrk="1" latinLnBrk="0" hangingPunct="1"/>
             <a:r>
+              <a:rPr lang="en-US"/>
+              <a:t>Click to edit Master text styles</a:t>
+            </a:r>
+          </a:p>
+          <a:p>
+            <a:pPr lvl="1" eaLnBrk="1" latinLnBrk="0" hangingPunct="1"/>
+            <a:r>
+              <a:rPr lang="en-US"/>
+              <a:t>Second level</a:t>
+            </a:r>
+          </a:p>
+          <a:p>
+            <a:pPr lvl="2" eaLnBrk="1" latinLnBrk="0" hangingPunct="1"/>
+            <a:r>
+              <a:rPr lang="en-US"/>
+              <a:t>Third level</a:t>
+            </a:r>
+          </a:p>
+          <a:p>
+            <a:pPr lvl="3" eaLnBrk="1" latinLnBrk="0" hangingPunct="1"/>
+            <a:r>
+              <a:rPr lang="en-US"/>
+              <a:t>Fourth level</a:t>
+            </a:r>
+          </a:p>
+          <a:p>
+            <a:pPr lvl="4" eaLnBrk="1" latinLnBrk="0" hangingPunct="1"/>
+            <a:r>
+              <a:rPr lang="en-US"/>
+              <a:t>Fifth level</a:t>
+            </a:r>
+            <a:endParaRPr kumimoji="0" lang="en-US"/>
+          </a:p>
+        </p:txBody>
+      </p:sp>
+      <p:sp>
+        <p:nvSpPr>
+          <p:cNvPr id="4" name="Date Placeholder 3"/>
+          <p:cNvSpPr>
+            <a:spLocks noGrp="1"/>
+          </p:cNvSpPr>
+          <p:nvPr>
+            <p:ph type="dt" sz="half" idx="10"/>
+          </p:nvPr>
+        </p:nvSpPr>
+        <p:spPr/>
+        <p:txBody>
+          <a:bodyPr/>
+          <a:lstStyle/>
+          <a:p>
+            <a:fld id="{030BFDD8-3CF0-4772-BA87-8A71DC68CB4C}" type="datetime1">
               <a:rPr lang="en-US" smtClean="0"/>
-              <a:t>Click to edit Master text styles</a:t>
-            </a:r>
-          </a:p>
-          <a:p>
-            <a:pPr lvl="1" eaLnBrk="1" latinLnBrk="0" hangingPunct="1"/>
-            <a:r>
-              <a:rPr lang="en-US" smtClean="0"/>
-              <a:t>Second level</a:t>
-            </a:r>
-          </a:p>
-          <a:p>
-            <a:pPr lvl="2" eaLnBrk="1" latinLnBrk="0" hangingPunct="1"/>
-            <a:r>
-              <a:rPr lang="en-US" smtClean="0"/>
-              <a:t>Third level</a:t>
-            </a:r>
-          </a:p>
-          <a:p>
-            <a:pPr lvl="3" eaLnBrk="1" latinLnBrk="0" hangingPunct="1"/>
-            <a:r>
-              <a:rPr lang="en-US" smtClean="0"/>
-              <a:t>Fourth level</a:t>
-            </a:r>
-          </a:p>
-          <a:p>
-            <a:pPr lvl="4" eaLnBrk="1" latinLnBrk="0" hangingPunct="1"/>
-            <a:r>
-              <a:rPr lang="en-US" smtClean="0"/>
-              <a:t>Fifth level</a:t>
-            </a:r>
-            <a:endParaRPr kumimoji="0" lang="en-US"/>
-          </a:p>
-        </p:txBody>
-      </p:sp>
-      <p:sp>
-        <p:nvSpPr>
-          <p:cNvPr id="4" name="Date Placeholder 3"/>
-          <p:cNvSpPr>
-            <a:spLocks noGrp="1"/>
-          </p:cNvSpPr>
-          <p:nvPr>
-            <p:ph type="dt" sz="half" idx="10"/>
-          </p:nvPr>
-        </p:nvSpPr>
-        <p:spPr/>
-        <p:txBody>
-          <a:bodyPr/>
-          <a:lstStyle/>
-          <a:p>
-            <a:fld id="{4EF08309-2DB7-471A-833C-5CCE4C84E14D}" type="datetimeFigureOut">
-              <a:rPr lang="el-GR" smtClean="0"/>
-              <a:pPr/>
-              <a:t>1/12/2017</a:t>
+              <a:t>11/20/2018</a:t>
             </a:fld>
             <a:endParaRPr lang="el-GR"/>
           </a:p>
@@ -818,7 +1191,7 @@
           </a:lstStyle>
           <a:p>
             <a:r>
-              <a:rPr lang="en-US" smtClean="0"/>
+              <a:rPr lang="en-US"/>
               <a:t>Click to edit Master title style</a:t>
             </a:r>
             <a:endParaRPr/>
@@ -984,7 +1357,7 @@
           </a:lstStyle>
           <a:p>
             <a:r>
-              <a:rPr lang="en-US" smtClean="0"/>
+              <a:rPr lang="en-US"/>
               <a:t>Click to edit Master subtitle style</a:t>
             </a:r>
             <a:endParaRPr/>
@@ -1095,7 +1468,7 @@
           </a:lstStyle>
           <a:p>
             <a:r>
-              <a:rPr lang="en-US" smtClean="0"/>
+              <a:rPr lang="en-US"/>
               <a:t>Click to edit Master title style</a:t>
             </a:r>
             <a:endParaRPr/>
@@ -1182,7 +1555,7 @@
           <a:p>
             <a:pPr lvl="0"/>
             <a:r>
-              <a:rPr lang="en-US" smtClean="0"/>
+              <a:rPr lang="en-US"/>
               <a:t>Click to edit Master text styles</a:t>
             </a:r>
           </a:p>
@@ -1292,7 +1665,7 @@
           </a:lstStyle>
           <a:p>
             <a:r>
-              <a:rPr lang="en-US" smtClean="0"/>
+              <a:rPr lang="en-US"/>
               <a:t>Click to edit Master title style</a:t>
             </a:r>
             <a:endParaRPr/>
@@ -1388,7 +1761,7 @@
           <a:p>
             <a:pPr lvl="0"/>
             <a:r>
-              <a:rPr lang="en-US" smtClean="0"/>
+              <a:rPr lang="en-US"/>
               <a:t>Click to edit Master text styles</a:t>
             </a:r>
           </a:p>
@@ -1483,7 +1856,7 @@
           <a:p>
             <a:pPr lvl="0"/>
             <a:r>
-              <a:rPr lang="en-US" smtClean="0"/>
+              <a:rPr lang="en-US"/>
               <a:t>Click to edit Master text styles</a:t>
             </a:r>
           </a:p>
@@ -1530,84 +1903,82 @@
           <a:lstStyle/>
           <a:p>
             <a:r>
-              <a:rPr kumimoji="0" lang="en-US" smtClean="0"/>
+              <a:rPr kumimoji="0" lang="en-US"/>
               <a:t>Click to edit Master title style</a:t>
             </a:r>
+          </a:p>
+        </p:txBody>
+      </p:sp>
+      <p:sp>
+        <p:nvSpPr>
+          <p:cNvPr id="3" name="Content Placeholder 2"/>
+          <p:cNvSpPr>
+            <a:spLocks noGrp="1"/>
+          </p:cNvSpPr>
+          <p:nvPr>
+            <p:ph idx="1"/>
+          </p:nvPr>
+        </p:nvSpPr>
+        <p:spPr/>
+        <p:txBody>
+          <a:bodyPr/>
+          <a:lstStyle/>
+          <a:p>
+            <a:pPr lvl="0" eaLnBrk="1" latinLnBrk="0" hangingPunct="1"/>
+            <a:r>
+              <a:rPr lang="en-US"/>
+              <a:t>Click to edit Master text styles</a:t>
+            </a:r>
+          </a:p>
+          <a:p>
+            <a:pPr lvl="1" eaLnBrk="1" latinLnBrk="0" hangingPunct="1"/>
+            <a:r>
+              <a:rPr lang="en-US"/>
+              <a:t>Second level</a:t>
+            </a:r>
+          </a:p>
+          <a:p>
+            <a:pPr lvl="2" eaLnBrk="1" latinLnBrk="0" hangingPunct="1"/>
+            <a:r>
+              <a:rPr lang="en-US"/>
+              <a:t>Third level</a:t>
+            </a:r>
+          </a:p>
+          <a:p>
+            <a:pPr lvl="3" eaLnBrk="1" latinLnBrk="0" hangingPunct="1"/>
+            <a:r>
+              <a:rPr lang="en-US"/>
+              <a:t>Fourth level</a:t>
+            </a:r>
+          </a:p>
+          <a:p>
+            <a:pPr lvl="4" eaLnBrk="1" latinLnBrk="0" hangingPunct="1"/>
+            <a:r>
+              <a:rPr lang="en-US"/>
+              <a:t>Fifth level</a:t>
+            </a:r>
             <a:endParaRPr kumimoji="0" lang="en-US"/>
           </a:p>
         </p:txBody>
       </p:sp>
       <p:sp>
         <p:nvSpPr>
-          <p:cNvPr id="3" name="Content Placeholder 2"/>
-          <p:cNvSpPr>
-            <a:spLocks noGrp="1"/>
-          </p:cNvSpPr>
-          <p:nvPr>
-            <p:ph idx="1"/>
-          </p:nvPr>
-        </p:nvSpPr>
-        <p:spPr/>
-        <p:txBody>
-          <a:bodyPr/>
-          <a:lstStyle/>
-          <a:p>
-            <a:pPr lvl="0" eaLnBrk="1" latinLnBrk="0" hangingPunct="1"/>
-            <a:r>
+          <p:cNvPr id="4" name="Date Placeholder 3"/>
+          <p:cNvSpPr>
+            <a:spLocks noGrp="1"/>
+          </p:cNvSpPr>
+          <p:nvPr>
+            <p:ph type="dt" sz="half" idx="10"/>
+          </p:nvPr>
+        </p:nvSpPr>
+        <p:spPr/>
+        <p:txBody>
+          <a:bodyPr/>
+          <a:lstStyle/>
+          <a:p>
+            <a:fld id="{292482AC-A141-4E60-A9D8-DE8921B4A97F}" type="datetime1">
               <a:rPr lang="en-US" smtClean="0"/>
-              <a:t>Click to edit Master text styles</a:t>
-            </a:r>
-          </a:p>
-          <a:p>
-            <a:pPr lvl="1" eaLnBrk="1" latinLnBrk="0" hangingPunct="1"/>
-            <a:r>
-              <a:rPr lang="en-US" smtClean="0"/>
-              <a:t>Second level</a:t>
-            </a:r>
-          </a:p>
-          <a:p>
-            <a:pPr lvl="2" eaLnBrk="1" latinLnBrk="0" hangingPunct="1"/>
-            <a:r>
-              <a:rPr lang="en-US" smtClean="0"/>
-              <a:t>Third level</a:t>
-            </a:r>
-          </a:p>
-          <a:p>
-            <a:pPr lvl="3" eaLnBrk="1" latinLnBrk="0" hangingPunct="1"/>
-            <a:r>
-              <a:rPr lang="en-US" smtClean="0"/>
-              <a:t>Fourth level</a:t>
-            </a:r>
-          </a:p>
-          <a:p>
-            <a:pPr lvl="4" eaLnBrk="1" latinLnBrk="0" hangingPunct="1"/>
-            <a:r>
-              <a:rPr lang="en-US" smtClean="0"/>
-              <a:t>Fifth level</a:t>
-            </a:r>
-            <a:endParaRPr kumimoji="0" lang="en-US"/>
-          </a:p>
-        </p:txBody>
-      </p:sp>
-      <p:sp>
-        <p:nvSpPr>
-          <p:cNvPr id="4" name="Date Placeholder 3"/>
-          <p:cNvSpPr>
-            <a:spLocks noGrp="1"/>
-          </p:cNvSpPr>
-          <p:nvPr>
-            <p:ph type="dt" sz="half" idx="10"/>
-          </p:nvPr>
-        </p:nvSpPr>
-        <p:spPr/>
-        <p:txBody>
-          <a:bodyPr/>
-          <a:lstStyle/>
-          <a:p>
-            <a:fld id="{4EF08309-2DB7-471A-833C-5CCE4C84E14D}" type="datetimeFigureOut">
-              <a:rPr lang="el-GR" smtClean="0"/>
-              <a:pPr/>
-              <a:t>1/12/2017</a:t>
+              <a:t>11/20/2018</a:t>
             </a:fld>
             <a:endParaRPr lang="el-GR"/>
           </a:p>
@@ -1749,10 +2120,9 @@
           </a:lstStyle>
           <a:p>
             <a:r>
-              <a:rPr kumimoji="0" lang="en-US" smtClean="0"/>
+              <a:rPr kumimoji="0" lang="en-US"/>
               <a:t>Click to edit Master title style</a:t>
             </a:r>
-            <a:endParaRPr kumimoji="0" lang="en-US"/>
           </a:p>
         </p:txBody>
       </p:sp>
@@ -1827,7 +2197,7 @@
           <a:p>
             <a:pPr lvl="0" eaLnBrk="1" latinLnBrk="0" hangingPunct="1"/>
             <a:r>
-              <a:rPr kumimoji="0" lang="en-US" smtClean="0"/>
+              <a:rPr kumimoji="0" lang="en-US"/>
               <a:t>Click to edit Master text styles</a:t>
             </a:r>
           </a:p>
@@ -1848,10 +2218,9 @@
           <a:bodyPr/>
           <a:lstStyle/>
           <a:p>
-            <a:fld id="{4EF08309-2DB7-471A-833C-5CCE4C84E14D}" type="datetimeFigureOut">
-              <a:rPr lang="el-GR" smtClean="0"/>
-              <a:pPr/>
-              <a:t>1/12/2017</a:t>
+            <a:fld id="{AAF24781-4BF7-4057-8018-9D64018AEB5D}" type="datetime1">
+              <a:rPr lang="en-US" smtClean="0"/>
+              <a:t>11/20/2018</a:t>
             </a:fld>
             <a:endParaRPr lang="el-GR"/>
           </a:p>
@@ -1946,10 +2315,9 @@
           <a:lstStyle/>
           <a:p>
             <a:r>
-              <a:rPr kumimoji="0" lang="en-US" smtClean="0"/>
+              <a:rPr kumimoji="0" lang="en-US"/>
               <a:t>Click to edit Master title style</a:t>
             </a:r>
-            <a:endParaRPr kumimoji="0" lang="en-US"/>
           </a:p>
         </p:txBody>
       </p:sp>
@@ -1991,35 +2359,35 @@
           <a:p>
             <a:pPr lvl="0" eaLnBrk="1" latinLnBrk="0" hangingPunct="1"/>
             <a:r>
-              <a:rPr lang="en-US" smtClean="0"/>
+              <a:rPr lang="en-US"/>
               <a:t>Click to edit Master text styles</a:t>
             </a:r>
           </a:p>
           <a:p>
             <a:pPr lvl="1" eaLnBrk="1" latinLnBrk="0" hangingPunct="1"/>
             <a:r>
-              <a:rPr lang="en-US" smtClean="0"/>
+              <a:rPr lang="en-US"/>
               <a:t>Second level</a:t>
             </a:r>
           </a:p>
           <a:p>
             <a:pPr lvl="2" eaLnBrk="1" latinLnBrk="0" hangingPunct="1"/>
             <a:r>
-              <a:rPr lang="en-US" smtClean="0"/>
+              <a:rPr lang="en-US"/>
               <a:t>Third level</a:t>
             </a:r>
           </a:p>
           <a:p>
             <a:pPr lvl="3" eaLnBrk="1" latinLnBrk="0" hangingPunct="1"/>
             <a:r>
-              <a:rPr lang="en-US" smtClean="0"/>
+              <a:rPr lang="en-US"/>
               <a:t>Fourth level</a:t>
             </a:r>
           </a:p>
           <a:p>
             <a:pPr lvl="4" eaLnBrk="1" latinLnBrk="0" hangingPunct="1"/>
             <a:r>
-              <a:rPr lang="en-US" smtClean="0"/>
+              <a:rPr lang="en-US"/>
               <a:t>Fifth level</a:t>
             </a:r>
             <a:endParaRPr kumimoji="0" lang="en-US"/>
@@ -2064,60 +2432,59 @@
           <a:p>
             <a:pPr lvl="0" eaLnBrk="1" latinLnBrk="0" hangingPunct="1"/>
             <a:r>
+              <a:rPr lang="en-US"/>
+              <a:t>Click to edit Master text styles</a:t>
+            </a:r>
+          </a:p>
+          <a:p>
+            <a:pPr lvl="1" eaLnBrk="1" latinLnBrk="0" hangingPunct="1"/>
+            <a:r>
+              <a:rPr lang="en-US"/>
+              <a:t>Second level</a:t>
+            </a:r>
+          </a:p>
+          <a:p>
+            <a:pPr lvl="2" eaLnBrk="1" latinLnBrk="0" hangingPunct="1"/>
+            <a:r>
+              <a:rPr lang="en-US"/>
+              <a:t>Third level</a:t>
+            </a:r>
+          </a:p>
+          <a:p>
+            <a:pPr lvl="3" eaLnBrk="1" latinLnBrk="0" hangingPunct="1"/>
+            <a:r>
+              <a:rPr lang="en-US"/>
+              <a:t>Fourth level</a:t>
+            </a:r>
+          </a:p>
+          <a:p>
+            <a:pPr lvl="4" eaLnBrk="1" latinLnBrk="0" hangingPunct="1"/>
+            <a:r>
+              <a:rPr lang="en-US"/>
+              <a:t>Fifth level</a:t>
+            </a:r>
+            <a:endParaRPr kumimoji="0" lang="en-US"/>
+          </a:p>
+        </p:txBody>
+      </p:sp>
+      <p:sp>
+        <p:nvSpPr>
+          <p:cNvPr id="5" name="Date Placeholder 4"/>
+          <p:cNvSpPr>
+            <a:spLocks noGrp="1"/>
+          </p:cNvSpPr>
+          <p:nvPr>
+            <p:ph type="dt" sz="half" idx="10"/>
+          </p:nvPr>
+        </p:nvSpPr>
+        <p:spPr/>
+        <p:txBody>
+          <a:bodyPr/>
+          <a:lstStyle/>
+          <a:p>
+            <a:fld id="{D0E860A2-B30D-488F-9F02-59169DA5BDDC}" type="datetime1">
               <a:rPr lang="en-US" smtClean="0"/>
-              <a:t>Click to edit Master text styles</a:t>
-            </a:r>
-          </a:p>
-          <a:p>
-            <a:pPr lvl="1" eaLnBrk="1" latinLnBrk="0" hangingPunct="1"/>
-            <a:r>
-              <a:rPr lang="en-US" smtClean="0"/>
-              <a:t>Second level</a:t>
-            </a:r>
-          </a:p>
-          <a:p>
-            <a:pPr lvl="2" eaLnBrk="1" latinLnBrk="0" hangingPunct="1"/>
-            <a:r>
-              <a:rPr lang="en-US" smtClean="0"/>
-              <a:t>Third level</a:t>
-            </a:r>
-          </a:p>
-          <a:p>
-            <a:pPr lvl="3" eaLnBrk="1" latinLnBrk="0" hangingPunct="1"/>
-            <a:r>
-              <a:rPr lang="en-US" smtClean="0"/>
-              <a:t>Fourth level</a:t>
-            </a:r>
-          </a:p>
-          <a:p>
-            <a:pPr lvl="4" eaLnBrk="1" latinLnBrk="0" hangingPunct="1"/>
-            <a:r>
-              <a:rPr lang="en-US" smtClean="0"/>
-              <a:t>Fifth level</a:t>
-            </a:r>
-            <a:endParaRPr kumimoji="0" lang="en-US"/>
-          </a:p>
-        </p:txBody>
-      </p:sp>
-      <p:sp>
-        <p:nvSpPr>
-          <p:cNvPr id="5" name="Date Placeholder 4"/>
-          <p:cNvSpPr>
-            <a:spLocks noGrp="1"/>
-          </p:cNvSpPr>
-          <p:nvPr>
-            <p:ph type="dt" sz="half" idx="10"/>
-          </p:nvPr>
-        </p:nvSpPr>
-        <p:spPr/>
-        <p:txBody>
-          <a:bodyPr/>
-          <a:lstStyle/>
-          <a:p>
-            <a:fld id="{4EF08309-2DB7-471A-833C-5CCE4C84E14D}" type="datetimeFigureOut">
-              <a:rPr lang="el-GR" smtClean="0"/>
-              <a:pPr/>
-              <a:t>1/12/2017</a:t>
+              <a:t>11/20/2018</a:t>
             </a:fld>
             <a:endParaRPr lang="el-GR"/>
           </a:p>
@@ -2216,10 +2583,9 @@
           </a:lstStyle>
           <a:p>
             <a:r>
-              <a:rPr kumimoji="0" lang="en-US" smtClean="0"/>
+              <a:rPr kumimoji="0" lang="en-US"/>
               <a:t>Click to edit Master title style</a:t>
             </a:r>
-            <a:endParaRPr kumimoji="0" lang="en-US"/>
           </a:p>
         </p:txBody>
       </p:sp>
@@ -2273,7 +2639,7 @@
           <a:p>
             <a:pPr lvl="0" eaLnBrk="1" latinLnBrk="0" hangingPunct="1"/>
             <a:r>
-              <a:rPr kumimoji="0" lang="en-US" smtClean="0"/>
+              <a:rPr kumimoji="0" lang="en-US"/>
               <a:t>Click to edit Master text styles</a:t>
             </a:r>
           </a:p>
@@ -2327,7 +2693,7 @@
           <a:p>
             <a:pPr lvl="0" eaLnBrk="1" latinLnBrk="0" hangingPunct="1"/>
             <a:r>
-              <a:rPr kumimoji="0" lang="en-US" smtClean="0"/>
+              <a:rPr kumimoji="0" lang="en-US"/>
               <a:t>Click to edit Master text styles</a:t>
             </a:r>
           </a:p>
@@ -2371,35 +2737,35 @@
           <a:p>
             <a:pPr lvl="0" eaLnBrk="1" latinLnBrk="0" hangingPunct="1"/>
             <a:r>
-              <a:rPr lang="en-US" smtClean="0"/>
+              <a:rPr lang="en-US"/>
               <a:t>Click to edit Master text styles</a:t>
             </a:r>
           </a:p>
           <a:p>
             <a:pPr lvl="1" eaLnBrk="1" latinLnBrk="0" hangingPunct="1"/>
             <a:r>
-              <a:rPr lang="en-US" smtClean="0"/>
+              <a:rPr lang="en-US"/>
               <a:t>Second level</a:t>
             </a:r>
           </a:p>
           <a:p>
             <a:pPr lvl="2" eaLnBrk="1" latinLnBrk="0" hangingPunct="1"/>
             <a:r>
-              <a:rPr lang="en-US" smtClean="0"/>
+              <a:rPr lang="en-US"/>
               <a:t>Third level</a:t>
             </a:r>
           </a:p>
           <a:p>
             <a:pPr lvl="3" eaLnBrk="1" latinLnBrk="0" hangingPunct="1"/>
             <a:r>
-              <a:rPr lang="en-US" smtClean="0"/>
+              <a:rPr lang="en-US"/>
               <a:t>Fourth level</a:t>
             </a:r>
           </a:p>
           <a:p>
             <a:pPr lvl="4" eaLnBrk="1" latinLnBrk="0" hangingPunct="1"/>
             <a:r>
-              <a:rPr lang="en-US" smtClean="0"/>
+              <a:rPr lang="en-US"/>
               <a:t>Fifth level</a:t>
             </a:r>
             <a:endParaRPr kumimoji="0" lang="en-US"/>
@@ -2444,60 +2810,59 @@
           <a:p>
             <a:pPr lvl="0" eaLnBrk="1" latinLnBrk="0" hangingPunct="1"/>
             <a:r>
+              <a:rPr lang="en-US"/>
+              <a:t>Click to edit Master text styles</a:t>
+            </a:r>
+          </a:p>
+          <a:p>
+            <a:pPr lvl="1" eaLnBrk="1" latinLnBrk="0" hangingPunct="1"/>
+            <a:r>
+              <a:rPr lang="en-US"/>
+              <a:t>Second level</a:t>
+            </a:r>
+          </a:p>
+          <a:p>
+            <a:pPr lvl="2" eaLnBrk="1" latinLnBrk="0" hangingPunct="1"/>
+            <a:r>
+              <a:rPr lang="en-US"/>
+              <a:t>Third level</a:t>
+            </a:r>
+          </a:p>
+          <a:p>
+            <a:pPr lvl="3" eaLnBrk="1" latinLnBrk="0" hangingPunct="1"/>
+            <a:r>
+              <a:rPr lang="en-US"/>
+              <a:t>Fourth level</a:t>
+            </a:r>
+          </a:p>
+          <a:p>
+            <a:pPr lvl="4" eaLnBrk="1" latinLnBrk="0" hangingPunct="1"/>
+            <a:r>
+              <a:rPr lang="en-US"/>
+              <a:t>Fifth level</a:t>
+            </a:r>
+            <a:endParaRPr kumimoji="0" lang="en-US"/>
+          </a:p>
+        </p:txBody>
+      </p:sp>
+      <p:sp>
+        <p:nvSpPr>
+          <p:cNvPr id="7" name="Date Placeholder 6"/>
+          <p:cNvSpPr>
+            <a:spLocks noGrp="1"/>
+          </p:cNvSpPr>
+          <p:nvPr>
+            <p:ph type="dt" sz="half" idx="10"/>
+          </p:nvPr>
+        </p:nvSpPr>
+        <p:spPr/>
+        <p:txBody>
+          <a:bodyPr/>
+          <a:lstStyle/>
+          <a:p>
+            <a:fld id="{DA16F7FA-D5AC-44DC-8963-9ACD2B285C88}" type="datetime1">
               <a:rPr lang="en-US" smtClean="0"/>
-              <a:t>Click to edit Master text styles</a:t>
-            </a:r>
-          </a:p>
-          <a:p>
-            <a:pPr lvl="1" eaLnBrk="1" latinLnBrk="0" hangingPunct="1"/>
-            <a:r>
-              <a:rPr lang="en-US" smtClean="0"/>
-              <a:t>Second level</a:t>
-            </a:r>
-          </a:p>
-          <a:p>
-            <a:pPr lvl="2" eaLnBrk="1" latinLnBrk="0" hangingPunct="1"/>
-            <a:r>
-              <a:rPr lang="en-US" smtClean="0"/>
-              <a:t>Third level</a:t>
-            </a:r>
-          </a:p>
-          <a:p>
-            <a:pPr lvl="3" eaLnBrk="1" latinLnBrk="0" hangingPunct="1"/>
-            <a:r>
-              <a:rPr lang="en-US" smtClean="0"/>
-              <a:t>Fourth level</a:t>
-            </a:r>
-          </a:p>
-          <a:p>
-            <a:pPr lvl="4" eaLnBrk="1" latinLnBrk="0" hangingPunct="1"/>
-            <a:r>
-              <a:rPr lang="en-US" smtClean="0"/>
-              <a:t>Fifth level</a:t>
-            </a:r>
-            <a:endParaRPr kumimoji="0" lang="en-US"/>
-          </a:p>
-        </p:txBody>
-      </p:sp>
-      <p:sp>
-        <p:nvSpPr>
-          <p:cNvPr id="7" name="Date Placeholder 6"/>
-          <p:cNvSpPr>
-            <a:spLocks noGrp="1"/>
-          </p:cNvSpPr>
-          <p:nvPr>
-            <p:ph type="dt" sz="half" idx="10"/>
-          </p:nvPr>
-        </p:nvSpPr>
-        <p:spPr/>
-        <p:txBody>
-          <a:bodyPr/>
-          <a:lstStyle/>
-          <a:p>
-            <a:fld id="{4EF08309-2DB7-471A-833C-5CCE4C84E14D}" type="datetimeFigureOut">
-              <a:rPr lang="el-GR" smtClean="0"/>
-              <a:pPr/>
-              <a:t>1/12/2017</a:t>
+              <a:t>11/20/2018</a:t>
             </a:fld>
             <a:endParaRPr lang="el-GR"/>
           </a:p>
@@ -2624,10 +2989,9 @@
           </a:lstStyle>
           <a:p>
             <a:r>
-              <a:rPr kumimoji="0" lang="en-US" smtClean="0"/>
+              <a:rPr kumimoji="0" lang="en-US"/>
               <a:t>Click to edit Master title style</a:t>
             </a:r>
-            <a:endParaRPr kumimoji="0" lang="en-US"/>
           </a:p>
         </p:txBody>
       </p:sp>
@@ -2646,10 +3010,9 @@
           <a:bodyPr/>
           <a:lstStyle/>
           <a:p>
-            <a:fld id="{4EF08309-2DB7-471A-833C-5CCE4C84E14D}" type="datetimeFigureOut">
-              <a:rPr lang="el-GR" smtClean="0"/>
-              <a:pPr/>
-              <a:t>1/12/2017</a:t>
+            <a:fld id="{16D98309-41E3-42FC-B403-E32F779C7E5F}" type="datetime1">
+              <a:rPr lang="en-US" smtClean="0"/>
+              <a:t>11/20/2018</a:t>
             </a:fld>
             <a:endParaRPr lang="el-GR"/>
           </a:p>
@@ -2738,10 +3101,9 @@
           <a:bodyPr/>
           <a:lstStyle/>
           <a:p>
-            <a:fld id="{4EF08309-2DB7-471A-833C-5CCE4C84E14D}" type="datetimeFigureOut">
-              <a:rPr lang="el-GR" smtClean="0"/>
-              <a:pPr/>
-              <a:t>1/12/2017</a:t>
+            <a:fld id="{8552BD8A-1D89-41D2-AE61-B4BEB07B2337}" type="datetime1">
+              <a:rPr lang="en-US" smtClean="0"/>
+              <a:t>11/20/2018</a:t>
             </a:fld>
             <a:endParaRPr lang="el-GR"/>
           </a:p>
@@ -2857,10 +3219,9 @@
           </a:lstStyle>
           <a:p>
             <a:r>
-              <a:rPr kumimoji="0" lang="en-US" smtClean="0"/>
+              <a:rPr kumimoji="0" lang="en-US"/>
               <a:t>Click to edit Master title style</a:t>
             </a:r>
-            <a:endParaRPr kumimoji="0" lang="en-US"/>
           </a:p>
         </p:txBody>
       </p:sp>
@@ -2907,7 +3268,7 @@
           <a:p>
             <a:pPr lvl="0" eaLnBrk="1" latinLnBrk="0" hangingPunct="1"/>
             <a:r>
-              <a:rPr kumimoji="0" lang="en-US" smtClean="0"/>
+              <a:rPr kumimoji="0" lang="en-US"/>
               <a:t>Click to edit Master text styles</a:t>
             </a:r>
           </a:p>
@@ -2951,60 +3312,59 @@
           <a:p>
             <a:pPr lvl="0" eaLnBrk="1" latinLnBrk="0" hangingPunct="1"/>
             <a:r>
+              <a:rPr lang="en-US"/>
+              <a:t>Click to edit Master text styles</a:t>
+            </a:r>
+          </a:p>
+          <a:p>
+            <a:pPr lvl="1" eaLnBrk="1" latinLnBrk="0" hangingPunct="1"/>
+            <a:r>
+              <a:rPr lang="en-US"/>
+              <a:t>Second level</a:t>
+            </a:r>
+          </a:p>
+          <a:p>
+            <a:pPr lvl="2" eaLnBrk="1" latinLnBrk="0" hangingPunct="1"/>
+            <a:r>
+              <a:rPr lang="en-US"/>
+              <a:t>Third level</a:t>
+            </a:r>
+          </a:p>
+          <a:p>
+            <a:pPr lvl="3" eaLnBrk="1" latinLnBrk="0" hangingPunct="1"/>
+            <a:r>
+              <a:rPr lang="en-US"/>
+              <a:t>Fourth level</a:t>
+            </a:r>
+          </a:p>
+          <a:p>
+            <a:pPr lvl="4" eaLnBrk="1" latinLnBrk="0" hangingPunct="1"/>
+            <a:r>
+              <a:rPr lang="en-US"/>
+              <a:t>Fifth level</a:t>
+            </a:r>
+            <a:endParaRPr kumimoji="0" lang="en-US"/>
+          </a:p>
+        </p:txBody>
+      </p:sp>
+      <p:sp>
+        <p:nvSpPr>
+          <p:cNvPr id="5" name="Date Placeholder 4"/>
+          <p:cNvSpPr>
+            <a:spLocks noGrp="1"/>
+          </p:cNvSpPr>
+          <p:nvPr>
+            <p:ph type="dt" sz="half" idx="10"/>
+          </p:nvPr>
+        </p:nvSpPr>
+        <p:spPr/>
+        <p:txBody>
+          <a:bodyPr/>
+          <a:lstStyle/>
+          <a:p>
+            <a:fld id="{4CA15BDF-D62A-4B9B-935E-CD6420D4B528}" type="datetime1">
               <a:rPr lang="en-US" smtClean="0"/>
-              <a:t>Click to edit Master text styles</a:t>
-            </a:r>
-          </a:p>
-          <a:p>
-            <a:pPr lvl="1" eaLnBrk="1" latinLnBrk="0" hangingPunct="1"/>
-            <a:r>
-              <a:rPr lang="en-US" smtClean="0"/>
-              <a:t>Second level</a:t>
-            </a:r>
-          </a:p>
-          <a:p>
-            <a:pPr lvl="2" eaLnBrk="1" latinLnBrk="0" hangingPunct="1"/>
-            <a:r>
-              <a:rPr lang="en-US" smtClean="0"/>
-              <a:t>Third level</a:t>
-            </a:r>
-          </a:p>
-          <a:p>
-            <a:pPr lvl="3" eaLnBrk="1" latinLnBrk="0" hangingPunct="1"/>
-            <a:r>
-              <a:rPr lang="en-US" smtClean="0"/>
-              <a:t>Fourth level</a:t>
-            </a:r>
-          </a:p>
-          <a:p>
-            <a:pPr lvl="4" eaLnBrk="1" latinLnBrk="0" hangingPunct="1"/>
-            <a:r>
-              <a:rPr lang="en-US" smtClean="0"/>
-              <a:t>Fifth level</a:t>
-            </a:r>
-            <a:endParaRPr kumimoji="0" lang="en-US"/>
-          </a:p>
-        </p:txBody>
-      </p:sp>
-      <p:sp>
-        <p:nvSpPr>
-          <p:cNvPr id="5" name="Date Placeholder 4"/>
-          <p:cNvSpPr>
-            <a:spLocks noGrp="1"/>
-          </p:cNvSpPr>
-          <p:nvPr>
-            <p:ph type="dt" sz="half" idx="10"/>
-          </p:nvPr>
-        </p:nvSpPr>
-        <p:spPr/>
-        <p:txBody>
-          <a:bodyPr/>
-          <a:lstStyle/>
-          <a:p>
-            <a:fld id="{4EF08309-2DB7-471A-833C-5CCE4C84E14D}" type="datetimeFigureOut">
-              <a:rPr lang="el-GR" smtClean="0"/>
-              <a:pPr/>
-              <a:t>1/12/2017</a:t>
+              <a:t>11/20/2018</a:t>
             </a:fld>
             <a:endParaRPr lang="el-GR"/>
           </a:p>
@@ -3220,10 +3580,9 @@
           </a:lstStyle>
           <a:p>
             <a:r>
-              <a:rPr kumimoji="0" lang="en-US" smtClean="0"/>
+              <a:rPr kumimoji="0" lang="en-US"/>
               <a:t>Click to edit Master title style</a:t>
             </a:r>
-            <a:endParaRPr kumimoji="0" lang="en-US"/>
           </a:p>
         </p:txBody>
       </p:sp>
@@ -3270,7 +3629,7 @@
           <a:p>
             <a:pPr lvl="0" eaLnBrk="1" latinLnBrk="0" hangingPunct="1"/>
             <a:r>
-              <a:rPr kumimoji="0" lang="en-US" smtClean="0"/>
+              <a:rPr kumimoji="0" lang="en-US"/>
               <a:t>Click to edit Master text styles</a:t>
             </a:r>
           </a:p>
@@ -3291,10 +3650,9 @@
           <a:bodyPr/>
           <a:lstStyle/>
           <a:p>
-            <a:fld id="{4EF08309-2DB7-471A-833C-5CCE4C84E14D}" type="datetimeFigureOut">
-              <a:rPr lang="el-GR" smtClean="0"/>
-              <a:pPr/>
-              <a:t>1/12/2017</a:t>
+            <a:fld id="{84014874-C6A4-4598-841D-A5AC660134B7}" type="datetime1">
+              <a:rPr lang="en-US" smtClean="0"/>
+              <a:t>11/20/2018</a:t>
             </a:fld>
             <a:endParaRPr lang="el-GR"/>
           </a:p>
@@ -3387,7 +3745,7 @@
           </a:lstStyle>
           <a:p>
             <a:r>
-              <a:rPr kumimoji="0" lang="en-US" smtClean="0"/>
+              <a:rPr kumimoji="0" lang="en-US"/>
               <a:t>Click icon to add picture</a:t>
             </a:r>
             <a:endParaRPr kumimoji="0" lang="en-US" dirty="0"/>
@@ -3962,10 +4320,9 @@
           <a:lstStyle/>
           <a:p>
             <a:r>
-              <a:rPr kumimoji="0" lang="en-US" smtClean="0"/>
+              <a:rPr kumimoji="0" lang="en-US"/>
               <a:t>Click to edit Master title style</a:t>
             </a:r>
-            <a:endParaRPr kumimoji="0" lang="en-US"/>
           </a:p>
         </p:txBody>
       </p:sp>
@@ -3996,38 +4353,37 @@
           <a:p>
             <a:pPr lvl="0" eaLnBrk="1" latinLnBrk="0" hangingPunct="1"/>
             <a:r>
-              <a:rPr kumimoji="0" lang="en-US" smtClean="0"/>
+              <a:rPr kumimoji="0" lang="en-US"/>
               <a:t>Click to edit Master text styles</a:t>
             </a:r>
           </a:p>
           <a:p>
             <a:pPr lvl="1" eaLnBrk="1" latinLnBrk="0" hangingPunct="1"/>
             <a:r>
-              <a:rPr kumimoji="0" lang="en-US" smtClean="0"/>
+              <a:rPr kumimoji="0" lang="en-US"/>
               <a:t>Second level</a:t>
             </a:r>
           </a:p>
           <a:p>
             <a:pPr lvl="2" eaLnBrk="1" latinLnBrk="0" hangingPunct="1"/>
             <a:r>
-              <a:rPr kumimoji="0" lang="en-US" smtClean="0"/>
+              <a:rPr kumimoji="0" lang="en-US"/>
               <a:t>Third level</a:t>
             </a:r>
           </a:p>
           <a:p>
             <a:pPr lvl="3" eaLnBrk="1" latinLnBrk="0" hangingPunct="1"/>
             <a:r>
-              <a:rPr kumimoji="0" lang="en-US" smtClean="0"/>
+              <a:rPr kumimoji="0" lang="en-US"/>
               <a:t>Fourth level</a:t>
             </a:r>
           </a:p>
           <a:p>
             <a:pPr lvl="4" eaLnBrk="1" latinLnBrk="0" hangingPunct="1"/>
             <a:r>
-              <a:rPr kumimoji="0" lang="en-US" smtClean="0"/>
+              <a:rPr kumimoji="0" lang="en-US"/>
               <a:t>Fifth level</a:t>
             </a:r>
-            <a:endParaRPr kumimoji="0" lang="en-US"/>
           </a:p>
         </p:txBody>
       </p:sp>
@@ -4064,10 +4420,9 @@
             </a:lvl1pPr>
           </a:lstStyle>
           <a:p>
-            <a:fld id="{4EF08309-2DB7-471A-833C-5CCE4C84E14D}" type="datetimeFigureOut">
-              <a:rPr lang="el-GR" smtClean="0"/>
-              <a:pPr/>
-              <a:t>1/12/2017</a:t>
+            <a:fld id="{DF32B3BD-1BE9-4922-836E-B51439454F41}" type="datetime1">
+              <a:rPr lang="en-US" smtClean="0"/>
+              <a:t>11/20/2018</a:t>
             </a:fld>
             <a:endParaRPr lang="el-GR"/>
           </a:p>
@@ -4385,6 +4740,7 @@
     <p:sldLayoutId id="2147483820" r:id="rId13"/>
     <p:sldLayoutId id="2147483821" r:id="rId14"/>
   </p:sldLayoutIdLst>
+  <p:hf hdr="0" ftr="0" dt="0"/>
   <p:txStyles>
     <p:titleStyle>
       <a:lvl1pPr algn="l" rtl="0" eaLnBrk="1" latinLnBrk="0" hangingPunct="1">
@@ -4691,7 +5047,13 @@
       </p:grpSpPr>
       <p:sp>
         <p:nvSpPr>
-          <p:cNvPr id="2" name="Title 1"/>
+          <p:cNvPr id="2" name="Τίτλος 1">
+            <a:extLst>
+              <a:ext uri="{FF2B5EF4-FFF2-40B4-BE49-F238E27FC236}">
+                <a16:creationId xmlns:a16="http://schemas.microsoft.com/office/drawing/2014/main" id="{BE765283-B23A-4615-9CD1-D9F5E10B757C}"/>
+              </a:ext>
+            </a:extLst>
+          </p:cNvPr>
           <p:cNvSpPr>
             <a:spLocks noGrp="1"/>
           </p:cNvSpPr>
@@ -4705,8 +5067,40 @@
           <a:lstStyle/>
           <a:p>
             <a:r>
-              <a:rPr lang="en-US" dirty="0" smtClean="0"/>
-              <a:t>Python &amp; PyCharm</a:t>
+              <a:rPr lang="el-GR" dirty="0"/>
+              <a:t>Εισαγωγή </a:t>
+            </a:r>
+          </a:p>
+        </p:txBody>
+      </p:sp>
+      <p:sp>
+        <p:nvSpPr>
+          <p:cNvPr id="3" name="Υπότιτλος 2">
+            <a:extLst>
+              <a:ext uri="{FF2B5EF4-FFF2-40B4-BE49-F238E27FC236}">
+                <a16:creationId xmlns:a16="http://schemas.microsoft.com/office/drawing/2014/main" id="{D695AE97-B643-475D-A856-BA09E70BFFC3}"/>
+              </a:ext>
+            </a:extLst>
+          </p:cNvPr>
+          <p:cNvSpPr>
+            <a:spLocks noGrp="1"/>
+          </p:cNvSpPr>
+          <p:nvPr>
+            <p:ph type="subTitle" idx="1"/>
+          </p:nvPr>
+        </p:nvSpPr>
+        <p:spPr/>
+        <p:txBody>
+          <a:bodyPr/>
+          <a:lstStyle/>
+          <a:p>
+            <a:r>
+              <a:rPr lang="el-GR" dirty="0"/>
+              <a:t>Άρης </a:t>
+            </a:r>
+            <a:r>
+              <a:rPr lang="el-GR" dirty="0" err="1"/>
+              <a:t>Καράμπελας-Τιμοτίεβιτς</a:t>
             </a:r>
             <a:endParaRPr lang="el-GR" dirty="0"/>
           </a:p>
@@ -4714,39 +5108,44 @@
       </p:sp>
       <p:sp>
         <p:nvSpPr>
-          <p:cNvPr id="4" name="Subtitle 3"/>
-          <p:cNvSpPr>
-            <a:spLocks noGrp="1"/>
-          </p:cNvSpPr>
-          <p:nvPr>
-            <p:ph type="subTitle" idx="1"/>
-          </p:nvPr>
-        </p:nvSpPr>
-        <p:spPr/>
-        <p:txBody>
-          <a:bodyPr/>
-          <a:lstStyle/>
-          <a:p>
-            <a:r>
-              <a:rPr lang="el-GR" dirty="0" smtClean="0"/>
-              <a:t>Μέθοδος εγκατάστασης και προετοιμασία</a:t>
-            </a:r>
-            <a:endParaRPr lang="el-GR" dirty="0"/>
+          <p:cNvPr id="4" name="Θέση αριθμού διαφάνειας 3">
+            <a:extLst>
+              <a:ext uri="{FF2B5EF4-FFF2-40B4-BE49-F238E27FC236}">
+                <a16:creationId xmlns:a16="http://schemas.microsoft.com/office/drawing/2014/main" id="{A09BB5D4-DC39-47E2-882E-01FD4DBB8CEE}"/>
+              </a:ext>
+            </a:extLst>
+          </p:cNvPr>
+          <p:cNvSpPr>
+            <a:spLocks noGrp="1"/>
+          </p:cNvSpPr>
+          <p:nvPr>
+            <p:ph type="sldNum" sz="quarter" idx="12"/>
+          </p:nvPr>
+        </p:nvSpPr>
+        <p:spPr/>
+        <p:txBody>
+          <a:bodyPr/>
+          <a:lstStyle/>
+          <a:p>
+            <a:fld id="{B6F15528-21DE-4FAA-801E-634DDDAF4B2B}" type="slidenum">
+              <a:rPr lang="en-US" smtClean="0"/>
+              <a:pPr/>
+              <a:t>1</a:t>
+            </a:fld>
+            <a:endParaRPr lang="en-US"/>
           </a:p>
         </p:txBody>
       </p:sp>
     </p:spTree>
+    <p:extLst>
+      <p:ext uri="{BB962C8B-B14F-4D97-AF65-F5344CB8AC3E}">
+        <p14:creationId xmlns:p14="http://schemas.microsoft.com/office/powerpoint/2010/main" val="2082069253"/>
+      </p:ext>
+    </p:extLst>
   </p:cSld>
   <p:clrMapOvr>
     <a:masterClrMapping/>
   </p:clrMapOvr>
-  <p:timing>
-    <p:tnLst>
-      <p:par>
-        <p:cTn id="1" dur="indefinite" restart="never" nodeType="tmRoot"/>
-      </p:par>
-    </p:tnLst>
-  </p:timing>
 </p:sld>
 </file>
 
@@ -4767,6 +5166,153 @@
           <a:chExt cx="0" cy="0"/>
         </a:xfrm>
       </p:grpSpPr>
+      <p:pic>
+        <p:nvPicPr>
+          <p:cNvPr id="5" name="Picture 4" descr="Capture2.PNG"/>
+          <p:cNvPicPr>
+            <a:picLocks noChangeAspect="1"/>
+          </p:cNvPicPr>
+          <p:nvPr/>
+        </p:nvPicPr>
+        <p:blipFill>
+          <a:blip r:embed="rId2" cstate="print"/>
+          <a:stretch>
+            <a:fillRect/>
+          </a:stretch>
+        </p:blipFill>
+        <p:spPr>
+          <a:xfrm>
+            <a:off x="356158" y="1399708"/>
+            <a:ext cx="8431689" cy="3305643"/>
+          </a:xfrm>
+          <a:prstGeom prst="rect">
+            <a:avLst/>
+          </a:prstGeom>
+        </p:spPr>
+      </p:pic>
+      <p:cxnSp>
+        <p:nvCxnSpPr>
+          <p:cNvPr id="6" name="Straight Arrow Connector 5"/>
+          <p:cNvCxnSpPr/>
+          <p:nvPr/>
+        </p:nvCxnSpPr>
+        <p:spPr>
+          <a:xfrm flipH="1">
+            <a:off x="6477002" y="2952750"/>
+            <a:ext cx="398585" cy="914400"/>
+          </a:xfrm>
+          <a:prstGeom prst="straightConnector1">
+            <a:avLst/>
+          </a:prstGeom>
+          <a:ln w="57150">
+            <a:solidFill>
+              <a:srgbClr val="FF0000"/>
+            </a:solidFill>
+            <a:tailEnd type="arrow"/>
+          </a:ln>
+        </p:spPr>
+        <p:style>
+          <a:lnRef idx="1">
+            <a:schemeClr val="accent1"/>
+          </a:lnRef>
+          <a:fillRef idx="0">
+            <a:schemeClr val="accent1"/>
+          </a:fillRef>
+          <a:effectRef idx="0">
+            <a:schemeClr val="accent1"/>
+          </a:effectRef>
+          <a:fontRef idx="minor">
+            <a:schemeClr val="tx1"/>
+          </a:fontRef>
+        </p:style>
+      </p:cxnSp>
+      <p:sp>
+        <p:nvSpPr>
+          <p:cNvPr id="10" name="Title 9"/>
+          <p:cNvSpPr>
+            <a:spLocks noGrp="1"/>
+          </p:cNvSpPr>
+          <p:nvPr>
+            <p:ph type="title"/>
+          </p:nvPr>
+        </p:nvSpPr>
+        <p:spPr/>
+        <p:txBody>
+          <a:bodyPr>
+            <a:normAutofit/>
+          </a:bodyPr>
+          <a:lstStyle/>
+          <a:p>
+            <a:r>
+              <a:rPr lang="el-GR" dirty="0"/>
+              <a:t>Εγκαθιστώντας το </a:t>
+            </a:r>
+            <a:r>
+              <a:rPr lang="en-US" dirty="0"/>
+              <a:t>PyCharm</a:t>
+            </a:r>
+            <a:r>
+              <a:rPr lang="el-GR" dirty="0"/>
+              <a:t> - 1</a:t>
+            </a:r>
+          </a:p>
+        </p:txBody>
+      </p:sp>
+      <p:sp>
+        <p:nvSpPr>
+          <p:cNvPr id="2" name="Θέση αριθμού διαφάνειας 1">
+            <a:extLst>
+              <a:ext uri="{FF2B5EF4-FFF2-40B4-BE49-F238E27FC236}">
+                <a16:creationId xmlns:a16="http://schemas.microsoft.com/office/drawing/2014/main" id="{1342F569-05D2-4B26-B206-A9CD84FC01DC}"/>
+              </a:ext>
+            </a:extLst>
+          </p:cNvPr>
+          <p:cNvSpPr>
+            <a:spLocks noGrp="1"/>
+          </p:cNvSpPr>
+          <p:nvPr>
+            <p:ph type="sldNum" sz="quarter" idx="12"/>
+          </p:nvPr>
+        </p:nvSpPr>
+        <p:spPr/>
+        <p:txBody>
+          <a:bodyPr/>
+          <a:lstStyle/>
+          <a:p>
+            <a:fld id="{70E8846B-6BA9-4652-B6D0-30C643810B55}" type="slidenum">
+              <a:rPr lang="el-GR" smtClean="0"/>
+              <a:pPr/>
+              <a:t>10</a:t>
+            </a:fld>
+            <a:endParaRPr lang="el-GR"/>
+          </a:p>
+        </p:txBody>
+      </p:sp>
+    </p:spTree>
+  </p:cSld>
+  <p:clrMapOvr>
+    <a:masterClrMapping/>
+  </p:clrMapOvr>
+</p:sld>
+</file>
+
+<file path=ppt/slides/slide11.xml><?xml version="1.0" encoding="utf-8"?>
+<p:sld xmlns:a="http://schemas.openxmlformats.org/drawingml/2006/main" xmlns:r="http://schemas.openxmlformats.org/officeDocument/2006/relationships" xmlns:p="http://schemas.openxmlformats.org/presentationml/2006/main">
+  <p:cSld>
+    <p:spTree>
+      <p:nvGrpSpPr>
+        <p:cNvPr id="1" name=""/>
+        <p:cNvGrpSpPr/>
+        <p:nvPr/>
+      </p:nvGrpSpPr>
+      <p:grpSpPr>
+        <a:xfrm>
+          <a:off x="0" y="0"/>
+          <a:ext cx="0" cy="0"/>
+          <a:chOff x="0" y="0"/>
+          <a:chExt cx="0" cy="0"/>
+        </a:xfrm>
+      </p:grpSpPr>
       <p:sp>
         <p:nvSpPr>
           <p:cNvPr id="7" name="Title 6"/>
@@ -4783,18 +5329,17 @@
           <a:lstStyle/>
           <a:p>
             <a:r>
-              <a:rPr lang="el-GR" dirty="0" smtClean="0"/>
+              <a:rPr lang="el-GR" dirty="0"/>
               <a:t>Εγκαθιστώντας το </a:t>
             </a:r>
             <a:r>
-              <a:rPr lang="en-US" dirty="0" smtClean="0"/>
+              <a:rPr lang="en-US" dirty="0"/>
               <a:t>PyCharm </a:t>
             </a:r>
             <a:r>
-              <a:rPr lang="el-GR" dirty="0" smtClean="0"/>
+              <a:rPr lang="el-GR" dirty="0"/>
               <a:t>- 2</a:t>
             </a:r>
-            <a:endParaRPr lang="el-GR" dirty="0"/>
           </a:p>
         </p:txBody>
       </p:sp>
@@ -4822,22 +5367,45 @@
           </a:prstGeom>
         </p:spPr>
       </p:pic>
+      <p:sp>
+        <p:nvSpPr>
+          <p:cNvPr id="2" name="Θέση αριθμού διαφάνειας 1">
+            <a:extLst>
+              <a:ext uri="{FF2B5EF4-FFF2-40B4-BE49-F238E27FC236}">
+                <a16:creationId xmlns:a16="http://schemas.microsoft.com/office/drawing/2014/main" id="{CA0739F2-150D-4B43-AC94-6B490FDF0645}"/>
+              </a:ext>
+            </a:extLst>
+          </p:cNvPr>
+          <p:cNvSpPr>
+            <a:spLocks noGrp="1"/>
+          </p:cNvSpPr>
+          <p:nvPr>
+            <p:ph type="sldNum" sz="quarter" idx="12"/>
+          </p:nvPr>
+        </p:nvSpPr>
+        <p:spPr/>
+        <p:txBody>
+          <a:bodyPr/>
+          <a:lstStyle/>
+          <a:p>
+            <a:fld id="{70E8846B-6BA9-4652-B6D0-30C643810B55}" type="slidenum">
+              <a:rPr lang="el-GR" smtClean="0"/>
+              <a:pPr/>
+              <a:t>11</a:t>
+            </a:fld>
+            <a:endParaRPr lang="el-GR"/>
+          </a:p>
+        </p:txBody>
+      </p:sp>
     </p:spTree>
   </p:cSld>
   <p:clrMapOvr>
     <a:masterClrMapping/>
   </p:clrMapOvr>
-  <p:timing>
-    <p:tnLst>
-      <p:par>
-        <p:cTn id="1" dur="indefinite" restart="never" nodeType="tmRoot"/>
-      </p:par>
-    </p:tnLst>
-  </p:timing>
 </p:sld>
 </file>
 
-<file path=ppt/slides/slide11.xml><?xml version="1.0" encoding="utf-8"?>
+<file path=ppt/slides/slide12.xml><?xml version="1.0" encoding="utf-8"?>
 <p:sld xmlns:a="http://schemas.openxmlformats.org/drawingml/2006/main" xmlns:r="http://schemas.openxmlformats.org/officeDocument/2006/relationships" xmlns:p="http://schemas.openxmlformats.org/presentationml/2006/main">
   <p:cSld>
     <p:spTree>
@@ -4870,18 +5438,17 @@
           <a:lstStyle/>
           <a:p>
             <a:r>
-              <a:rPr lang="el-GR" dirty="0" smtClean="0"/>
+              <a:rPr lang="el-GR" dirty="0"/>
               <a:t>Εγκαθιστώντας το </a:t>
             </a:r>
             <a:r>
-              <a:rPr lang="en-US" dirty="0" smtClean="0"/>
+              <a:rPr lang="en-US" dirty="0"/>
               <a:t>PyCharm </a:t>
             </a:r>
             <a:r>
-              <a:rPr lang="el-GR" dirty="0" smtClean="0"/>
+              <a:rPr lang="el-GR" dirty="0"/>
               <a:t>- 3</a:t>
             </a:r>
-            <a:endParaRPr lang="el-GR" dirty="0"/>
           </a:p>
         </p:txBody>
       </p:sp>
@@ -4909,22 +5476,45 @@
           </a:prstGeom>
         </p:spPr>
       </p:pic>
+      <p:sp>
+        <p:nvSpPr>
+          <p:cNvPr id="4" name="Θέση αριθμού διαφάνειας 3">
+            <a:extLst>
+              <a:ext uri="{FF2B5EF4-FFF2-40B4-BE49-F238E27FC236}">
+                <a16:creationId xmlns:a16="http://schemas.microsoft.com/office/drawing/2014/main" id="{855CFA69-CCAF-42FD-ADC9-23C2083C4CF5}"/>
+              </a:ext>
+            </a:extLst>
+          </p:cNvPr>
+          <p:cNvSpPr>
+            <a:spLocks noGrp="1"/>
+          </p:cNvSpPr>
+          <p:nvPr>
+            <p:ph type="sldNum" sz="quarter" idx="12"/>
+          </p:nvPr>
+        </p:nvSpPr>
+        <p:spPr/>
+        <p:txBody>
+          <a:bodyPr/>
+          <a:lstStyle/>
+          <a:p>
+            <a:fld id="{70E8846B-6BA9-4652-B6D0-30C643810B55}" type="slidenum">
+              <a:rPr lang="el-GR" smtClean="0"/>
+              <a:pPr/>
+              <a:t>12</a:t>
+            </a:fld>
+            <a:endParaRPr lang="el-GR"/>
+          </a:p>
+        </p:txBody>
+      </p:sp>
     </p:spTree>
   </p:cSld>
   <p:clrMapOvr>
     <a:masterClrMapping/>
   </p:clrMapOvr>
-  <p:timing>
-    <p:tnLst>
-      <p:par>
-        <p:cTn id="1" dur="indefinite" restart="never" nodeType="tmRoot"/>
-      </p:par>
-    </p:tnLst>
-  </p:timing>
 </p:sld>
 </file>
 
-<file path=ppt/slides/slide12.xml><?xml version="1.0" encoding="utf-8"?>
+<file path=ppt/slides/slide13.xml><?xml version="1.0" encoding="utf-8"?>
 <p:sld xmlns:a="http://schemas.openxmlformats.org/drawingml/2006/main" xmlns:r="http://schemas.openxmlformats.org/officeDocument/2006/relationships" xmlns:p="http://schemas.openxmlformats.org/presentationml/2006/main">
   <p:cSld>
     <p:spTree>
@@ -4957,18 +5547,17 @@
           <a:lstStyle/>
           <a:p>
             <a:r>
-              <a:rPr lang="el-GR" dirty="0" smtClean="0"/>
+              <a:rPr lang="el-GR" dirty="0"/>
               <a:t>Εγκαθιστώντας το </a:t>
             </a:r>
             <a:r>
-              <a:rPr lang="en-US" dirty="0" smtClean="0"/>
+              <a:rPr lang="en-US" dirty="0"/>
               <a:t>PyCharm </a:t>
             </a:r>
             <a:r>
-              <a:rPr lang="el-GR" dirty="0" smtClean="0"/>
+              <a:rPr lang="el-GR" dirty="0"/>
               <a:t>- 4</a:t>
             </a:r>
-            <a:endParaRPr lang="el-GR" dirty="0"/>
           </a:p>
         </p:txBody>
       </p:sp>
@@ -4996,109 +5585,41 @@
           </a:prstGeom>
         </p:spPr>
       </p:pic>
+      <p:sp>
+        <p:nvSpPr>
+          <p:cNvPr id="3" name="Θέση αριθμού διαφάνειας 2">
+            <a:extLst>
+              <a:ext uri="{FF2B5EF4-FFF2-40B4-BE49-F238E27FC236}">
+                <a16:creationId xmlns:a16="http://schemas.microsoft.com/office/drawing/2014/main" id="{B01F3CFC-2435-4F66-86F5-2D9571BF6E1E}"/>
+              </a:ext>
+            </a:extLst>
+          </p:cNvPr>
+          <p:cNvSpPr>
+            <a:spLocks noGrp="1"/>
+          </p:cNvSpPr>
+          <p:nvPr>
+            <p:ph type="sldNum" sz="quarter" idx="12"/>
+          </p:nvPr>
+        </p:nvSpPr>
+        <p:spPr/>
+        <p:txBody>
+          <a:bodyPr/>
+          <a:lstStyle/>
+          <a:p>
+            <a:fld id="{70E8846B-6BA9-4652-B6D0-30C643810B55}" type="slidenum">
+              <a:rPr lang="el-GR" smtClean="0"/>
+              <a:pPr/>
+              <a:t>13</a:t>
+            </a:fld>
+            <a:endParaRPr lang="el-GR"/>
+          </a:p>
+        </p:txBody>
+      </p:sp>
     </p:spTree>
   </p:cSld>
   <p:clrMapOvr>
     <a:masterClrMapping/>
   </p:clrMapOvr>
-  <p:timing>
-    <p:tnLst>
-      <p:par>
-        <p:cTn id="1" dur="indefinite" restart="never" nodeType="tmRoot"/>
-      </p:par>
-    </p:tnLst>
-  </p:timing>
-</p:sld>
-</file>
-
-<file path=ppt/slides/slide13.xml><?xml version="1.0" encoding="utf-8"?>
-<p:sld xmlns:a="http://schemas.openxmlformats.org/drawingml/2006/main" xmlns:r="http://schemas.openxmlformats.org/officeDocument/2006/relationships" xmlns:p="http://schemas.openxmlformats.org/presentationml/2006/main">
-  <p:cSld>
-    <p:spTree>
-      <p:nvGrpSpPr>
-        <p:cNvPr id="1" name=""/>
-        <p:cNvGrpSpPr/>
-        <p:nvPr/>
-      </p:nvGrpSpPr>
-      <p:grpSpPr>
-        <a:xfrm>
-          <a:off x="0" y="0"/>
-          <a:ext cx="0" cy="0"/>
-          <a:chOff x="0" y="0"/>
-          <a:chExt cx="0" cy="0"/>
-        </a:xfrm>
-      </p:grpSpPr>
-      <p:sp>
-        <p:nvSpPr>
-          <p:cNvPr id="4" name="Title 3"/>
-          <p:cNvSpPr>
-            <a:spLocks noGrp="1"/>
-          </p:cNvSpPr>
-          <p:nvPr>
-            <p:ph type="ctrTitle"/>
-          </p:nvPr>
-        </p:nvSpPr>
-        <p:spPr/>
-        <p:txBody>
-          <a:bodyPr>
-            <a:noAutofit/>
-          </a:bodyPr>
-          <a:lstStyle/>
-          <a:p>
-            <a:r>
-              <a:rPr lang="el-GR" sz="4400" dirty="0" smtClean="0">
-                <a:cs typeface="Narkisim" pitchFamily="34" charset="-79"/>
-              </a:rPr>
-              <a:t>Εισαγωγικά</a:t>
-            </a:r>
-            <a:endParaRPr lang="el-GR" sz="4400" dirty="0">
-              <a:latin typeface="+mj-lt"/>
-              <a:cs typeface="Narkisim" pitchFamily="34" charset="-79"/>
-            </a:endParaRPr>
-          </a:p>
-        </p:txBody>
-      </p:sp>
-      <p:sp>
-        <p:nvSpPr>
-          <p:cNvPr id="5" name="Subtitle 4"/>
-          <p:cNvSpPr>
-            <a:spLocks noGrp="1"/>
-          </p:cNvSpPr>
-          <p:nvPr>
-            <p:ph type="subTitle" idx="1"/>
-          </p:nvPr>
-        </p:nvSpPr>
-        <p:spPr/>
-        <p:txBody>
-          <a:bodyPr>
-            <a:normAutofit/>
-          </a:bodyPr>
-          <a:lstStyle/>
-          <a:p>
-            <a:r>
-              <a:rPr lang="el-GR" dirty="0" smtClean="0"/>
-              <a:t>Βασικές έννοιες προγραμματισμού πριν γνωρίσουμε την γλώσσα </a:t>
-            </a:r>
-            <a:r>
-              <a:rPr lang="en-US" dirty="0" smtClean="0"/>
-              <a:t>Python</a:t>
-            </a:r>
-            <a:endParaRPr lang="el-GR" dirty="0"/>
-          </a:p>
-        </p:txBody>
-      </p:sp>
-    </p:spTree>
-  </p:cSld>
-  <p:clrMapOvr>
-    <a:masterClrMapping/>
-  </p:clrMapOvr>
-  <p:timing>
-    <p:tnLst>
-      <p:par>
-        <p:cTn id="1" dur="indefinite" restart="never" nodeType="tmRoot"/>
-      </p:par>
-    </p:tnLst>
-  </p:timing>
 </p:sld>
 </file>
 
@@ -5126,94 +5647,85 @@
             <a:spLocks noGrp="1"/>
           </p:cNvSpPr>
           <p:nvPr>
-            <p:ph type="title"/>
+            <p:ph type="ctrTitle"/>
           </p:nvPr>
         </p:nvSpPr>
         <p:spPr/>
         <p:txBody>
           <a:bodyPr>
-            <a:normAutofit fontScale="90000"/>
+            <a:noAutofit/>
           </a:bodyPr>
           <a:lstStyle/>
           <a:p>
             <a:r>
-              <a:rPr lang="el-GR" dirty="0" smtClean="0"/>
-              <a:t>Γενικά θα δούμε...</a:t>
-            </a:r>
-            <a:endParaRPr lang="el-GR" dirty="0"/>
-          </a:p>
-        </p:txBody>
-      </p:sp>
-      <p:sp>
-        <p:nvSpPr>
-          <p:cNvPr id="5" name="Text Placeholder 4"/>
-          <p:cNvSpPr>
-            <a:spLocks noGrp="1"/>
-          </p:cNvSpPr>
-          <p:nvPr>
-            <p:ph type="body" idx="1"/>
-          </p:nvPr>
-        </p:nvSpPr>
-        <p:spPr>
-          <a:xfrm>
-            <a:off x="1049500" y="1437425"/>
-            <a:ext cx="7020900" cy="3496525"/>
-          </a:xfrm>
-        </p:spPr>
+              <a:rPr lang="el-GR" sz="4400" dirty="0">
+                <a:cs typeface="Narkisim" pitchFamily="34" charset="-79"/>
+              </a:rPr>
+              <a:t>Εισαγωγικά</a:t>
+            </a:r>
+            <a:endParaRPr lang="el-GR" sz="4400" dirty="0">
+              <a:latin typeface="+mj-lt"/>
+              <a:cs typeface="Narkisim" pitchFamily="34" charset="-79"/>
+            </a:endParaRPr>
+          </a:p>
+        </p:txBody>
+      </p:sp>
+      <p:sp>
+        <p:nvSpPr>
+          <p:cNvPr id="5" name="Subtitle 4"/>
+          <p:cNvSpPr>
+            <a:spLocks noGrp="1"/>
+          </p:cNvSpPr>
+          <p:nvPr>
+            <p:ph type="subTitle" idx="1"/>
+          </p:nvPr>
+        </p:nvSpPr>
+        <p:spPr/>
         <p:txBody>
           <a:bodyPr>
             <a:normAutofit/>
           </a:bodyPr>
           <a:lstStyle/>
           <a:p>
-            <a:pPr>
-              <a:buFont typeface="Arial" pitchFamily="34" charset="0"/>
-              <a:buChar char="•"/>
-            </a:pPr>
-            <a:r>
-              <a:rPr lang="el-GR" dirty="0" smtClean="0"/>
-              <a:t> Τι ορίζουμε ως πρόβλημα</a:t>
-            </a:r>
-          </a:p>
-          <a:p>
-            <a:pPr>
-              <a:buFont typeface="Arial" pitchFamily="34" charset="0"/>
-              <a:buChar char="•"/>
-            </a:pPr>
-            <a:r>
-              <a:rPr lang="el-GR" dirty="0" smtClean="0"/>
-              <a:t> Τι είναι ο Η/Υ και με τι ασχολείται</a:t>
-            </a:r>
-          </a:p>
-          <a:p>
-            <a:pPr>
-              <a:buFont typeface="Arial" pitchFamily="34" charset="0"/>
-              <a:buChar char="•"/>
-            </a:pPr>
-            <a:r>
-              <a:rPr lang="el-GR" dirty="0" smtClean="0"/>
-              <a:t> Τι ονομάζουμε αλγόριθμο</a:t>
-            </a:r>
-          </a:p>
-          <a:p>
-            <a:pPr>
-              <a:buFont typeface="Arial" pitchFamily="34" charset="0"/>
-              <a:buChar char="•"/>
-            </a:pPr>
-            <a:r>
-              <a:rPr lang="el-GR" dirty="0" smtClean="0"/>
-              <a:t> Τι εννοούμε όταν λέμε δεδομένα</a:t>
-            </a:r>
-          </a:p>
-          <a:p>
-            <a:pPr>
-              <a:buFont typeface="Arial" pitchFamily="34" charset="0"/>
-              <a:buChar char="•"/>
-            </a:pPr>
-            <a:r>
-              <a:rPr lang="el-GR" dirty="0" smtClean="0"/>
-              <a:t> Τι ονομάζουμε πρόγραμμα</a:t>
-            </a:r>
+            <a:r>
+              <a:rPr lang="el-GR" dirty="0"/>
+              <a:t>Βασικές έννοιες προγραμματισμού πριν γνωρίσουμε την γλώσσα </a:t>
+            </a:r>
+            <a:r>
+              <a:rPr lang="en-US" dirty="0"/>
+              <a:t>Python</a:t>
+            </a:r>
+            <a:endParaRPr lang="el-GR" dirty="0"/>
+          </a:p>
+        </p:txBody>
+      </p:sp>
+      <p:sp>
+        <p:nvSpPr>
+          <p:cNvPr id="2" name="Θέση αριθμού διαφάνειας 1">
+            <a:extLst>
+              <a:ext uri="{FF2B5EF4-FFF2-40B4-BE49-F238E27FC236}">
+                <a16:creationId xmlns:a16="http://schemas.microsoft.com/office/drawing/2014/main" id="{30B3F72C-29AD-4002-9D23-9DCC5B443444}"/>
+              </a:ext>
+            </a:extLst>
+          </p:cNvPr>
+          <p:cNvSpPr>
+            <a:spLocks noGrp="1"/>
+          </p:cNvSpPr>
+          <p:nvPr>
+            <p:ph type="sldNum" sz="quarter" idx="12"/>
+          </p:nvPr>
+        </p:nvSpPr>
+        <p:spPr/>
+        <p:txBody>
+          <a:bodyPr/>
+          <a:lstStyle/>
+          <a:p>
+            <a:fld id="{B6F15528-21DE-4FAA-801E-634DDDAF4B2B}" type="slidenum">
+              <a:rPr lang="en-US" smtClean="0"/>
+              <a:pPr/>
+              <a:t>14</a:t>
+            </a:fld>
+            <a:endParaRPr lang="en-US"/>
           </a:p>
         </p:txBody>
       </p:sp>
@@ -5222,13 +5734,6 @@
   <p:clrMapOvr>
     <a:masterClrMapping/>
   </p:clrMapOvr>
-  <p:timing>
-    <p:tnLst>
-      <p:par>
-        <p:cTn id="1" dur="indefinite" restart="never" nodeType="tmRoot"/>
-      </p:par>
-    </p:tnLst>
-  </p:timing>
 </p:sld>
 </file>
 
@@ -5251,53 +5756,98 @@
       </p:grpSpPr>
       <p:sp>
         <p:nvSpPr>
-          <p:cNvPr id="5" name="Title 4"/>
-          <p:cNvSpPr>
-            <a:spLocks noGrp="1"/>
-          </p:cNvSpPr>
-          <p:nvPr>
-            <p:ph type="ctrTitle"/>
-          </p:nvPr>
-        </p:nvSpPr>
-        <p:spPr/>
-        <p:txBody>
-          <a:bodyPr/>
-          <a:lstStyle/>
-          <a:p>
-            <a:r>
-              <a:rPr lang="el-GR" dirty="0" smtClean="0"/>
-              <a:t>Προβλήματα</a:t>
-            </a:r>
-            <a:endParaRPr lang="el-GR" dirty="0"/>
-          </a:p>
-        </p:txBody>
-      </p:sp>
-      <p:sp>
-        <p:nvSpPr>
-          <p:cNvPr id="6" name="Subtitle 5"/>
-          <p:cNvSpPr>
-            <a:spLocks noGrp="1"/>
-          </p:cNvSpPr>
-          <p:nvPr>
-            <p:ph type="subTitle" idx="1"/>
-          </p:nvPr>
-        </p:nvSpPr>
-        <p:spPr/>
-        <p:txBody>
-          <a:bodyPr/>
-          <a:lstStyle/>
-          <a:p>
-            <a:r>
-              <a:rPr lang="el-GR" dirty="0" smtClean="0"/>
-              <a:t>Επεξήγηση βασικών εννοιών</a:t>
-            </a:r>
-          </a:p>
-          <a:p>
-            <a:r>
-              <a:rPr lang="el-GR" dirty="0" smtClean="0"/>
-              <a:t>Εισαγωγή στους αλγορίθμους</a:t>
-            </a:r>
-            <a:endParaRPr lang="el-GR" dirty="0"/>
+          <p:cNvPr id="4" name="Title 3"/>
+          <p:cNvSpPr>
+            <a:spLocks noGrp="1"/>
+          </p:cNvSpPr>
+          <p:nvPr>
+            <p:ph type="title"/>
+          </p:nvPr>
+        </p:nvSpPr>
+        <p:spPr/>
+        <p:txBody>
+          <a:bodyPr>
+            <a:normAutofit fontScale="90000"/>
+          </a:bodyPr>
+          <a:lstStyle/>
+          <a:p>
+            <a:r>
+              <a:rPr lang="el-GR" dirty="0"/>
+              <a:t>Γενικά θα δούμε...</a:t>
+            </a:r>
+          </a:p>
+        </p:txBody>
+      </p:sp>
+      <p:sp>
+        <p:nvSpPr>
+          <p:cNvPr id="5" name="Text Placeholder 4"/>
+          <p:cNvSpPr>
+            <a:spLocks noGrp="1"/>
+          </p:cNvSpPr>
+          <p:nvPr>
+            <p:ph type="body" idx="1"/>
+          </p:nvPr>
+        </p:nvSpPr>
+        <p:spPr>
+          <a:xfrm>
+            <a:off x="1049500" y="1437425"/>
+            <a:ext cx="7020900" cy="3496525"/>
+          </a:xfrm>
+        </p:spPr>
+        <p:txBody>
+          <a:bodyPr>
+            <a:normAutofit/>
+          </a:bodyPr>
+          <a:lstStyle/>
+          <a:p>
+            <a:pPr>
+              <a:buFont typeface="Arial" pitchFamily="34" charset="0"/>
+              <a:buChar char="•"/>
+            </a:pPr>
+            <a:r>
+              <a:rPr lang="el-GR" dirty="0"/>
+              <a:t> Τι ορίζουμε ως πρόβλημα</a:t>
+            </a:r>
+          </a:p>
+          <a:p>
+            <a:pPr>
+              <a:buFont typeface="Arial" pitchFamily="34" charset="0"/>
+              <a:buChar char="•"/>
+            </a:pPr>
+            <a:r>
+              <a:rPr lang="el-GR" dirty="0"/>
+              <a:t> Τι είναι ο Η/Υ και με τι ασχολείται</a:t>
+            </a:r>
+          </a:p>
+          <a:p>
+            <a:pPr>
+              <a:buFont typeface="Arial" pitchFamily="34" charset="0"/>
+              <a:buChar char="•"/>
+            </a:pPr>
+            <a:r>
+              <a:rPr lang="el-GR" dirty="0"/>
+              <a:t> Τι ονομάζουμε αλγόριθμο</a:t>
+            </a:r>
+          </a:p>
+          <a:p>
+            <a:pPr>
+              <a:buFont typeface="Arial" pitchFamily="34" charset="0"/>
+              <a:buChar char="•"/>
+            </a:pPr>
+            <a:r>
+              <a:rPr lang="el-GR" dirty="0"/>
+              <a:t> Τι εννοούμε όταν λέμε δεδομένα</a:t>
+            </a:r>
+          </a:p>
+          <a:p>
+            <a:pPr>
+              <a:buFont typeface="Arial" pitchFamily="34" charset="0"/>
+              <a:buChar char="•"/>
+            </a:pPr>
+            <a:r>
+              <a:rPr lang="el-GR" dirty="0"/>
+              <a:t> Τι ονομάζουμε πρόγραμμα</a:t>
+            </a:r>
           </a:p>
         </p:txBody>
       </p:sp>
@@ -5306,13 +5856,6 @@
   <p:clrMapOvr>
     <a:masterClrMapping/>
   </p:clrMapOvr>
-  <p:timing>
-    <p:tnLst>
-      <p:par>
-        <p:cTn id="1" dur="indefinite" restart="never" nodeType="tmRoot"/>
-      </p:par>
-    </p:tnLst>
-  </p:timing>
 </p:sld>
 </file>
 
@@ -5335,106 +5878,81 @@
       </p:grpSpPr>
       <p:sp>
         <p:nvSpPr>
-          <p:cNvPr id="2" name="Title 1"/>
-          <p:cNvSpPr>
-            <a:spLocks noGrp="1"/>
-          </p:cNvSpPr>
-          <p:nvPr>
-            <p:ph type="title"/>
-          </p:nvPr>
-        </p:nvSpPr>
-        <p:spPr/>
-        <p:txBody>
-          <a:bodyPr>
-            <a:normAutofit/>
-          </a:bodyPr>
-          <a:lstStyle/>
-          <a:p>
-            <a:r>
-              <a:rPr lang="el-GR" dirty="0" smtClean="0"/>
-              <a:t>Πρόβλημα...</a:t>
-            </a:r>
-            <a:endParaRPr lang="el-GR" dirty="0"/>
-          </a:p>
-        </p:txBody>
-      </p:sp>
-      <p:sp>
-        <p:nvSpPr>
-          <p:cNvPr id="5" name="Content Placeholder 4"/>
-          <p:cNvSpPr>
-            <a:spLocks noGrp="1"/>
-          </p:cNvSpPr>
-          <p:nvPr>
-            <p:ph idx="1"/>
-          </p:nvPr>
-        </p:nvSpPr>
-        <p:spPr>
-          <a:xfrm>
-            <a:off x="152400" y="1504952"/>
-            <a:ext cx="8839200" cy="2819399"/>
-          </a:xfrm>
-        </p:spPr>
-        <p:txBody>
-          <a:bodyPr>
-            <a:normAutofit/>
-          </a:bodyPr>
-          <a:lstStyle/>
-          <a:p>
-            <a:pPr algn="just"/>
-            <a:r>
-              <a:rPr lang="el-GR" dirty="0" smtClean="0"/>
-              <a:t>Είναι μια κατάσταση η οποία χρήζει αντιμετώπισης, απαιτεί λύση, όπου η δε λύση δεν είναι γνωστή, ούτε προφανής</a:t>
-            </a:r>
-          </a:p>
-          <a:p>
-            <a:r>
-              <a:rPr lang="el-GR" dirty="0" smtClean="0"/>
-              <a:t>Κατηγορίες προβλημάτων:</a:t>
-            </a:r>
-          </a:p>
-          <a:p>
-            <a:pPr lvl="1">
-              <a:buFont typeface="Wingdings" pitchFamily="2" charset="2"/>
-              <a:buChar char="§"/>
-            </a:pPr>
-            <a:r>
-              <a:rPr lang="el-GR" dirty="0" smtClean="0"/>
-              <a:t>Επιλύσιμα (π.χ. Η επίλυση μια πρωτοβάθμιας εξίσωσης)</a:t>
-            </a:r>
-          </a:p>
-          <a:p>
-            <a:pPr lvl="1">
-              <a:buFont typeface="Wingdings" pitchFamily="2" charset="2"/>
-              <a:buChar char="§"/>
-            </a:pPr>
-            <a:r>
-              <a:rPr lang="el-GR" dirty="0" smtClean="0"/>
-              <a:t>Ανοικτά (π.χ. Η εννοποίηση των πέντε δυνάμεων της Φυσικής)</a:t>
-            </a:r>
-          </a:p>
-          <a:p>
-            <a:pPr lvl="1">
-              <a:buFont typeface="Wingdings" pitchFamily="2" charset="2"/>
-              <a:buChar char="§"/>
-            </a:pPr>
-            <a:r>
-              <a:rPr lang="el-GR" dirty="0" smtClean="0"/>
-              <a:t>Άλυτα</a:t>
-            </a:r>
-            <a:r>
-              <a:rPr lang="en-US" dirty="0" smtClean="0"/>
-              <a:t> (</a:t>
-            </a:r>
-            <a:r>
-              <a:rPr lang="el-GR" dirty="0" smtClean="0"/>
-              <a:t>π.χ. Τετραγωνισμός του κύκλου)</a:t>
-            </a:r>
-          </a:p>
-          <a:p>
-            <a:endParaRPr lang="el-GR" dirty="0"/>
-          </a:p>
-          <a:p>
-            <a:endParaRPr lang="el-GR" dirty="0" smtClean="0"/>
+          <p:cNvPr id="5" name="Title 4"/>
+          <p:cNvSpPr>
+            <a:spLocks noGrp="1"/>
+          </p:cNvSpPr>
+          <p:nvPr>
+            <p:ph type="ctrTitle"/>
+          </p:nvPr>
+        </p:nvSpPr>
+        <p:spPr/>
+        <p:txBody>
+          <a:bodyPr/>
+          <a:lstStyle/>
+          <a:p>
+            <a:r>
+              <a:rPr lang="el-GR" dirty="0"/>
+              <a:t>Προβλήματα</a:t>
+            </a:r>
+          </a:p>
+        </p:txBody>
+      </p:sp>
+      <p:sp>
+        <p:nvSpPr>
+          <p:cNvPr id="6" name="Subtitle 5"/>
+          <p:cNvSpPr>
+            <a:spLocks noGrp="1"/>
+          </p:cNvSpPr>
+          <p:nvPr>
+            <p:ph type="subTitle" idx="1"/>
+          </p:nvPr>
+        </p:nvSpPr>
+        <p:spPr/>
+        <p:txBody>
+          <a:bodyPr/>
+          <a:lstStyle/>
+          <a:p>
+            <a:r>
+              <a:rPr lang="el-GR" dirty="0"/>
+              <a:t>Επεξήγηση βασικών εννοιών</a:t>
+            </a:r>
+          </a:p>
+          <a:p>
+            <a:r>
+              <a:rPr lang="el-GR" dirty="0"/>
+              <a:t>Εισαγωγή στους αλγορίθμους</a:t>
+            </a:r>
+          </a:p>
+        </p:txBody>
+      </p:sp>
+      <p:sp>
+        <p:nvSpPr>
+          <p:cNvPr id="2" name="Θέση αριθμού διαφάνειας 1">
+            <a:extLst>
+              <a:ext uri="{FF2B5EF4-FFF2-40B4-BE49-F238E27FC236}">
+                <a16:creationId xmlns:a16="http://schemas.microsoft.com/office/drawing/2014/main" id="{BD840CA1-5063-4D69-B1E3-C9922E6F93BA}"/>
+              </a:ext>
+            </a:extLst>
+          </p:cNvPr>
+          <p:cNvSpPr>
+            <a:spLocks noGrp="1"/>
+          </p:cNvSpPr>
+          <p:nvPr>
+            <p:ph type="sldNum" sz="quarter" idx="12"/>
+          </p:nvPr>
+        </p:nvSpPr>
+        <p:spPr/>
+        <p:txBody>
+          <a:bodyPr/>
+          <a:lstStyle/>
+          <a:p>
+            <a:fld id="{B6F15528-21DE-4FAA-801E-634DDDAF4B2B}" type="slidenum">
+              <a:rPr lang="en-US" smtClean="0"/>
+              <a:pPr/>
+              <a:t>16</a:t>
+            </a:fld>
+            <a:endParaRPr lang="en-US"/>
           </a:p>
         </p:txBody>
       </p:sp>
@@ -5443,13 +5961,6 @@
   <p:clrMapOvr>
     <a:masterClrMapping/>
   </p:clrMapOvr>
-  <p:timing>
-    <p:tnLst>
-      <p:par>
-        <p:cTn id="1" dur="indefinite" restart="never" nodeType="tmRoot"/>
-      </p:par>
-    </p:tnLst>
-  </p:timing>
 </p:sld>
 </file>
 
@@ -5482,84 +5993,125 @@
         </p:nvSpPr>
         <p:spPr/>
         <p:txBody>
-          <a:bodyPr/>
-          <a:lstStyle/>
-          <a:p>
-            <a:r>
-              <a:rPr lang="el-GR" dirty="0" smtClean="0"/>
-              <a:t>Ηλεκτρονικός Υπολογιστής</a:t>
-            </a:r>
-            <a:endParaRPr lang="el-GR" dirty="0"/>
-          </a:p>
-        </p:txBody>
-      </p:sp>
-      <p:pic>
-        <p:nvPicPr>
-          <p:cNvPr id="8" name="Content Placeholder 7" descr="computer.jpg"/>
-          <p:cNvPicPr>
-            <a:picLocks noGrp="1" noChangeAspect="1"/>
-          </p:cNvPicPr>
-          <p:nvPr>
-            <p:ph sz="quarter" idx="2"/>
-          </p:nvPr>
-        </p:nvPicPr>
-        <p:blipFill>
-          <a:blip r:embed="rId2" cstate="print"/>
-          <a:stretch>
-            <a:fillRect/>
-          </a:stretch>
-        </p:blipFill>
+          <a:bodyPr>
+            <a:normAutofit/>
+          </a:bodyPr>
+          <a:lstStyle/>
+          <a:p>
+            <a:r>
+              <a:rPr lang="el-GR" dirty="0"/>
+              <a:t>Πρόβλημα...</a:t>
+            </a:r>
+          </a:p>
+        </p:txBody>
+      </p:sp>
+      <p:sp>
+        <p:nvSpPr>
+          <p:cNvPr id="5" name="Content Placeholder 4"/>
+          <p:cNvSpPr>
+            <a:spLocks noGrp="1"/>
+          </p:cNvSpPr>
+          <p:nvPr>
+            <p:ph idx="1"/>
+          </p:nvPr>
+        </p:nvSpPr>
         <p:spPr>
           <a:xfrm>
-            <a:off x="381000" y="1733550"/>
-            <a:ext cx="3810000" cy="2794000"/>
+            <a:off x="152400" y="1504952"/>
+            <a:ext cx="8839200" cy="2819399"/>
           </a:xfrm>
         </p:spPr>
-      </p:pic>
-      <p:sp>
-        <p:nvSpPr>
-          <p:cNvPr id="7" name="Content Placeholder 6"/>
-          <p:cNvSpPr>
-            <a:spLocks noGrp="1"/>
-          </p:cNvSpPr>
-          <p:nvPr>
-            <p:ph sz="quarter" idx="4"/>
-          </p:nvPr>
-        </p:nvSpPr>
-        <p:spPr>
-          <a:xfrm>
-            <a:off x="4267200" y="2571750"/>
-            <a:ext cx="4724400" cy="784830"/>
-          </a:xfrm>
-        </p:spPr>
-        <p:txBody>
-          <a:bodyPr wrap="square" numCol="1">
-            <a:spAutoFit/>
+        <p:txBody>
+          <a:bodyPr>
+            <a:normAutofit/>
           </a:bodyPr>
           <a:lstStyle/>
           <a:p>
-            <a:pPr lvl="0" algn="just"/>
-            <a:r>
-              <a:rPr lang="el-GR" sz="1600" kern="900" dirty="0" smtClean="0"/>
-              <a:t>Κάθε συσκευή που </a:t>
-            </a:r>
-            <a:r>
-              <a:rPr lang="el-GR" sz="1600" b="1" kern="900" dirty="0" smtClean="0"/>
-              <a:t>επεξεργάζεται πληροφορίες </a:t>
-            </a:r>
-            <a:r>
-              <a:rPr lang="el-GR" sz="1600" kern="900" dirty="0" smtClean="0"/>
-              <a:t>μπορεί να θεωρηθεί υπολογιστής, ειδικά εάν η επεξεργασία αυτή έχει </a:t>
-            </a:r>
-            <a:r>
-              <a:rPr lang="el-GR" sz="1600" b="1" kern="900" dirty="0" smtClean="0"/>
-              <a:t>σκοπό</a:t>
-            </a:r>
-            <a:r>
-              <a:rPr lang="el-GR" sz="1600" kern="900" dirty="0" smtClean="0"/>
-              <a:t>.</a:t>
-            </a:r>
-            <a:endParaRPr lang="en-US" sz="1600" kern="900" dirty="0" smtClean="0"/>
+            <a:pPr algn="just"/>
+            <a:r>
+              <a:rPr lang="el-GR" dirty="0"/>
+              <a:t>Είναι μια κατάσταση η οποία χρήζει αντιμετώπισης, απαιτεί λύση, όπου η δε λύση δεν είναι γνωστή, ούτε προφανής</a:t>
+            </a:r>
+          </a:p>
+          <a:p>
+            <a:r>
+              <a:rPr lang="el-GR" dirty="0"/>
+              <a:t>Κατηγορίες προβλημάτων:</a:t>
+            </a:r>
+          </a:p>
+          <a:p>
+            <a:pPr lvl="1">
+              <a:buFont typeface="Wingdings" pitchFamily="2" charset="2"/>
+              <a:buChar char="§"/>
+            </a:pPr>
+            <a:r>
+              <a:rPr lang="el-GR" dirty="0"/>
+              <a:t>Επιλύσιμα (π.χ. Η επίλυση μια πρωτοβάθμιας εξίσωσης)</a:t>
+            </a:r>
+          </a:p>
+          <a:p>
+            <a:pPr lvl="1">
+              <a:buFont typeface="Wingdings" pitchFamily="2" charset="2"/>
+              <a:buChar char="§"/>
+            </a:pPr>
+            <a:r>
+              <a:rPr lang="el-GR" dirty="0"/>
+              <a:t>Ανοικτά (π.χ. Η εννοποίηση των πέντε δυνάμεων της Φυσικής)</a:t>
+            </a:r>
+          </a:p>
+          <a:p>
+            <a:pPr lvl="1">
+              <a:buFont typeface="Wingdings" pitchFamily="2" charset="2"/>
+              <a:buChar char="§"/>
+            </a:pPr>
+            <a:r>
+              <a:rPr lang="el-GR" dirty="0"/>
+              <a:t>Άλυτα</a:t>
+            </a:r>
+            <a:r>
+              <a:rPr lang="en-US" dirty="0"/>
+              <a:t> (</a:t>
+            </a:r>
+            <a:r>
+              <a:rPr lang="el-GR" dirty="0"/>
+              <a:t>π.χ. Τετραγωνισμός του κύκλου)</a:t>
+            </a:r>
+          </a:p>
+          <a:p>
+            <a:endParaRPr lang="el-GR" dirty="0"/>
+          </a:p>
+          <a:p>
+            <a:endParaRPr lang="el-GR" dirty="0"/>
+          </a:p>
+        </p:txBody>
+      </p:sp>
+      <p:sp>
+        <p:nvSpPr>
+          <p:cNvPr id="3" name="Θέση αριθμού διαφάνειας 2">
+            <a:extLst>
+              <a:ext uri="{FF2B5EF4-FFF2-40B4-BE49-F238E27FC236}">
+                <a16:creationId xmlns:a16="http://schemas.microsoft.com/office/drawing/2014/main" id="{0C37C4D3-52AD-4E25-A4EF-42A5FDF9375B}"/>
+              </a:ext>
+            </a:extLst>
+          </p:cNvPr>
+          <p:cNvSpPr>
+            <a:spLocks noGrp="1"/>
+          </p:cNvSpPr>
+          <p:nvPr>
+            <p:ph type="sldNum" sz="quarter" idx="12"/>
+          </p:nvPr>
+        </p:nvSpPr>
+        <p:spPr/>
+        <p:txBody>
+          <a:bodyPr/>
+          <a:lstStyle/>
+          <a:p>
+            <a:fld id="{70E8846B-6BA9-4652-B6D0-30C643810B55}" type="slidenum">
+              <a:rPr lang="el-GR" smtClean="0"/>
+              <a:pPr/>
+              <a:t>17</a:t>
+            </a:fld>
+            <a:endParaRPr lang="el-GR"/>
           </a:p>
         </p:txBody>
       </p:sp>
@@ -5568,13 +6120,6 @@
   <p:clrMapOvr>
     <a:masterClrMapping/>
   </p:clrMapOvr>
-  <p:timing>
-    <p:tnLst>
-      <p:par>
-        <p:cTn id="1" dur="indefinite" restart="never" nodeType="tmRoot"/>
-      </p:par>
-    </p:tnLst>
-  </p:timing>
 </p:sld>
 </file>
 
@@ -5605,111 +6150,115 @@
             <p:ph type="title"/>
           </p:nvPr>
         </p:nvSpPr>
+        <p:spPr/>
+        <p:txBody>
+          <a:bodyPr/>
+          <a:lstStyle/>
+          <a:p>
+            <a:r>
+              <a:rPr lang="el-GR" dirty="0"/>
+              <a:t>Ηλεκτρονικός Υπολογιστής</a:t>
+            </a:r>
+          </a:p>
+        </p:txBody>
+      </p:sp>
+      <p:pic>
+        <p:nvPicPr>
+          <p:cNvPr id="8" name="Content Placeholder 7" descr="computer.jpg"/>
+          <p:cNvPicPr>
+            <a:picLocks noGrp="1" noChangeAspect="1"/>
+          </p:cNvPicPr>
+          <p:nvPr>
+            <p:ph sz="quarter" idx="2"/>
+          </p:nvPr>
+        </p:nvPicPr>
+        <p:blipFill>
+          <a:blip r:embed="rId2" cstate="print"/>
+          <a:stretch>
+            <a:fillRect/>
+          </a:stretch>
+        </p:blipFill>
         <p:spPr>
           <a:xfrm>
-            <a:off x="228600" y="205979"/>
-            <a:ext cx="8610600" cy="857250"/>
+            <a:off x="381000" y="1733550"/>
+            <a:ext cx="3810000" cy="2794000"/>
           </a:xfrm>
         </p:spPr>
-        <p:txBody>
-          <a:bodyPr>
-            <a:normAutofit/>
-          </a:bodyPr>
-          <a:lstStyle/>
-          <a:p>
-            <a:r>
-              <a:rPr lang="el-GR" sz="4400" dirty="0" smtClean="0"/>
-              <a:t>Με τι προβλήματα ασχολείται ο Η/Υ?</a:t>
-            </a:r>
-            <a:endParaRPr lang="el-GR" sz="4400" dirty="0"/>
-          </a:p>
-        </p:txBody>
-      </p:sp>
-      <p:sp>
-        <p:nvSpPr>
-          <p:cNvPr id="3" name="Content Placeholder 2"/>
-          <p:cNvSpPr>
-            <a:spLocks noGrp="1"/>
-          </p:cNvSpPr>
-          <p:nvPr>
-            <p:ph idx="1"/>
+      </p:pic>
+      <p:sp>
+        <p:nvSpPr>
+          <p:cNvPr id="7" name="Content Placeholder 6"/>
+          <p:cNvSpPr>
+            <a:spLocks noGrp="1"/>
+          </p:cNvSpPr>
+          <p:nvPr>
+            <p:ph sz="quarter" idx="4"/>
           </p:nvPr>
         </p:nvSpPr>
         <p:spPr>
           <a:xfrm>
-            <a:off x="457200" y="1504951"/>
-            <a:ext cx="8229600" cy="2819399"/>
+            <a:off x="4267200" y="2571750"/>
+            <a:ext cx="4724400" cy="784830"/>
           </a:xfrm>
         </p:spPr>
         <p:txBody>
-          <a:bodyPr>
-            <a:normAutofit/>
+          <a:bodyPr wrap="square" numCol="1">
+            <a:spAutoFit/>
           </a:bodyPr>
           <a:lstStyle/>
           <a:p>
-            <a:r>
-              <a:rPr lang="el-GR" sz="2000" dirty="0" smtClean="0"/>
-              <a:t>Ο υπολογιστής μπορούν να επιλύσουν  οποιοδήποτε πρόβλημα, αρκεί να μπορεί να γίνει κατανοητό από τον ίδιο.</a:t>
-            </a:r>
-          </a:p>
-          <a:p>
-            <a:endParaRPr lang="el-GR" sz="2000" dirty="0" smtClean="0"/>
-          </a:p>
-          <a:p>
-            <a:r>
-              <a:rPr lang="el-GR" sz="2000" dirty="0" smtClean="0"/>
-              <a:t>Παραδείγματα:</a:t>
-            </a:r>
-          </a:p>
-          <a:p>
-            <a:pPr lvl="1">
-              <a:buFont typeface="Wingdings" pitchFamily="2" charset="2"/>
-              <a:buChar char="§"/>
-            </a:pPr>
-            <a:r>
-              <a:rPr lang="el-GR" sz="1800" dirty="0" smtClean="0"/>
-              <a:t>Υπολογισμός αριθμητικών παραστάσεων.</a:t>
-            </a:r>
-          </a:p>
-          <a:p>
-            <a:pPr lvl="1">
-              <a:buFont typeface="Wingdings" pitchFamily="2" charset="2"/>
-              <a:buChar char="§"/>
-            </a:pPr>
-            <a:r>
-              <a:rPr lang="el-GR" sz="1800" dirty="0" smtClean="0"/>
-              <a:t>Επίλυση δευτεροβάθμιας εξίσωσης.</a:t>
-            </a:r>
-          </a:p>
-          <a:p>
-            <a:pPr lvl="1">
-              <a:buFont typeface="Wingdings" pitchFamily="2" charset="2"/>
-              <a:buChar char="§"/>
-            </a:pPr>
-            <a:r>
-              <a:rPr lang="el-GR" sz="1800" dirty="0" smtClean="0"/>
-              <a:t>Εύρεση συντομότερης διαδρομής, από μια περιοχή σε μια άλλη.</a:t>
-            </a:r>
-          </a:p>
-          <a:p>
-            <a:pPr lvl="1">
-              <a:buFont typeface="Wingdings" pitchFamily="2" charset="2"/>
-              <a:buChar char="§"/>
-            </a:pPr>
-            <a:r>
-              <a:rPr lang="el-GR" sz="1800" dirty="0" smtClean="0"/>
-              <a:t>Υπολογισμός ηλικίας</a:t>
-            </a:r>
-          </a:p>
-          <a:p>
-            <a:pPr lvl="1">
-              <a:buFont typeface="Wingdings" pitchFamily="2" charset="2"/>
-              <a:buChar char="§"/>
-            </a:pPr>
-            <a:endParaRPr lang="el-GR" sz="1400" b="1" dirty="0" smtClean="0"/>
-          </a:p>
-          <a:p>
-            <a:endParaRPr lang="el-GR" sz="2000" dirty="0"/>
+            <a:pPr lvl="0" algn="just"/>
+            <a:r>
+              <a:rPr lang="el-GR" sz="1600" kern="900" dirty="0"/>
+              <a:t>Κάθε συσκευή που </a:t>
+            </a:r>
+            <a:r>
+              <a:rPr lang="el-GR" sz="1600" b="1" kern="900" dirty="0"/>
+              <a:t>επεξεργάζεται πληροφορίες </a:t>
+            </a:r>
+            <a:r>
+              <a:rPr lang="el-GR" sz="1600" kern="900" dirty="0"/>
+              <a:t>μπορεί να θεωρηθεί υπολογιστής, ειδικά εάν η επεξεργασία αυτή έχει κάποιο </a:t>
+            </a:r>
+            <a:r>
+              <a:rPr lang="el-GR" sz="1600" b="1" kern="900" dirty="0"/>
+              <a:t>σκοπό</a:t>
+            </a:r>
+            <a:r>
+              <a:rPr lang="el-GR" sz="1600" kern="900" dirty="0"/>
+              <a:t>.</a:t>
+            </a:r>
+            <a:endParaRPr lang="en-US" sz="1600" kern="900" dirty="0"/>
+          </a:p>
+        </p:txBody>
+      </p:sp>
+      <p:sp>
+        <p:nvSpPr>
+          <p:cNvPr id="3" name="Θέση αριθμού διαφάνειας 2">
+            <a:extLst>
+              <a:ext uri="{FF2B5EF4-FFF2-40B4-BE49-F238E27FC236}">
+                <a16:creationId xmlns:a16="http://schemas.microsoft.com/office/drawing/2014/main" id="{6DED5BA3-4FB9-407E-A857-621252298A81}"/>
+              </a:ext>
+            </a:extLst>
+          </p:cNvPr>
+          <p:cNvSpPr>
+            <a:spLocks noGrp="1"/>
+          </p:cNvSpPr>
+          <p:nvPr>
+            <p:ph type="sldNum" sz="quarter" idx="12"/>
+          </p:nvPr>
+        </p:nvSpPr>
+        <p:spPr/>
+        <p:txBody>
+          <a:bodyPr/>
+          <a:lstStyle/>
+          <a:p>
+            <a:fld id="{70E8846B-6BA9-4652-B6D0-30C643810B55}" type="slidenum">
+              <a:rPr lang="el-GR" smtClean="0"/>
+              <a:pPr/>
+              <a:t>18</a:t>
+            </a:fld>
+            <a:endParaRPr lang="el-GR"/>
           </a:p>
         </p:txBody>
       </p:sp>
@@ -5718,13 +6267,6 @@
   <p:clrMapOvr>
     <a:masterClrMapping/>
   </p:clrMapOvr>
-  <p:timing>
-    <p:tnLst>
-      <p:par>
-        <p:cTn id="1" dur="indefinite" restart="never" nodeType="tmRoot"/>
-      </p:par>
-    </p:tnLst>
-  </p:timing>
 </p:sld>
 </file>
 
@@ -5755,129 +6297,140 @@
             <p:ph type="title"/>
           </p:nvPr>
         </p:nvSpPr>
-        <p:spPr/>
-        <p:txBody>
-          <a:bodyPr/>
-          <a:lstStyle/>
-          <a:p>
-            <a:r>
-              <a:rPr lang="el-GR" dirty="0" smtClean="0"/>
-              <a:t>Αλγόριθμοι - 1</a:t>
-            </a:r>
-            <a:endParaRPr lang="el-GR" dirty="0"/>
-          </a:p>
-        </p:txBody>
-      </p:sp>
-      <p:sp>
-        <p:nvSpPr>
-          <p:cNvPr id="3" name="Content Placeholder 2"/>
-          <p:cNvSpPr>
-            <a:spLocks noGrp="1"/>
-          </p:cNvSpPr>
-          <p:nvPr>
-            <p:ph idx="1"/>
-          </p:nvPr>
-        </p:nvSpPr>
         <p:spPr>
           <a:xfrm>
-            <a:off x="457200" y="1756410"/>
-            <a:ext cx="8229600" cy="2948940"/>
+            <a:off x="228600" y="205979"/>
+            <a:ext cx="8610600" cy="857250"/>
           </a:xfrm>
         </p:spPr>
         <p:txBody>
           <a:bodyPr>
-            <a:noAutofit/>
+            <a:normAutofit/>
           </a:bodyPr>
           <a:lstStyle/>
           <a:p>
-            <a:pPr algn="just"/>
-            <a:r>
-              <a:rPr lang="el-GR" sz="2000" b="1" u="sng" dirty="0" smtClean="0"/>
-              <a:t>Αλγόριθμος</a:t>
-            </a:r>
-            <a:r>
-              <a:rPr lang="el-GR" sz="2000" dirty="0" smtClean="0"/>
-              <a:t> είναι μια </a:t>
-            </a:r>
-            <a:r>
-              <a:rPr lang="el-GR" sz="2000" b="1" u="sng" dirty="0" smtClean="0">
-                <a:solidFill>
-                  <a:srgbClr val="C00000"/>
-                </a:solidFill>
-              </a:rPr>
-              <a:t>πεπερασμένη</a:t>
-            </a:r>
-            <a:r>
-              <a:rPr lang="el-GR" sz="2000" dirty="0" smtClean="0"/>
-              <a:t> σειρά ενεργειών, </a:t>
-            </a:r>
-            <a:r>
-              <a:rPr lang="el-GR" sz="2000" b="1" u="sng" dirty="0" smtClean="0">
-                <a:solidFill>
-                  <a:srgbClr val="C00000"/>
-                </a:solidFill>
-              </a:rPr>
-              <a:t>αυστηρά καθορισμένων</a:t>
-            </a:r>
-            <a:r>
-              <a:rPr lang="el-GR" sz="2000" b="1" dirty="0" smtClean="0">
-                <a:solidFill>
-                  <a:srgbClr val="C00000"/>
-                </a:solidFill>
-              </a:rPr>
-              <a:t> </a:t>
-            </a:r>
-            <a:r>
-              <a:rPr lang="el-GR" sz="2000" dirty="0" smtClean="0"/>
-              <a:t>και εκτελέσιμων σε </a:t>
-            </a:r>
-            <a:r>
-              <a:rPr lang="el-GR" sz="2000" b="1" u="sng" dirty="0" smtClean="0">
-                <a:solidFill>
-                  <a:srgbClr val="C00000"/>
-                </a:solidFill>
-              </a:rPr>
-              <a:t>πεπερασμένο χρόνο</a:t>
-            </a:r>
-            <a:r>
-              <a:rPr lang="el-GR" sz="2000" dirty="0" smtClean="0"/>
-              <a:t>, που στοχεύουν στην </a:t>
-            </a:r>
-            <a:r>
-              <a:rPr lang="el-GR" sz="2000" b="1" u="sng" dirty="0" smtClean="0">
-                <a:solidFill>
-                  <a:srgbClr val="C00000"/>
-                </a:solidFill>
-              </a:rPr>
-              <a:t>επίλυση</a:t>
-            </a:r>
-            <a:r>
-              <a:rPr lang="el-GR" sz="2000" dirty="0" smtClean="0"/>
-              <a:t> ενός προβλήματος. </a:t>
-            </a:r>
-          </a:p>
-          <a:p>
-            <a:endParaRPr lang="el-GR" sz="2000" dirty="0" smtClean="0"/>
-          </a:p>
-          <a:p>
-            <a:endParaRPr lang="el-GR" sz="2000" dirty="0" smtClean="0"/>
-          </a:p>
-          <a:p>
-            <a:r>
-              <a:rPr lang="el-GR" sz="2000" dirty="0" smtClean="0"/>
-              <a:t>Πιό κοντά στον μαθητή: </a:t>
-            </a:r>
-            <a:r>
-              <a:rPr lang="el-GR" sz="2000" b="1" u="sng" dirty="0" smtClean="0"/>
-              <a:t>αλγόριθμο</a:t>
-            </a:r>
-            <a:r>
-              <a:rPr lang="el-GR" sz="2000" dirty="0" smtClean="0"/>
-              <a:t> ονομάζουμε μία σειρά από εντολές που έχουν αρχή και τέλος, είναι σαφείς και έχουν ως σκοπό την επίλυση κάποιου προβλήματος.</a:t>
+            <a:r>
+              <a:rPr lang="el-GR" sz="4400" dirty="0"/>
+              <a:t>Με τι προβλήματα ασχολείται ο Η/Υ?</a:t>
+            </a:r>
+          </a:p>
+        </p:txBody>
+      </p:sp>
+      <p:sp>
+        <p:nvSpPr>
+          <p:cNvPr id="3" name="Content Placeholder 2"/>
+          <p:cNvSpPr>
+            <a:spLocks noGrp="1"/>
+          </p:cNvSpPr>
+          <p:nvPr>
+            <p:ph idx="1"/>
+          </p:nvPr>
+        </p:nvSpPr>
+        <p:spPr>
+          <a:xfrm>
+            <a:off x="457200" y="1504951"/>
+            <a:ext cx="8229600" cy="2819399"/>
+          </a:xfrm>
+        </p:spPr>
+        <p:txBody>
+          <a:bodyPr>
+            <a:normAutofit/>
+          </a:bodyPr>
+          <a:lstStyle/>
+          <a:p>
+            <a:r>
+              <a:rPr lang="el-GR" sz="2000" dirty="0"/>
+              <a:t>Οι υπολογιστές μπορούν να επιλύσουν  οποιοδήποτε πρόβλημα, αρκεί να μπορεί αναλυθεί σε επίπεδο μηχανής.</a:t>
             </a:r>
           </a:p>
           <a:p>
             <a:endParaRPr lang="el-GR" sz="2000" dirty="0"/>
+          </a:p>
+          <a:p>
+            <a:r>
+              <a:rPr lang="el-GR" sz="2000" dirty="0"/>
+              <a:t>Παραδείγματα:</a:t>
+            </a:r>
+          </a:p>
+          <a:p>
+            <a:pPr lvl="1">
+              <a:buFont typeface="Wingdings" pitchFamily="2" charset="2"/>
+              <a:buChar char="§"/>
+            </a:pPr>
+            <a:r>
+              <a:rPr lang="el-GR" sz="1800" dirty="0"/>
+              <a:t>Υπολογισμός αριθμητικών παραστάσεων.</a:t>
+            </a:r>
+          </a:p>
+          <a:p>
+            <a:pPr lvl="1">
+              <a:buFont typeface="Wingdings" pitchFamily="2" charset="2"/>
+              <a:buChar char="§"/>
+            </a:pPr>
+            <a:r>
+              <a:rPr lang="el-GR" sz="1800" dirty="0"/>
+              <a:t>Επίλυση δευτεροβάθμιας εξίσωσης.</a:t>
+            </a:r>
+          </a:p>
+          <a:p>
+            <a:pPr lvl="1">
+              <a:buFont typeface="Wingdings" pitchFamily="2" charset="2"/>
+              <a:buChar char="§"/>
+            </a:pPr>
+            <a:r>
+              <a:rPr lang="el-GR" sz="1800" dirty="0"/>
+              <a:t>Εύρεση συντομότερης διαδρομής, από μια περιοχή σε μια άλλη.</a:t>
+            </a:r>
+          </a:p>
+          <a:p>
+            <a:pPr lvl="1">
+              <a:buFont typeface="Wingdings" pitchFamily="2" charset="2"/>
+              <a:buChar char="§"/>
+            </a:pPr>
+            <a:r>
+              <a:rPr lang="el-GR" sz="1800" dirty="0"/>
+              <a:t>Ταξινόμηση αριθμών.</a:t>
+            </a:r>
+          </a:p>
+          <a:p>
+            <a:pPr lvl="1">
+              <a:buFont typeface="Wingdings" pitchFamily="2" charset="2"/>
+              <a:buChar char="§"/>
+            </a:pPr>
+            <a:endParaRPr lang="el-GR" sz="1400" b="1" dirty="0"/>
+          </a:p>
+          <a:p>
+            <a:endParaRPr lang="el-GR" sz="2000" dirty="0"/>
+          </a:p>
+        </p:txBody>
+      </p:sp>
+      <p:sp>
+        <p:nvSpPr>
+          <p:cNvPr id="4" name="Θέση αριθμού διαφάνειας 3">
+            <a:extLst>
+              <a:ext uri="{FF2B5EF4-FFF2-40B4-BE49-F238E27FC236}">
+                <a16:creationId xmlns:a16="http://schemas.microsoft.com/office/drawing/2014/main" id="{A97D9E66-BE1D-4BD1-8551-196227846B34}"/>
+              </a:ext>
+            </a:extLst>
+          </p:cNvPr>
+          <p:cNvSpPr>
+            <a:spLocks noGrp="1"/>
+          </p:cNvSpPr>
+          <p:nvPr>
+            <p:ph type="sldNum" sz="quarter" idx="12"/>
+          </p:nvPr>
+        </p:nvSpPr>
+        <p:spPr/>
+        <p:txBody>
+          <a:bodyPr/>
+          <a:lstStyle/>
+          <a:p>
+            <a:fld id="{70E8846B-6BA9-4652-B6D0-30C643810B55}" type="slidenum">
+              <a:rPr lang="el-GR" smtClean="0"/>
+              <a:pPr/>
+              <a:t>19</a:t>
+            </a:fld>
+            <a:endParaRPr lang="el-GR"/>
           </a:p>
         </p:txBody>
       </p:sp>
@@ -5886,13 +6439,6 @@
   <p:clrMapOvr>
     <a:masterClrMapping/>
   </p:clrMapOvr>
-  <p:timing>
-    <p:tnLst>
-      <p:par>
-        <p:cTn id="1" dur="indefinite" restart="never" nodeType="tmRoot"/>
-      </p:par>
-    </p:tnLst>
-  </p:timing>
 </p:sld>
 </file>
 
@@ -5920,120 +6466,74 @@
             <a:spLocks noGrp="1"/>
           </p:cNvSpPr>
           <p:nvPr>
-            <p:ph type="title"/>
+            <p:ph type="ctrTitle"/>
+          </p:nvPr>
+        </p:nvSpPr>
+        <p:spPr/>
+        <p:txBody>
+          <a:bodyPr/>
+          <a:lstStyle/>
+          <a:p>
+            <a:r>
+              <a:rPr lang="en-US" dirty="0"/>
+              <a:t>Python &amp; PyCharm</a:t>
+            </a:r>
+            <a:endParaRPr lang="el-GR" dirty="0"/>
+          </a:p>
+        </p:txBody>
+      </p:sp>
+      <p:sp>
+        <p:nvSpPr>
+          <p:cNvPr id="4" name="Subtitle 3"/>
+          <p:cNvSpPr>
+            <a:spLocks noGrp="1"/>
+          </p:cNvSpPr>
+          <p:nvPr>
+            <p:ph type="subTitle" idx="1"/>
           </p:nvPr>
         </p:nvSpPr>
         <p:spPr/>
         <p:txBody>
           <a:bodyPr>
-            <a:normAutofit fontScale="90000"/>
+            <a:normAutofit/>
           </a:bodyPr>
           <a:lstStyle/>
           <a:p>
             <a:r>
-              <a:rPr lang="el-GR" dirty="0" smtClean="0"/>
-              <a:t>Αρχικά...</a:t>
-            </a:r>
-            <a:endParaRPr lang="el-GR" dirty="0"/>
-          </a:p>
-        </p:txBody>
-      </p:sp>
-      <p:sp>
-        <p:nvSpPr>
-          <p:cNvPr id="3" name="Text Placeholder 2"/>
-          <p:cNvSpPr>
-            <a:spLocks noGrp="1"/>
-          </p:cNvSpPr>
-          <p:nvPr>
-            <p:ph type="body" idx="1"/>
-          </p:nvPr>
-        </p:nvSpPr>
-        <p:spPr>
-          <a:xfrm>
-            <a:off x="1049500" y="1617450"/>
-            <a:ext cx="7020900" cy="2706900"/>
-          </a:xfrm>
-        </p:spPr>
-        <p:txBody>
-          <a:bodyPr/>
-          <a:lstStyle/>
-          <a:p>
-            <a:pPr>
-              <a:buFont typeface="Arial" pitchFamily="34" charset="0"/>
-              <a:buChar char="•"/>
-            </a:pPr>
-            <a:r>
-              <a:rPr lang="el-GR" dirty="0" smtClean="0"/>
-              <a:t> Πρέπει να εγκαταστήσουμε την </a:t>
-            </a:r>
-            <a:r>
-              <a:rPr lang="en-US" dirty="0" smtClean="0"/>
-              <a:t>python </a:t>
-            </a:r>
-            <a:r>
-              <a:rPr lang="el-GR" dirty="0" smtClean="0"/>
-              <a:t>στον Η/Υ μας, ακολουθώντας αυτά τα δυο </a:t>
-            </a:r>
-            <a:r>
-              <a:rPr lang="en-US" dirty="0" smtClean="0"/>
-              <a:t>links!</a:t>
-            </a:r>
-            <a:endParaRPr lang="el-GR" dirty="0" smtClean="0"/>
-          </a:p>
-          <a:p>
-            <a:pPr>
-              <a:buFont typeface="Arial" pitchFamily="34" charset="0"/>
-              <a:buChar char="•"/>
-            </a:pPr>
-            <a:endParaRPr lang="el-GR" dirty="0"/>
-          </a:p>
-        </p:txBody>
-      </p:sp>
-      <p:sp>
-        <p:nvSpPr>
-          <p:cNvPr id="4" name="TextBox 3"/>
-          <p:cNvSpPr txBox="1"/>
-          <p:nvPr/>
-        </p:nvSpPr>
-        <p:spPr>
-          <a:xfrm>
-            <a:off x="381000" y="2800350"/>
-            <a:ext cx="8382000" cy="1569660"/>
-          </a:xfrm>
-          <a:prstGeom prst="rect">
-            <a:avLst/>
-          </a:prstGeom>
-          <a:noFill/>
-        </p:spPr>
-        <p:txBody>
-          <a:bodyPr wrap="square" rtlCol="0">
-            <a:spAutoFit/>
-          </a:bodyPr>
-          <a:lstStyle/>
-          <a:p>
-            <a:r>
-              <a:rPr lang="en-US" sz="3600" b="1" u="sng" dirty="0" smtClean="0"/>
-              <a:t>www.python.org/downloads</a:t>
-            </a:r>
-            <a:r>
-              <a:rPr lang="en-US" sz="3600" b="1" u="sng" dirty="0" smtClean="0"/>
-              <a:t>/</a:t>
-            </a:r>
-            <a:endParaRPr lang="el-GR" sz="3600" b="1" u="sng" dirty="0" smtClean="0"/>
-          </a:p>
-          <a:p>
-            <a:endParaRPr lang="el-GR" sz="2400" b="1" u="sng" dirty="0" smtClean="0"/>
-          </a:p>
-          <a:p>
-            <a:r>
-              <a:rPr lang="en-US" sz="3600" b="1" u="sng" dirty="0" smtClean="0"/>
-              <a:t>www.jetbrains.com/pycharm</a:t>
-            </a:r>
-            <a:r>
-              <a:rPr lang="en-US" sz="3600" b="1" u="sng" dirty="0" smtClean="0"/>
-              <a:t>/ </a:t>
-            </a:r>
-            <a:endParaRPr lang="el-GR" sz="3600" b="1" u="sng" dirty="0"/>
+              <a:rPr lang="el-GR" dirty="0"/>
+              <a:t>Μέθοδος εγκατάστασης και προετοιμασία</a:t>
+            </a:r>
+            <a:endParaRPr lang="en-US" dirty="0"/>
+          </a:p>
+        </p:txBody>
+      </p:sp>
+      <p:sp>
+        <p:nvSpPr>
+          <p:cNvPr id="3" name="Θέση αριθμού διαφάνειας 2">
+            <a:extLst>
+              <a:ext uri="{FF2B5EF4-FFF2-40B4-BE49-F238E27FC236}">
+                <a16:creationId xmlns:a16="http://schemas.microsoft.com/office/drawing/2014/main" id="{9E0BD92D-CF41-45EA-B76B-DE8E2E8C4F1D}"/>
+              </a:ext>
+            </a:extLst>
+          </p:cNvPr>
+          <p:cNvSpPr>
+            <a:spLocks noGrp="1"/>
+          </p:cNvSpPr>
+          <p:nvPr>
+            <p:ph type="sldNum" sz="quarter" idx="12"/>
+          </p:nvPr>
+        </p:nvSpPr>
+        <p:spPr/>
+        <p:txBody>
+          <a:bodyPr/>
+          <a:lstStyle/>
+          <a:p>
+            <a:fld id="{B6F15528-21DE-4FAA-801E-634DDDAF4B2B}" type="slidenum">
+              <a:rPr lang="en-US" smtClean="0"/>
+              <a:pPr/>
+              <a:t>2</a:t>
+            </a:fld>
+            <a:endParaRPr lang="en-US"/>
           </a:p>
         </p:txBody>
       </p:sp>
@@ -6042,13 +6542,6 @@
   <p:clrMapOvr>
     <a:masterClrMapping/>
   </p:clrMapOvr>
-  <p:timing>
-    <p:tnLst>
-      <p:par>
-        <p:cTn id="1" dur="indefinite" restart="never" nodeType="tmRoot"/>
-      </p:par>
-    </p:tnLst>
-  </p:timing>
 </p:sld>
 </file>
 
@@ -6085,10 +6578,9 @@
           <a:lstStyle/>
           <a:p>
             <a:r>
-              <a:rPr lang="el-GR" dirty="0" smtClean="0"/>
-              <a:t>Αλγόριθμοι - 2</a:t>
-            </a:r>
-            <a:endParaRPr lang="el-GR" dirty="0"/>
+              <a:rPr lang="el-GR" dirty="0"/>
+              <a:t>Αλγόριθμοι - 1</a:t>
+            </a:r>
           </a:p>
         </p:txBody>
       </p:sp>
@@ -6102,51 +6594,93 @@
             <p:ph idx="1"/>
           </p:nvPr>
         </p:nvSpPr>
-        <p:spPr/>
-        <p:txBody>
-          <a:bodyPr/>
-          <a:lstStyle/>
-          <a:p>
-            <a:r>
-              <a:rPr lang="el-GR" dirty="0" smtClean="0"/>
-              <a:t>Κάθε αλγόριθμος πρέπει να τηρεί τα παρακάτω κριτήρια</a:t>
+        <p:spPr>
+          <a:xfrm>
+            <a:off x="457200" y="1756410"/>
+            <a:ext cx="8229600" cy="2948940"/>
+          </a:xfrm>
+        </p:spPr>
+        <p:txBody>
+          <a:bodyPr>
+            <a:noAutofit/>
+          </a:bodyPr>
+          <a:lstStyle/>
+          <a:p>
+            <a:r>
+              <a:rPr lang="el-GR" sz="2000" b="1" u="sng" dirty="0"/>
+              <a:t>Αλγόριθμο</a:t>
+            </a:r>
+            <a:r>
+              <a:rPr lang="el-GR" sz="2000" dirty="0"/>
+              <a:t> ονομάζουμε μία σειρά από εντολές που έχουν αρχή και τέλος, είναι σαφείς και έχουν ως σκοπό την επίλυση κάποιου προβλήματος.</a:t>
+            </a:r>
+          </a:p>
+          <a:p>
+            <a:r>
+              <a:rPr lang="el-GR" sz="2000" dirty="0"/>
+              <a:t>Παραδείγματα</a:t>
             </a:r>
           </a:p>
           <a:p>
             <a:pPr lvl="1"/>
             <a:r>
-              <a:rPr lang="el-GR" dirty="0" smtClean="0"/>
-              <a:t>Είσοδος</a:t>
+              <a:rPr lang="el-GR" sz="1800" dirty="0"/>
+              <a:t>Δέσιμο μίας γραβάτας.</a:t>
             </a:r>
           </a:p>
           <a:p>
             <a:pPr lvl="1"/>
             <a:r>
-              <a:rPr lang="el-GR" dirty="0" smtClean="0"/>
-              <a:t>Έξοδος</a:t>
+              <a:rPr lang="el-GR" sz="1800" dirty="0"/>
+              <a:t>Συνταγές μαγειρικής.</a:t>
             </a:r>
           </a:p>
           <a:p>
             <a:pPr lvl="1"/>
             <a:r>
-              <a:rPr lang="el-GR" dirty="0" smtClean="0"/>
-              <a:t>Καθοριστικότητα</a:t>
+              <a:rPr lang="el-GR" sz="1800" dirty="0"/>
+              <a:t>Οργάνωση εκδηλώσεων.</a:t>
             </a:r>
           </a:p>
           <a:p>
             <a:pPr lvl="1"/>
             <a:r>
-              <a:rPr lang="el-GR" dirty="0" smtClean="0"/>
-              <a:t>Περατότητα</a:t>
-            </a:r>
-          </a:p>
-          <a:p>
-            <a:pPr lvl="1"/>
-            <a:r>
-              <a:rPr lang="el-GR" dirty="0" smtClean="0"/>
-              <a:t>Αποτελεσματικότητα</a:t>
-            </a:r>
-            <a:endParaRPr lang="el-GR" dirty="0"/>
+              <a:rPr lang="el-GR" sz="1800" dirty="0"/>
+              <a:t>Μεθοδολογίες μαθηματικών.</a:t>
+            </a:r>
+          </a:p>
+          <a:p>
+            <a:endParaRPr lang="el-GR" sz="2000" dirty="0"/>
+          </a:p>
+        </p:txBody>
+      </p:sp>
+      <p:sp>
+        <p:nvSpPr>
+          <p:cNvPr id="4" name="Θέση αριθμού διαφάνειας 3">
+            <a:extLst>
+              <a:ext uri="{FF2B5EF4-FFF2-40B4-BE49-F238E27FC236}">
+                <a16:creationId xmlns:a16="http://schemas.microsoft.com/office/drawing/2014/main" id="{AF78A93F-DC3F-489A-9C58-FF953D2CA023}"/>
+              </a:ext>
+            </a:extLst>
+          </p:cNvPr>
+          <p:cNvSpPr>
+            <a:spLocks noGrp="1"/>
+          </p:cNvSpPr>
+          <p:nvPr>
+            <p:ph type="sldNum" sz="quarter" idx="12"/>
+          </p:nvPr>
+        </p:nvSpPr>
+        <p:spPr/>
+        <p:txBody>
+          <a:bodyPr/>
+          <a:lstStyle/>
+          <a:p>
+            <a:fld id="{70E8846B-6BA9-4652-B6D0-30C643810B55}" type="slidenum">
+              <a:rPr lang="el-GR" smtClean="0"/>
+              <a:pPr/>
+              <a:t>20</a:t>
+            </a:fld>
+            <a:endParaRPr lang="el-GR"/>
           </a:p>
         </p:txBody>
       </p:sp>
@@ -6185,97 +6719,147 @@
             <p:ph type="title"/>
           </p:nvPr>
         </p:nvSpPr>
-        <p:spPr>
-          <a:xfrm>
-            <a:off x="457200" y="528066"/>
-            <a:ext cx="8229600" cy="857250"/>
-          </a:xfrm>
-        </p:spPr>
+        <p:spPr/>
+        <p:txBody>
+          <a:bodyPr/>
+          <a:lstStyle/>
+          <a:p>
+            <a:r>
+              <a:rPr lang="el-GR" dirty="0"/>
+              <a:t>Αλγόριθμοι - 2</a:t>
+            </a:r>
+          </a:p>
+        </p:txBody>
+      </p:sp>
+      <p:sp>
+        <p:nvSpPr>
+          <p:cNvPr id="3" name="Content Placeholder 2"/>
+          <p:cNvSpPr>
+            <a:spLocks noGrp="1"/>
+          </p:cNvSpPr>
+          <p:nvPr>
+            <p:ph idx="1"/>
+          </p:nvPr>
+        </p:nvSpPr>
+        <p:spPr/>
         <p:txBody>
           <a:bodyPr>
-            <a:normAutofit fontScale="90000"/>
+            <a:normAutofit/>
           </a:bodyPr>
           <a:lstStyle/>
           <a:p>
             <a:r>
-              <a:rPr lang="el-GR" dirty="0" smtClean="0"/>
-              <a:t>Βασικοί τρόποι αναπαράστασης</a:t>
-            </a:r>
-            <a:endParaRPr lang="el-GR" dirty="0"/>
-          </a:p>
-        </p:txBody>
-      </p:sp>
-      <p:sp>
-        <p:nvSpPr>
-          <p:cNvPr id="3" name="Content Placeholder 2"/>
-          <p:cNvSpPr>
-            <a:spLocks noGrp="1"/>
-          </p:cNvSpPr>
-          <p:nvPr>
-            <p:ph idx="1"/>
-          </p:nvPr>
-        </p:nvSpPr>
-        <p:spPr>
-          <a:xfrm>
-            <a:off x="457200" y="1885950"/>
-            <a:ext cx="8229600" cy="3124200"/>
-          </a:xfrm>
-        </p:spPr>
-        <p:txBody>
-          <a:bodyPr>
-            <a:noAutofit/>
-          </a:bodyPr>
-          <a:lstStyle/>
-          <a:p>
-            <a:pPr marL="514350" lvl="0" indent="-514350">
-              <a:buFont typeface="+mj-lt"/>
-              <a:buAutoNum type="arabicPeriod"/>
-            </a:pPr>
-            <a:r>
-              <a:rPr lang="el-GR" sz="2800" b="1" u="sng" dirty="0" smtClean="0"/>
-              <a:t>Ελεύθερο κείμενο</a:t>
-            </a:r>
-            <a:endParaRPr lang="el-GR" sz="2800" dirty="0" smtClean="0"/>
-          </a:p>
-          <a:p>
-            <a:pPr marL="514350" lvl="0" indent="-514350">
-              <a:buFont typeface="+mj-lt"/>
-              <a:buAutoNum type="arabicPeriod"/>
-            </a:pPr>
-            <a:r>
-              <a:rPr lang="el-GR" sz="2800" b="1" u="sng" dirty="0" smtClean="0"/>
-              <a:t>Διάγραμμα ροής</a:t>
-            </a:r>
-            <a:endParaRPr lang="el-GR" sz="2800" dirty="0" smtClean="0"/>
-          </a:p>
-          <a:p>
-            <a:pPr marL="514350" lvl="0" indent="-514350">
-              <a:buFont typeface="+mj-lt"/>
-              <a:buAutoNum type="arabicPeriod"/>
-            </a:pPr>
-            <a:r>
-              <a:rPr lang="el-GR" sz="2800" b="1" u="sng" dirty="0" smtClean="0"/>
-              <a:t>Φυσική γλώσσα κατα βήματα</a:t>
-            </a:r>
-            <a:endParaRPr lang="el-GR" sz="2800" dirty="0" smtClean="0"/>
-          </a:p>
-          <a:p>
-            <a:pPr marL="514350" lvl="0" indent="-514350">
-              <a:buFont typeface="+mj-lt"/>
-              <a:buAutoNum type="arabicPeriod"/>
-            </a:pPr>
-            <a:r>
-              <a:rPr lang="el-GR" sz="2800" b="1" u="sng" dirty="0" smtClean="0"/>
-              <a:t>Κωδικοποίηση</a:t>
-            </a:r>
-            <a:endParaRPr lang="el-GR" sz="2800" dirty="0" smtClean="0"/>
-          </a:p>
-          <a:p>
-            <a:pPr marL="514350" indent="-514350">
-              <a:buFont typeface="+mj-lt"/>
-              <a:buAutoNum type="arabicPeriod"/>
-            </a:pPr>
-            <a:endParaRPr lang="el-GR" sz="2800" dirty="0"/>
+              <a:rPr lang="el-GR" sz="2400" dirty="0"/>
+              <a:t>Κάθε αλγόριθμος πρέπει να τηρεί τα παρακάτω κριτήρια</a:t>
+            </a:r>
+          </a:p>
+          <a:p>
+            <a:pPr lvl="1"/>
+            <a:r>
+              <a:rPr lang="el-GR" sz="2000" dirty="0"/>
+              <a:t>Είσοδος </a:t>
+            </a:r>
+            <a:r>
+              <a:rPr lang="el-GR" sz="2000" dirty="0">
+                <a:sym typeface="Wingdings" panose="05000000000000000000" pitchFamily="2" charset="2"/>
+              </a:rPr>
+              <a:t> Ο αλγόριθμος να δέχεται ένα σύνολο δεδομένων</a:t>
+            </a:r>
+            <a:endParaRPr lang="el-GR" sz="2000" dirty="0"/>
+          </a:p>
+          <a:p>
+            <a:pPr lvl="1"/>
+            <a:r>
+              <a:rPr lang="el-GR" sz="2000" dirty="0"/>
+              <a:t>Έξοδος </a:t>
+            </a:r>
+            <a:r>
+              <a:rPr lang="el-GR" sz="2000" dirty="0">
+                <a:sym typeface="Wingdings" panose="05000000000000000000" pitchFamily="2" charset="2"/>
+              </a:rPr>
+              <a:t> Ο αλγόριθμος να παράγει κάποιο ευδιάκριτο αποτέλεσμα.</a:t>
+            </a:r>
+            <a:endParaRPr lang="el-GR" sz="2000" dirty="0"/>
+          </a:p>
+          <a:p>
+            <a:pPr lvl="1"/>
+            <a:r>
+              <a:rPr lang="el-GR" sz="2000" dirty="0" err="1"/>
+              <a:t>Καθοριστικότητα</a:t>
+            </a:r>
+            <a:r>
+              <a:rPr lang="el-GR" sz="2000" dirty="0"/>
+              <a:t> </a:t>
+            </a:r>
+            <a:r>
+              <a:rPr lang="el-GR" sz="2000" dirty="0">
+                <a:sym typeface="Wingdings" panose="05000000000000000000" pitchFamily="2" charset="2"/>
+              </a:rPr>
+              <a:t> Να αποτελείται από σαφή βήματα εκτέλεσης.</a:t>
+            </a:r>
+            <a:endParaRPr lang="el-GR" sz="2000" dirty="0"/>
+          </a:p>
+          <a:p>
+            <a:pPr lvl="1"/>
+            <a:r>
+              <a:rPr lang="el-GR" sz="2000" dirty="0" err="1"/>
+              <a:t>Περατότητα</a:t>
+            </a:r>
+            <a:r>
+              <a:rPr lang="el-GR" sz="2000" dirty="0"/>
+              <a:t> </a:t>
+            </a:r>
+            <a:r>
+              <a:rPr lang="el-GR" sz="2000" dirty="0">
+                <a:sym typeface="Wingdings" panose="05000000000000000000" pitchFamily="2" charset="2"/>
+              </a:rPr>
+              <a:t> Να ολοκληρώνει την λειτουργεία κάποια στιγμή.</a:t>
+            </a:r>
+            <a:endParaRPr lang="el-GR" sz="2000" dirty="0"/>
+          </a:p>
+          <a:p>
+            <a:pPr lvl="1"/>
+            <a:r>
+              <a:rPr lang="el-GR" sz="2000" dirty="0"/>
+              <a:t>Αποτελεσματικότητα </a:t>
+            </a:r>
+            <a:r>
+              <a:rPr lang="el-GR" sz="2000" dirty="0">
+                <a:sym typeface="Wingdings" panose="05000000000000000000" pitchFamily="2" charset="2"/>
+              </a:rPr>
+              <a:t> Να δίνει κάθε φορά κάποιο χρήσιμο αποτέλεσμα.</a:t>
+            </a:r>
+            <a:endParaRPr lang="el-GR" sz="2000" dirty="0"/>
+          </a:p>
+        </p:txBody>
+      </p:sp>
+      <p:sp>
+        <p:nvSpPr>
+          <p:cNvPr id="4" name="Θέση αριθμού διαφάνειας 3">
+            <a:extLst>
+              <a:ext uri="{FF2B5EF4-FFF2-40B4-BE49-F238E27FC236}">
+                <a16:creationId xmlns:a16="http://schemas.microsoft.com/office/drawing/2014/main" id="{B41025F9-DFDA-43B8-99E0-DDE19B9196FC}"/>
+              </a:ext>
+            </a:extLst>
+          </p:cNvPr>
+          <p:cNvSpPr>
+            <a:spLocks noGrp="1"/>
+          </p:cNvSpPr>
+          <p:nvPr>
+            <p:ph type="sldNum" sz="quarter" idx="12"/>
+          </p:nvPr>
+        </p:nvSpPr>
+        <p:spPr/>
+        <p:txBody>
+          <a:bodyPr/>
+          <a:lstStyle/>
+          <a:p>
+            <a:fld id="{70E8846B-6BA9-4652-B6D0-30C643810B55}" type="slidenum">
+              <a:rPr lang="el-GR" smtClean="0"/>
+              <a:pPr/>
+              <a:t>21</a:t>
+            </a:fld>
+            <a:endParaRPr lang="el-GR"/>
           </a:p>
         </p:txBody>
       </p:sp>
@@ -6284,13 +6868,6 @@
   <p:clrMapOvr>
     <a:masterClrMapping/>
   </p:clrMapOvr>
-  <p:timing>
-    <p:tnLst>
-      <p:par>
-        <p:cTn id="1" dur="indefinite" restart="never" nodeType="tmRoot"/>
-      </p:par>
-    </p:tnLst>
-  </p:timing>
 </p:sld>
 </file>
 
@@ -6321,91 +6898,126 @@
             <p:ph type="title"/>
           </p:nvPr>
         </p:nvSpPr>
-        <p:spPr/>
-        <p:txBody>
-          <a:bodyPr/>
-          <a:lstStyle/>
-          <a:p>
-            <a:r>
-              <a:rPr lang="en-US" dirty="0" smtClean="0"/>
-              <a:t>1. </a:t>
-            </a:r>
-            <a:r>
-              <a:rPr lang="el-GR" dirty="0" smtClean="0"/>
-              <a:t>Ελεύθερο Κείμενο</a:t>
-            </a:r>
-            <a:endParaRPr lang="el-GR" dirty="0"/>
-          </a:p>
-        </p:txBody>
-      </p:sp>
-      <p:sp>
-        <p:nvSpPr>
-          <p:cNvPr id="3" name="Content Placeholder 2"/>
-          <p:cNvSpPr>
-            <a:spLocks noGrp="1"/>
-          </p:cNvSpPr>
-          <p:nvPr>
-            <p:ph idx="1"/>
-          </p:nvPr>
-        </p:nvSpPr>
-        <p:spPr/>
-        <p:txBody>
-          <a:bodyPr/>
-          <a:lstStyle/>
-          <a:p>
-            <a:r>
-              <a:rPr lang="el-GR" dirty="0" smtClean="0"/>
-              <a:t> Απλή επεξήγηση του αλγόριθμου σε κείμενο</a:t>
-            </a:r>
-          </a:p>
-          <a:p>
-            <a:pPr>
-              <a:buNone/>
-            </a:pPr>
-            <a:r>
-              <a:rPr lang="el-GR" dirty="0" smtClean="0"/>
-              <a:t>π.χ.</a:t>
-            </a:r>
-            <a:endParaRPr lang="el-GR" dirty="0"/>
-          </a:p>
-        </p:txBody>
-      </p:sp>
-      <p:sp>
-        <p:nvSpPr>
-          <p:cNvPr id="4" name="TextBox 3"/>
-          <p:cNvSpPr txBox="1"/>
-          <p:nvPr/>
-        </p:nvSpPr>
         <p:spPr>
           <a:xfrm>
-            <a:off x="1066800" y="2571750"/>
-            <a:ext cx="7086600" cy="1200329"/>
+            <a:off x="457200" y="528066"/>
+            <a:ext cx="8229600" cy="857250"/>
           </a:xfrm>
-          <a:prstGeom prst="rect">
-            <a:avLst/>
-          </a:prstGeom>
-          <a:noFill/>
         </p:spPr>
         <p:txBody>
-          <a:bodyPr wrap="square" rtlCol="0">
-            <a:spAutoFit/>
+          <a:bodyPr>
+            <a:normAutofit fontScale="90000"/>
           </a:bodyPr>
           <a:lstStyle/>
           <a:p>
-            <a:pPr algn="just"/>
-            <a:r>
-              <a:rPr lang="en-US" sz="2400" dirty="0" smtClean="0"/>
-              <a:t>“</a:t>
-            </a:r>
-            <a:r>
-              <a:rPr lang="el-GR" sz="2400" dirty="0" smtClean="0"/>
-              <a:t>Άνοιξε το ντουλάπι και αφού βρεις το σακουλάκι με την ζάχαρη, πάρε το βαζάκι από το τρίτο ντουλάπι δεξιά και άδειασε το σακουλάκι μέσα στο βαζάκι.</a:t>
-            </a:r>
-            <a:r>
-              <a:rPr lang="en-US" sz="2400" dirty="0" smtClean="0"/>
-              <a:t>”</a:t>
-            </a:r>
-            <a:endParaRPr lang="el-GR" sz="2400" dirty="0"/>
+            <a:r>
+              <a:rPr lang="el-GR" dirty="0"/>
+              <a:t>Βασικοί τρόποι αναπαράστασης</a:t>
+            </a:r>
+          </a:p>
+        </p:txBody>
+      </p:sp>
+      <p:sp>
+        <p:nvSpPr>
+          <p:cNvPr id="3" name="Content Placeholder 2"/>
+          <p:cNvSpPr>
+            <a:spLocks noGrp="1"/>
+          </p:cNvSpPr>
+          <p:nvPr>
+            <p:ph idx="1"/>
+          </p:nvPr>
+        </p:nvSpPr>
+        <p:spPr>
+          <a:xfrm>
+            <a:off x="457200" y="1885950"/>
+            <a:ext cx="8229600" cy="3124200"/>
+          </a:xfrm>
+        </p:spPr>
+        <p:txBody>
+          <a:bodyPr>
+            <a:noAutofit/>
+          </a:bodyPr>
+          <a:lstStyle/>
+          <a:p>
+            <a:pPr marL="514350" lvl="0" indent="-514350">
+              <a:buFont typeface="+mj-lt"/>
+              <a:buAutoNum type="arabicPeriod"/>
+            </a:pPr>
+            <a:r>
+              <a:rPr lang="el-GR" sz="2800" b="1" u="sng" dirty="0"/>
+              <a:t>Ελεύθερο κείμενο</a:t>
+            </a:r>
+            <a:endParaRPr lang="el-GR" sz="2800" dirty="0"/>
+          </a:p>
+          <a:p>
+            <a:pPr marL="514350" lvl="0" indent="-514350">
+              <a:buFont typeface="+mj-lt"/>
+              <a:buAutoNum type="arabicPeriod"/>
+            </a:pPr>
+            <a:r>
+              <a:rPr lang="el-GR" sz="2800" b="1" u="sng" dirty="0"/>
+              <a:t>Διάγραμμα ροής</a:t>
+            </a:r>
+            <a:endParaRPr lang="el-GR" sz="2800" dirty="0"/>
+          </a:p>
+          <a:p>
+            <a:pPr marL="514350" lvl="0" indent="-514350">
+              <a:buFont typeface="+mj-lt"/>
+              <a:buAutoNum type="arabicPeriod"/>
+            </a:pPr>
+            <a:r>
+              <a:rPr lang="el-GR" sz="2800" b="1" u="sng" dirty="0"/>
+              <a:t>Φυσική γλώσσα κατα βήματα</a:t>
+            </a:r>
+            <a:endParaRPr lang="el-GR" sz="2800" dirty="0"/>
+          </a:p>
+          <a:p>
+            <a:pPr marL="514350" lvl="0" indent="-514350">
+              <a:buFont typeface="+mj-lt"/>
+              <a:buAutoNum type="arabicPeriod"/>
+            </a:pPr>
+            <a:r>
+              <a:rPr lang="el-GR" sz="2800" b="1" u="sng" dirty="0"/>
+              <a:t>Κωδικοποίηση</a:t>
+            </a:r>
+            <a:endParaRPr lang="el-GR" sz="2800" dirty="0"/>
+          </a:p>
+          <a:p>
+            <a:pPr marL="514350" indent="-514350">
+              <a:buFont typeface="+mj-lt"/>
+              <a:buAutoNum type="arabicPeriod"/>
+            </a:pPr>
+            <a:endParaRPr lang="el-GR" sz="2800" dirty="0"/>
+          </a:p>
+        </p:txBody>
+      </p:sp>
+      <p:sp>
+        <p:nvSpPr>
+          <p:cNvPr id="4" name="Θέση αριθμού διαφάνειας 3">
+            <a:extLst>
+              <a:ext uri="{FF2B5EF4-FFF2-40B4-BE49-F238E27FC236}">
+                <a16:creationId xmlns:a16="http://schemas.microsoft.com/office/drawing/2014/main" id="{1BECDD25-17A7-41AC-A323-3288079960A2}"/>
+              </a:ext>
+            </a:extLst>
+          </p:cNvPr>
+          <p:cNvSpPr>
+            <a:spLocks noGrp="1"/>
+          </p:cNvSpPr>
+          <p:nvPr>
+            <p:ph type="sldNum" sz="quarter" idx="12"/>
+          </p:nvPr>
+        </p:nvSpPr>
+        <p:spPr/>
+        <p:txBody>
+          <a:bodyPr/>
+          <a:lstStyle/>
+          <a:p>
+            <a:fld id="{70E8846B-6BA9-4652-B6D0-30C643810B55}" type="slidenum">
+              <a:rPr lang="el-GR" smtClean="0"/>
+              <a:pPr/>
+              <a:t>22</a:t>
+            </a:fld>
+            <a:endParaRPr lang="el-GR"/>
           </a:p>
         </p:txBody>
       </p:sp>
@@ -6450,14 +7062,13 @@
           <a:lstStyle/>
           <a:p>
             <a:r>
-              <a:rPr lang="en-US" dirty="0" smtClean="0"/>
-              <a:t>2. </a:t>
-            </a:r>
-            <a:r>
-              <a:rPr lang="el-GR" dirty="0" smtClean="0"/>
-              <a:t>Διάγραμμα Ροής</a:t>
-            </a:r>
-            <a:endParaRPr lang="el-GR" dirty="0"/>
+              <a:rPr lang="en-US" dirty="0"/>
+              <a:t>1. </a:t>
+            </a:r>
+            <a:r>
+              <a:rPr lang="el-GR" dirty="0"/>
+              <a:t>Ελεύθερο Κείμενο</a:t>
+            </a:r>
           </a:p>
         </p:txBody>
       </p:sp>
@@ -6470,87 +7081,97 @@
           <p:nvPr>
             <p:ph idx="1"/>
           </p:nvPr>
+        </p:nvSpPr>
+        <p:spPr/>
+        <p:txBody>
+          <a:bodyPr/>
+          <a:lstStyle/>
+          <a:p>
+            <a:r>
+              <a:rPr lang="el-GR" dirty="0"/>
+              <a:t> Απλή επεξήγηση του αλγόριθμου σε κείμενο</a:t>
+            </a:r>
+          </a:p>
+          <a:p>
+            <a:pPr>
+              <a:buNone/>
+            </a:pPr>
+            <a:r>
+              <a:rPr lang="el-GR" dirty="0"/>
+              <a:t>π.χ.</a:t>
+            </a:r>
+          </a:p>
+        </p:txBody>
+      </p:sp>
+      <p:sp>
+        <p:nvSpPr>
+          <p:cNvPr id="4" name="TextBox 3"/>
+          <p:cNvSpPr txBox="1"/>
+          <p:nvPr/>
         </p:nvSpPr>
         <p:spPr>
           <a:xfrm>
-            <a:off x="152400" y="1428750"/>
-            <a:ext cx="4343400" cy="3291840"/>
-          </a:xfrm>
-        </p:spPr>
-        <p:txBody>
-          <a:bodyPr>
-            <a:normAutofit/>
-          </a:bodyPr>
-          <a:lstStyle/>
-          <a:p>
-            <a:r>
-              <a:rPr lang="el-GR" sz="2000" dirty="0" smtClean="0"/>
-              <a:t>Σχηματική απεικόνηση των βημάτων του αλγόριθμου.</a:t>
-            </a:r>
-          </a:p>
-          <a:p>
-            <a:endParaRPr lang="el-GR" sz="2000" dirty="0" smtClean="0"/>
-          </a:p>
-          <a:p>
-            <a:r>
-              <a:rPr lang="el-GR" sz="2000" dirty="0" smtClean="0"/>
-              <a:t>Έλλειψη: Αρχή – Τέλος</a:t>
-            </a:r>
-          </a:p>
-          <a:p>
-            <a:r>
-              <a:rPr lang="el-GR" sz="2000" dirty="0" smtClean="0"/>
-              <a:t>Τετράγωνα: Εντολές</a:t>
-            </a:r>
-          </a:p>
-          <a:p>
-            <a:r>
-              <a:rPr lang="el-GR" sz="2000" dirty="0" smtClean="0"/>
-              <a:t>Πλάγιο </a:t>
-            </a:r>
-            <a:r>
-              <a:rPr lang="el-GR" sz="2000" dirty="0" smtClean="0"/>
-              <a:t>Ορθογώνια: Είσοδος &amp; Έξοδος </a:t>
-            </a:r>
-            <a:r>
-              <a:rPr lang="el-GR" sz="2000" dirty="0" smtClean="0"/>
-              <a:t>δεδομένων</a:t>
-            </a:r>
-            <a:endParaRPr lang="en-US" sz="2000" dirty="0" smtClean="0"/>
-          </a:p>
-          <a:p>
-            <a:r>
-              <a:rPr lang="el-GR" sz="2000" dirty="0" smtClean="0"/>
-              <a:t>Ρόμβος: Έλεγχος συνθήκης</a:t>
-            </a:r>
-            <a:endParaRPr lang="el-GR" sz="2000" dirty="0" smtClean="0"/>
-          </a:p>
-        </p:txBody>
-      </p:sp>
-      <p:pic>
-        <p:nvPicPr>
-          <p:cNvPr id="4" name="Picture 3" descr="LampFlowchart.svg_.png"/>
-          <p:cNvPicPr>
-            <a:picLocks noChangeAspect="1"/>
-          </p:cNvPicPr>
-          <p:nvPr/>
-        </p:nvPicPr>
-        <p:blipFill>
-          <a:blip r:embed="rId2" cstate="print"/>
-          <a:stretch>
-            <a:fillRect/>
-          </a:stretch>
-        </p:blipFill>
-        <p:spPr>
-          <a:xfrm>
-            <a:off x="4724400" y="970678"/>
-            <a:ext cx="3962400" cy="3977524"/>
+            <a:off x="1066800" y="2571750"/>
+            <a:ext cx="7086600" cy="1569660"/>
           </a:xfrm>
           <a:prstGeom prst="rect">
             <a:avLst/>
           </a:prstGeom>
+          <a:noFill/>
         </p:spPr>
-      </p:pic>
+        <p:txBody>
+          <a:bodyPr wrap="square" rtlCol="0">
+            <a:spAutoFit/>
+          </a:bodyPr>
+          <a:lstStyle/>
+          <a:p>
+            <a:pPr algn="just"/>
+            <a:r>
+              <a:rPr lang="en-US" sz="2400" dirty="0"/>
+              <a:t>“</a:t>
+            </a:r>
+            <a:r>
+              <a:rPr lang="el-GR" sz="2400" dirty="0"/>
+              <a:t>Άνοιξε το πρώτο ντουλάπι και αφού βρεις το σακουλάκι με την ζάχαρη, πάρε το δοχείο από το τρίτο ντουλάπι στα δεξιά και άδειασε το σακουλάκι μέσα στο δοχείο.</a:t>
+            </a:r>
+            <a:r>
+              <a:rPr lang="en-US" sz="2400" dirty="0"/>
+              <a:t>”</a:t>
+            </a:r>
+            <a:endParaRPr lang="el-GR" sz="2400" dirty="0"/>
+          </a:p>
+        </p:txBody>
+      </p:sp>
+      <p:sp>
+        <p:nvSpPr>
+          <p:cNvPr id="5" name="Θέση αριθμού διαφάνειας 4">
+            <a:extLst>
+              <a:ext uri="{FF2B5EF4-FFF2-40B4-BE49-F238E27FC236}">
+                <a16:creationId xmlns:a16="http://schemas.microsoft.com/office/drawing/2014/main" id="{40B29195-4104-479F-BC50-002AEFDC09DF}"/>
+              </a:ext>
+            </a:extLst>
+          </p:cNvPr>
+          <p:cNvSpPr>
+            <a:spLocks noGrp="1"/>
+          </p:cNvSpPr>
+          <p:nvPr>
+            <p:ph type="sldNum" sz="quarter" idx="12"/>
+          </p:nvPr>
+        </p:nvSpPr>
+        <p:spPr/>
+        <p:txBody>
+          <a:bodyPr/>
+          <a:lstStyle/>
+          <a:p>
+            <a:fld id="{70E8846B-6BA9-4652-B6D0-30C643810B55}" type="slidenum">
+              <a:rPr lang="el-GR" smtClean="0"/>
+              <a:pPr/>
+              <a:t>23</a:t>
+            </a:fld>
+            <a:endParaRPr lang="el-GR"/>
+          </a:p>
+        </p:txBody>
+      </p:sp>
     </p:spTree>
   </p:cSld>
   <p:clrMapOvr>
@@ -6592,10 +7213,13 @@
           <a:lstStyle/>
           <a:p>
             <a:r>
-              <a:rPr lang="el-GR" dirty="0" smtClean="0"/>
-              <a:t>3. Φυσική Γλώσσα</a:t>
-            </a:r>
-            <a:endParaRPr lang="el-GR" dirty="0"/>
+              <a:rPr lang="en-US" dirty="0"/>
+              <a:t>2. </a:t>
+            </a:r>
+            <a:r>
+              <a:rPr lang="el-GR" dirty="0"/>
+              <a:t>Διάγραμμα Ροής</a:t>
+            </a:r>
           </a:p>
         </p:txBody>
       </p:sp>
@@ -6608,104 +7232,105 @@
           <p:nvPr>
             <p:ph idx="1"/>
           </p:nvPr>
-        </p:nvSpPr>
-        <p:spPr/>
-        <p:txBody>
-          <a:bodyPr/>
-          <a:lstStyle/>
-          <a:p>
-            <a:r>
-              <a:rPr lang="el-GR" dirty="0" smtClean="0"/>
-              <a:t> Γίνεται κυρίως κατα βήματα</a:t>
-            </a:r>
-          </a:p>
-          <a:p>
-            <a:pPr>
-              <a:buNone/>
-            </a:pPr>
-            <a:r>
-              <a:rPr lang="el-GR" dirty="0" smtClean="0"/>
-              <a:t>π.χ.</a:t>
-            </a:r>
-            <a:endParaRPr lang="el-GR" dirty="0"/>
-          </a:p>
-        </p:txBody>
-      </p:sp>
-      <p:sp>
-        <p:nvSpPr>
-          <p:cNvPr id="4" name="TextBox 3"/>
-          <p:cNvSpPr txBox="1"/>
-          <p:nvPr/>
         </p:nvSpPr>
         <p:spPr>
           <a:xfrm>
-            <a:off x="1676400" y="2419350"/>
-            <a:ext cx="6324600" cy="2308324"/>
+            <a:off x="152400" y="1428750"/>
+            <a:ext cx="4343400" cy="3291840"/>
+          </a:xfrm>
+        </p:spPr>
+        <p:txBody>
+          <a:bodyPr>
+            <a:normAutofit/>
+          </a:bodyPr>
+          <a:lstStyle/>
+          <a:p>
+            <a:r>
+              <a:rPr lang="el-GR" sz="2000" dirty="0"/>
+              <a:t>Σχηματική απεικόνηση των βημάτων του αλγόριθμου.</a:t>
+            </a:r>
+          </a:p>
+          <a:p>
+            <a:endParaRPr lang="el-GR" sz="2000" dirty="0"/>
+          </a:p>
+          <a:p>
+            <a:r>
+              <a:rPr lang="el-GR" sz="2000" dirty="0"/>
+              <a:t>Έλλειψη: Αρχή – Τέλος</a:t>
+            </a:r>
+          </a:p>
+          <a:p>
+            <a:r>
+              <a:rPr lang="el-GR" sz="2000" dirty="0"/>
+              <a:t>Τετράγωνα: Εντολές</a:t>
+            </a:r>
+          </a:p>
+          <a:p>
+            <a:r>
+              <a:rPr lang="el-GR" sz="2000" dirty="0"/>
+              <a:t>Πλάγιο Ορθογώνια: Είσοδος &amp; Έξοδος δεδομένων</a:t>
+            </a:r>
+            <a:endParaRPr lang="en-US" sz="2000" dirty="0"/>
+          </a:p>
+          <a:p>
+            <a:r>
+              <a:rPr lang="el-GR" sz="2000" dirty="0"/>
+              <a:t>Ρόμβος: Έλεγχος συνθήκης</a:t>
+            </a:r>
+          </a:p>
+        </p:txBody>
+      </p:sp>
+      <p:pic>
+        <p:nvPicPr>
+          <p:cNvPr id="4" name="Picture 3" descr="LampFlowchart.svg_.png"/>
+          <p:cNvPicPr>
+            <a:picLocks noChangeAspect="1"/>
+          </p:cNvPicPr>
+          <p:nvPr/>
+        </p:nvPicPr>
+        <p:blipFill>
+          <a:blip r:embed="rId2" cstate="print"/>
+          <a:stretch>
+            <a:fillRect/>
+          </a:stretch>
+        </p:blipFill>
+        <p:spPr>
+          <a:xfrm>
+            <a:off x="4724400" y="970678"/>
+            <a:ext cx="3962400" cy="3977524"/>
           </a:xfrm>
           <a:prstGeom prst="rect">
             <a:avLst/>
           </a:prstGeom>
-          <a:noFill/>
         </p:spPr>
-        <p:txBody>
-          <a:bodyPr wrap="square" rtlCol="0">
-            <a:spAutoFit/>
-          </a:bodyPr>
-          <a:lstStyle/>
-          <a:p>
-            <a:pPr marL="342900" indent="-342900">
-              <a:buAutoNum type="arabicPeriod"/>
-            </a:pPr>
-            <a:r>
-              <a:rPr lang="el-GR" sz="2400" dirty="0" smtClean="0"/>
-              <a:t>Αρχή</a:t>
-            </a:r>
-          </a:p>
-          <a:p>
-            <a:pPr marL="342900" indent="-342900">
-              <a:buAutoNum type="arabicPeriod"/>
-            </a:pPr>
-            <a:r>
-              <a:rPr lang="el-GR" sz="2400" dirty="0" smtClean="0"/>
-              <a:t>Δωσε Αριθμο</a:t>
-            </a:r>
-          </a:p>
-          <a:p>
-            <a:pPr marL="342900" indent="-342900">
-              <a:buAutoNum type="arabicPeriod"/>
-            </a:pPr>
-            <a:r>
-              <a:rPr lang="el-GR" sz="2400" dirty="0" smtClean="0"/>
-              <a:t>Διαίρεσε με 2</a:t>
-            </a:r>
-          </a:p>
-          <a:p>
-            <a:pPr marL="342900" indent="-342900">
-              <a:buAutoNum type="arabicPeriod"/>
-            </a:pPr>
-            <a:r>
-              <a:rPr lang="el-GR" sz="2400" dirty="0" smtClean="0"/>
-              <a:t>Αν το υπόλοιπο είναι μηδέν, τότε άρτιος</a:t>
-            </a:r>
-          </a:p>
-          <a:p>
-            <a:pPr marL="342900" indent="-342900">
-              <a:buAutoNum type="arabicPeriod"/>
-            </a:pPr>
-            <a:r>
-              <a:rPr lang="el-GR" sz="2400" dirty="0" smtClean="0"/>
-              <a:t>Αλλιώς, αν το υπόλοιπο 1, περιττός</a:t>
-            </a:r>
-          </a:p>
-          <a:p>
-            <a:pPr marL="342900" indent="-342900">
-              <a:buAutoNum type="arabicPeriod"/>
-            </a:pPr>
-            <a:r>
-              <a:rPr lang="el-GR" sz="2400" dirty="0" smtClean="0"/>
-              <a:t>Τέλος</a:t>
-            </a:r>
-            <a:endParaRPr lang="el-GR" sz="2400" dirty="0"/>
+      </p:pic>
+      <p:sp>
+        <p:nvSpPr>
+          <p:cNvPr id="5" name="Θέση αριθμού διαφάνειας 4">
+            <a:extLst>
+              <a:ext uri="{FF2B5EF4-FFF2-40B4-BE49-F238E27FC236}">
+                <a16:creationId xmlns:a16="http://schemas.microsoft.com/office/drawing/2014/main" id="{2388A259-A670-40B1-B8EC-658B86561F6A}"/>
+              </a:ext>
+            </a:extLst>
+          </p:cNvPr>
+          <p:cNvSpPr>
+            <a:spLocks noGrp="1"/>
+          </p:cNvSpPr>
+          <p:nvPr>
+            <p:ph type="sldNum" sz="quarter" idx="12"/>
+          </p:nvPr>
+        </p:nvSpPr>
+        <p:spPr/>
+        <p:txBody>
+          <a:bodyPr/>
+          <a:lstStyle/>
+          <a:p>
+            <a:fld id="{70E8846B-6BA9-4652-B6D0-30C643810B55}" type="slidenum">
+              <a:rPr lang="el-GR" smtClean="0"/>
+              <a:pPr/>
+              <a:t>24</a:t>
+            </a:fld>
+            <a:endParaRPr lang="el-GR"/>
           </a:p>
         </p:txBody>
       </p:sp>
@@ -6750,10 +7375,9 @@
           <a:lstStyle/>
           <a:p>
             <a:r>
-              <a:rPr lang="el-GR" dirty="0" smtClean="0"/>
-              <a:t>4. Κωδικοποίηση</a:t>
-            </a:r>
-            <a:endParaRPr lang="el-GR" dirty="0"/>
+              <a:rPr lang="el-GR" dirty="0"/>
+              <a:t>3. Φυσική Γλώσσα</a:t>
+            </a:r>
           </a:p>
         </p:txBody>
       </p:sp>
@@ -6773,8 +7397,8 @@
           <a:lstStyle/>
           <a:p>
             <a:r>
-              <a:rPr lang="el-GR" dirty="0" smtClean="0"/>
-              <a:t>Μετάφραση αλγόριθμου μέσω μιας γλώσσας προγραμματισμού</a:t>
+              <a:rPr lang="el-GR" dirty="0"/>
+              <a:t> Γίνεται κυρίως κατα βήματα</a:t>
             </a:r>
           </a:p>
           <a:p>
@@ -6782,10 +7406,194 @@
               <a:buNone/>
             </a:pPr>
             <a:r>
-              <a:rPr lang="el-GR" dirty="0" smtClean="0"/>
+              <a:rPr lang="el-GR" dirty="0"/>
               <a:t>π.χ.</a:t>
             </a:r>
-            <a:endParaRPr lang="el-GR" dirty="0"/>
+          </a:p>
+        </p:txBody>
+      </p:sp>
+      <p:sp>
+        <p:nvSpPr>
+          <p:cNvPr id="4" name="TextBox 3"/>
+          <p:cNvSpPr txBox="1"/>
+          <p:nvPr/>
+        </p:nvSpPr>
+        <p:spPr>
+          <a:xfrm>
+            <a:off x="1676400" y="2419350"/>
+            <a:ext cx="6324600" cy="2308324"/>
+          </a:xfrm>
+          <a:prstGeom prst="rect">
+            <a:avLst/>
+          </a:prstGeom>
+          <a:noFill/>
+        </p:spPr>
+        <p:txBody>
+          <a:bodyPr wrap="square" rtlCol="0">
+            <a:spAutoFit/>
+          </a:bodyPr>
+          <a:lstStyle/>
+          <a:p>
+            <a:pPr marL="342900" indent="-342900">
+              <a:buAutoNum type="arabicPeriod"/>
+            </a:pPr>
+            <a:r>
+              <a:rPr lang="el-GR" sz="2400" dirty="0"/>
+              <a:t>Αρχή</a:t>
+            </a:r>
+          </a:p>
+          <a:p>
+            <a:pPr marL="342900" indent="-342900">
+              <a:buAutoNum type="arabicPeriod"/>
+            </a:pPr>
+            <a:r>
+              <a:rPr lang="el-GR" sz="2400" dirty="0"/>
+              <a:t>Δωσε Αριθμο</a:t>
+            </a:r>
+          </a:p>
+          <a:p>
+            <a:pPr marL="342900" indent="-342900">
+              <a:buAutoNum type="arabicPeriod"/>
+            </a:pPr>
+            <a:r>
+              <a:rPr lang="el-GR" sz="2400" dirty="0"/>
+              <a:t>Διαίρεσε με 2</a:t>
+            </a:r>
+          </a:p>
+          <a:p>
+            <a:pPr marL="342900" indent="-342900">
+              <a:buAutoNum type="arabicPeriod"/>
+            </a:pPr>
+            <a:r>
+              <a:rPr lang="el-GR" sz="2400" dirty="0"/>
+              <a:t>Αν το υπόλοιπο είναι μηδέν, τότε άρτιος</a:t>
+            </a:r>
+          </a:p>
+          <a:p>
+            <a:pPr marL="342900" indent="-342900">
+              <a:buAutoNum type="arabicPeriod"/>
+            </a:pPr>
+            <a:r>
+              <a:rPr lang="el-GR" sz="2400" dirty="0"/>
+              <a:t>Αλλιώς, αν το υπόλοιπο 1, περιττός</a:t>
+            </a:r>
+          </a:p>
+          <a:p>
+            <a:pPr marL="342900" indent="-342900">
+              <a:buAutoNum type="arabicPeriod"/>
+            </a:pPr>
+            <a:r>
+              <a:rPr lang="el-GR" sz="2400" dirty="0"/>
+              <a:t>Τέλος</a:t>
+            </a:r>
+          </a:p>
+        </p:txBody>
+      </p:sp>
+      <p:sp>
+        <p:nvSpPr>
+          <p:cNvPr id="5" name="Θέση αριθμού διαφάνειας 4">
+            <a:extLst>
+              <a:ext uri="{FF2B5EF4-FFF2-40B4-BE49-F238E27FC236}">
+                <a16:creationId xmlns:a16="http://schemas.microsoft.com/office/drawing/2014/main" id="{BD4C9224-42A6-4CC6-BFEA-56B9767DD896}"/>
+              </a:ext>
+            </a:extLst>
+          </p:cNvPr>
+          <p:cNvSpPr>
+            <a:spLocks noGrp="1"/>
+          </p:cNvSpPr>
+          <p:nvPr>
+            <p:ph type="sldNum" sz="quarter" idx="12"/>
+          </p:nvPr>
+        </p:nvSpPr>
+        <p:spPr/>
+        <p:txBody>
+          <a:bodyPr/>
+          <a:lstStyle/>
+          <a:p>
+            <a:fld id="{70E8846B-6BA9-4652-B6D0-30C643810B55}" type="slidenum">
+              <a:rPr lang="el-GR" smtClean="0"/>
+              <a:pPr/>
+              <a:t>25</a:t>
+            </a:fld>
+            <a:endParaRPr lang="el-GR"/>
+          </a:p>
+        </p:txBody>
+      </p:sp>
+    </p:spTree>
+  </p:cSld>
+  <p:clrMapOvr>
+    <a:masterClrMapping/>
+  </p:clrMapOvr>
+</p:sld>
+</file>
+
+<file path=ppt/slides/slide26.xml><?xml version="1.0" encoding="utf-8"?>
+<p:sld xmlns:a="http://schemas.openxmlformats.org/drawingml/2006/main" xmlns:r="http://schemas.openxmlformats.org/officeDocument/2006/relationships" xmlns:p="http://schemas.openxmlformats.org/presentationml/2006/main">
+  <p:cSld>
+    <p:spTree>
+      <p:nvGrpSpPr>
+        <p:cNvPr id="1" name=""/>
+        <p:cNvGrpSpPr/>
+        <p:nvPr/>
+      </p:nvGrpSpPr>
+      <p:grpSpPr>
+        <a:xfrm>
+          <a:off x="0" y="0"/>
+          <a:ext cx="0" cy="0"/>
+          <a:chOff x="0" y="0"/>
+          <a:chExt cx="0" cy="0"/>
+        </a:xfrm>
+      </p:grpSpPr>
+      <p:sp>
+        <p:nvSpPr>
+          <p:cNvPr id="2" name="Title 1"/>
+          <p:cNvSpPr>
+            <a:spLocks noGrp="1"/>
+          </p:cNvSpPr>
+          <p:nvPr>
+            <p:ph type="title"/>
+          </p:nvPr>
+        </p:nvSpPr>
+        <p:spPr/>
+        <p:txBody>
+          <a:bodyPr/>
+          <a:lstStyle/>
+          <a:p>
+            <a:r>
+              <a:rPr lang="el-GR" dirty="0"/>
+              <a:t>4. Κωδικοποίηση</a:t>
+            </a:r>
+          </a:p>
+        </p:txBody>
+      </p:sp>
+      <p:sp>
+        <p:nvSpPr>
+          <p:cNvPr id="3" name="Content Placeholder 2"/>
+          <p:cNvSpPr>
+            <a:spLocks noGrp="1"/>
+          </p:cNvSpPr>
+          <p:nvPr>
+            <p:ph idx="1"/>
+          </p:nvPr>
+        </p:nvSpPr>
+        <p:spPr/>
+        <p:txBody>
+          <a:bodyPr/>
+          <a:lstStyle/>
+          <a:p>
+            <a:r>
+              <a:rPr lang="el-GR" dirty="0"/>
+              <a:t>Μετάφραση αλγόριθμου μέσω μιας γλώσσας προγραμματισμού</a:t>
+            </a:r>
+          </a:p>
+          <a:p>
+            <a:pPr>
+              <a:buNone/>
+            </a:pPr>
+            <a:r>
+              <a:rPr lang="el-GR" dirty="0"/>
+              <a:t>π.χ.</a:t>
+            </a:r>
           </a:p>
         </p:txBody>
       </p:sp>
@@ -6821,6 +7629,36 @@
           </a:ln>
         </p:spPr>
       </p:pic>
+      <p:sp>
+        <p:nvSpPr>
+          <p:cNvPr id="4" name="Θέση αριθμού διαφάνειας 3">
+            <a:extLst>
+              <a:ext uri="{FF2B5EF4-FFF2-40B4-BE49-F238E27FC236}">
+                <a16:creationId xmlns:a16="http://schemas.microsoft.com/office/drawing/2014/main" id="{D7CE7895-756B-468F-ADC0-A8C495A9C1DB}"/>
+              </a:ext>
+            </a:extLst>
+          </p:cNvPr>
+          <p:cNvSpPr>
+            <a:spLocks noGrp="1"/>
+          </p:cNvSpPr>
+          <p:nvPr>
+            <p:ph type="sldNum" sz="quarter" idx="12"/>
+          </p:nvPr>
+        </p:nvSpPr>
+        <p:spPr/>
+        <p:txBody>
+          <a:bodyPr/>
+          <a:lstStyle/>
+          <a:p>
+            <a:fld id="{70E8846B-6BA9-4652-B6D0-30C643810B55}" type="slidenum">
+              <a:rPr lang="el-GR" smtClean="0"/>
+              <a:pPr/>
+              <a:t>26</a:t>
+            </a:fld>
+            <a:endParaRPr lang="el-GR"/>
+          </a:p>
+        </p:txBody>
+      </p:sp>
     </p:spTree>
   </p:cSld>
   <p:clrMapOvr>
@@ -6829,7 +7667,7 @@
 </p:sld>
 </file>
 
-<file path=ppt/slides/slide26.xml><?xml version="1.0" encoding="utf-8"?>
+<file path=ppt/slides/slide27.xml><?xml version="1.0" encoding="utf-8"?>
 <p:sld xmlns:a="http://schemas.openxmlformats.org/drawingml/2006/main" xmlns:r="http://schemas.openxmlformats.org/officeDocument/2006/relationships" xmlns:p="http://schemas.openxmlformats.org/presentationml/2006/main">
   <p:cSld>
     <p:spTree>
@@ -6862,12 +7700,12 @@
           <a:lstStyle/>
           <a:p>
             <a:r>
-              <a:rPr lang="el-GR" dirty="0" smtClean="0"/>
+              <a:rPr lang="el-GR" dirty="0"/>
               <a:t>Ο κώδικας στο </a:t>
             </a:r>
             <a:r>
-              <a:rPr lang="en-US" dirty="0" smtClean="0"/>
-              <a:t>PyCharm</a:t>
+              <a:rPr lang="en-US" dirty="0"/>
+              <a:t>Mu</a:t>
             </a:r>
             <a:endParaRPr lang="el-GR" dirty="0"/>
           </a:p>
@@ -6882,16 +7720,21 @@
           <p:nvPr/>
         </p:nvPicPr>
         <p:blipFill>
-          <a:blip r:embed="rId2" cstate="print"/>
-          <a:srcRect/>
+          <a:blip r:embed="rId2" cstate="print">
+            <a:extLst>
+              <a:ext uri="{28A0092B-C50C-407E-A947-70E740481C1C}">
+                <a14:useLocalDpi xmlns:a14="http://schemas.microsoft.com/office/drawing/2010/main" val="0"/>
+              </a:ext>
+            </a:extLst>
+          </a:blip>
           <a:stretch>
             <a:fillRect/>
           </a:stretch>
         </p:blipFill>
         <p:spPr bwMode="auto">
           <a:xfrm>
-            <a:off x="1600200" y="1581150"/>
-            <a:ext cx="5715000" cy="3377523"/>
+            <a:off x="2743200" y="1385316"/>
+            <a:ext cx="3352799" cy="3604260"/>
           </a:xfrm>
           <a:prstGeom prst="rect">
             <a:avLst/>
@@ -6912,96 +7755,41 @@
           </a:effectLst>
         </p:spPr>
       </p:pic>
+      <p:sp>
+        <p:nvSpPr>
+          <p:cNvPr id="3" name="Θέση αριθμού διαφάνειας 2">
+            <a:extLst>
+              <a:ext uri="{FF2B5EF4-FFF2-40B4-BE49-F238E27FC236}">
+                <a16:creationId xmlns:a16="http://schemas.microsoft.com/office/drawing/2014/main" id="{5A96CBD9-E14B-480E-B551-C249676E126F}"/>
+              </a:ext>
+            </a:extLst>
+          </p:cNvPr>
+          <p:cNvSpPr>
+            <a:spLocks noGrp="1"/>
+          </p:cNvSpPr>
+          <p:nvPr>
+            <p:ph type="sldNum" sz="quarter" idx="12"/>
+          </p:nvPr>
+        </p:nvSpPr>
+        <p:spPr/>
+        <p:txBody>
+          <a:bodyPr/>
+          <a:lstStyle/>
+          <a:p>
+            <a:fld id="{70E8846B-6BA9-4652-B6D0-30C643810B55}" type="slidenum">
+              <a:rPr lang="el-GR" smtClean="0"/>
+              <a:pPr/>
+              <a:t>27</a:t>
+            </a:fld>
+            <a:endParaRPr lang="el-GR"/>
+          </a:p>
+        </p:txBody>
+      </p:sp>
     </p:spTree>
   </p:cSld>
   <p:clrMapOvr>
     <a:masterClrMapping/>
   </p:clrMapOvr>
-  <p:timing>
-    <p:tnLst>
-      <p:par>
-        <p:cTn id="1" dur="indefinite" restart="never" nodeType="tmRoot"/>
-      </p:par>
-    </p:tnLst>
-  </p:timing>
-</p:sld>
-</file>
-
-<file path=ppt/slides/slide27.xml><?xml version="1.0" encoding="utf-8"?>
-<p:sld xmlns:a="http://schemas.openxmlformats.org/drawingml/2006/main" xmlns:r="http://schemas.openxmlformats.org/officeDocument/2006/relationships" xmlns:p="http://schemas.openxmlformats.org/presentationml/2006/main">
-  <p:cSld>
-    <p:spTree>
-      <p:nvGrpSpPr>
-        <p:cNvPr id="1" name=""/>
-        <p:cNvGrpSpPr/>
-        <p:nvPr/>
-      </p:nvGrpSpPr>
-      <p:grpSpPr>
-        <a:xfrm>
-          <a:off x="0" y="0"/>
-          <a:ext cx="0" cy="0"/>
-          <a:chOff x="0" y="0"/>
-          <a:chExt cx="0" cy="0"/>
-        </a:xfrm>
-      </p:grpSpPr>
-      <p:sp>
-        <p:nvSpPr>
-          <p:cNvPr id="4" name="Title 3"/>
-          <p:cNvSpPr>
-            <a:spLocks noGrp="1"/>
-          </p:cNvSpPr>
-          <p:nvPr>
-            <p:ph type="ctrTitle"/>
-          </p:nvPr>
-        </p:nvSpPr>
-        <p:spPr/>
-        <p:txBody>
-          <a:bodyPr/>
-          <a:lstStyle/>
-          <a:p>
-            <a:r>
-              <a:rPr lang="el-GR" dirty="0" smtClean="0"/>
-              <a:t>Δεδομένα</a:t>
-            </a:r>
-            <a:endParaRPr lang="el-GR" dirty="0"/>
-          </a:p>
-        </p:txBody>
-      </p:sp>
-      <p:sp>
-        <p:nvSpPr>
-          <p:cNvPr id="5" name="Subtitle 4"/>
-          <p:cNvSpPr>
-            <a:spLocks noGrp="1"/>
-          </p:cNvSpPr>
-          <p:nvPr>
-            <p:ph type="subTitle" idx="1"/>
-          </p:nvPr>
-        </p:nvSpPr>
-        <p:spPr/>
-        <p:txBody>
-          <a:bodyPr/>
-          <a:lstStyle/>
-          <a:p>
-            <a:r>
-              <a:rPr lang="el-GR" dirty="0" smtClean="0"/>
-              <a:t>Η έννοια των δεδομέων και των δομών δεδομένων</a:t>
-            </a:r>
-            <a:endParaRPr lang="el-GR" dirty="0"/>
-          </a:p>
-        </p:txBody>
-      </p:sp>
-    </p:spTree>
-  </p:cSld>
-  <p:clrMapOvr>
-    <a:masterClrMapping/>
-  </p:clrMapOvr>
-  <p:timing>
-    <p:tnLst>
-      <p:par>
-        <p:cTn id="1" dur="indefinite" restart="never" nodeType="tmRoot"/>
-      </p:par>
-    </p:tnLst>
-  </p:timing>
 </p:sld>
 </file>
 
@@ -7024,68 +7812,75 @@
       </p:grpSpPr>
       <p:sp>
         <p:nvSpPr>
-          <p:cNvPr id="2" name="Title 1"/>
-          <p:cNvSpPr>
-            <a:spLocks noGrp="1"/>
-          </p:cNvSpPr>
-          <p:nvPr>
-            <p:ph type="title"/>
-          </p:nvPr>
-        </p:nvSpPr>
-        <p:spPr/>
-        <p:txBody>
-          <a:bodyPr/>
-          <a:lstStyle/>
-          <a:p>
-            <a:r>
-              <a:rPr lang="el-GR" dirty="0" smtClean="0"/>
+          <p:cNvPr id="4" name="Title 3"/>
+          <p:cNvSpPr>
+            <a:spLocks noGrp="1"/>
+          </p:cNvSpPr>
+          <p:nvPr>
+            <p:ph type="ctrTitle"/>
+          </p:nvPr>
+        </p:nvSpPr>
+        <p:spPr/>
+        <p:txBody>
+          <a:bodyPr/>
+          <a:lstStyle/>
+          <a:p>
+            <a:r>
+              <a:rPr lang="el-GR" dirty="0"/>
               <a:t>Δεδομένα</a:t>
             </a:r>
-            <a:endParaRPr lang="el-GR" dirty="0"/>
-          </a:p>
-        </p:txBody>
-      </p:sp>
-      <p:sp>
-        <p:nvSpPr>
-          <p:cNvPr id="3" name="Content Placeholder 2"/>
-          <p:cNvSpPr>
-            <a:spLocks noGrp="1"/>
-          </p:cNvSpPr>
-          <p:nvPr>
-            <p:ph idx="1"/>
-          </p:nvPr>
-        </p:nvSpPr>
-        <p:spPr/>
-        <p:txBody>
-          <a:bodyPr/>
-          <a:lstStyle/>
-          <a:p>
-            <a:r>
-              <a:rPr lang="el-GR" dirty="0" smtClean="0"/>
-              <a:t>Ονομάζεται ένα γνωστό ή αποδεκτό στοιχείο το οποίο χρησιμοποιείται ως βάση ή προϋπόθεση στην επίλυση προβλημάτων.</a:t>
-            </a:r>
-          </a:p>
-          <a:p>
-            <a:endParaRPr lang="el-GR" dirty="0" smtClean="0"/>
-          </a:p>
-          <a:p>
-            <a:r>
-              <a:rPr lang="el-GR" dirty="0" smtClean="0"/>
-              <a:t>Βέβαια, εμάς μας ενδιαφέρει η έννοια των </a:t>
-            </a:r>
-            <a:r>
-              <a:rPr lang="el-GR" b="1" u="sng" dirty="0" smtClean="0">
-                <a:solidFill>
-                  <a:srgbClr val="C00000"/>
-                </a:solidFill>
-              </a:rPr>
-              <a:t>δομών δεδομένων</a:t>
-            </a:r>
-            <a:endParaRPr lang="el-GR" b="1" u="sng" dirty="0">
-              <a:solidFill>
-                <a:srgbClr val="C00000"/>
-              </a:solidFill>
-            </a:endParaRPr>
+          </a:p>
+        </p:txBody>
+      </p:sp>
+      <p:sp>
+        <p:nvSpPr>
+          <p:cNvPr id="5" name="Subtitle 4"/>
+          <p:cNvSpPr>
+            <a:spLocks noGrp="1"/>
+          </p:cNvSpPr>
+          <p:nvPr>
+            <p:ph type="subTitle" idx="1"/>
+          </p:nvPr>
+        </p:nvSpPr>
+        <p:spPr/>
+        <p:txBody>
+          <a:bodyPr/>
+          <a:lstStyle/>
+          <a:p>
+            <a:r>
+              <a:rPr lang="el-GR" dirty="0"/>
+              <a:t>Η έννοια των δεδομέων και των δομών δεδομένων</a:t>
+            </a:r>
+          </a:p>
+        </p:txBody>
+      </p:sp>
+      <p:sp>
+        <p:nvSpPr>
+          <p:cNvPr id="2" name="Θέση αριθμού διαφάνειας 1">
+            <a:extLst>
+              <a:ext uri="{FF2B5EF4-FFF2-40B4-BE49-F238E27FC236}">
+                <a16:creationId xmlns:a16="http://schemas.microsoft.com/office/drawing/2014/main" id="{FD65EA15-CD9A-4EF4-9877-90F3D01FAA76}"/>
+              </a:ext>
+            </a:extLst>
+          </p:cNvPr>
+          <p:cNvSpPr>
+            <a:spLocks noGrp="1"/>
+          </p:cNvSpPr>
+          <p:nvPr>
+            <p:ph type="sldNum" sz="quarter" idx="12"/>
+          </p:nvPr>
+        </p:nvSpPr>
+        <p:spPr/>
+        <p:txBody>
+          <a:bodyPr/>
+          <a:lstStyle/>
+          <a:p>
+            <a:fld id="{B6F15528-21DE-4FAA-801E-634DDDAF4B2B}" type="slidenum">
+              <a:rPr lang="en-US" smtClean="0"/>
+              <a:pPr/>
+              <a:t>28</a:t>
+            </a:fld>
+            <a:endParaRPr lang="en-US"/>
           </a:p>
         </p:txBody>
       </p:sp>
@@ -7130,65 +7925,78 @@
           <a:lstStyle/>
           <a:p>
             <a:r>
-              <a:rPr lang="el-GR" dirty="0" smtClean="0"/>
-              <a:t>Δομές Δεδομένων - 1</a:t>
-            </a:r>
+              <a:rPr lang="el-GR" dirty="0"/>
+              <a:t>Δεδομένα</a:t>
+            </a:r>
+          </a:p>
+        </p:txBody>
+      </p:sp>
+      <p:sp>
+        <p:nvSpPr>
+          <p:cNvPr id="3" name="Content Placeholder 2"/>
+          <p:cNvSpPr>
+            <a:spLocks noGrp="1"/>
+          </p:cNvSpPr>
+          <p:nvPr>
+            <p:ph idx="1"/>
+          </p:nvPr>
+        </p:nvSpPr>
+        <p:spPr/>
+        <p:txBody>
+          <a:bodyPr/>
+          <a:lstStyle/>
+          <a:p>
+            <a:r>
+              <a:rPr lang="el-GR" dirty="0"/>
+              <a:t>Ονομάζεται ένα γνωστό ή αποδεκτό στοιχείο το οποίο χρησιμοποιείται ως βάση ή προϋπόθεση στην επίλυση προβλημάτων.</a:t>
+            </a:r>
+          </a:p>
+          <a:p>
             <a:endParaRPr lang="el-GR" dirty="0"/>
           </a:p>
-        </p:txBody>
-      </p:sp>
-      <p:sp>
-        <p:nvSpPr>
-          <p:cNvPr id="3" name="Content Placeholder 2"/>
-          <p:cNvSpPr>
-            <a:spLocks noGrp="1"/>
-          </p:cNvSpPr>
-          <p:nvPr>
-            <p:ph idx="1"/>
-          </p:nvPr>
-        </p:nvSpPr>
-        <p:spPr/>
-        <p:txBody>
-          <a:bodyPr/>
-          <a:lstStyle/>
-          <a:p>
-            <a:r>
-              <a:rPr lang="el-GR" dirty="0" smtClean="0"/>
-              <a:t>Η έννοια της </a:t>
-            </a:r>
-            <a:r>
-              <a:rPr lang="el-GR" b="1" u="sng" dirty="0" smtClean="0"/>
-              <a:t>δομής δεδομένων</a:t>
-            </a:r>
-            <a:r>
-              <a:rPr lang="el-GR" dirty="0" smtClean="0"/>
-              <a:t> αναφέρεται στους διαφορετικούς δυνατούς τρόπους </a:t>
-            </a:r>
-            <a:r>
-              <a:rPr lang="el-GR" b="1" u="sng" dirty="0" smtClean="0">
+          <a:p>
+            <a:r>
+              <a:rPr lang="el-GR" dirty="0"/>
+              <a:t>Βέβαια, εμάς μας ενδιαφέρει η έννοια των </a:t>
+            </a:r>
+            <a:r>
+              <a:rPr lang="el-GR" b="1" u="sng" dirty="0">
                 <a:solidFill>
                   <a:srgbClr val="C00000"/>
                 </a:solidFill>
               </a:rPr>
-              <a:t>οργάνωσης και αποθήκευσης </a:t>
-            </a:r>
-            <a:r>
-              <a:rPr lang="el-GR" dirty="0" smtClean="0"/>
-              <a:t>δεδομένων μέσα σε έναν υπολογιστή, ώστε τα δεδομένα αυτά να μπορούν να χρησιμοποιηθούν </a:t>
-            </a:r>
-            <a:r>
-              <a:rPr lang="el-GR" b="1" u="sng" dirty="0" smtClean="0">
-                <a:solidFill>
-                  <a:srgbClr val="C00000"/>
-                </a:solidFill>
-              </a:rPr>
-              <a:t>αποδοτικά</a:t>
-            </a:r>
-            <a:r>
-              <a:rPr lang="el-GR" dirty="0" smtClean="0"/>
-              <a:t>.</a:t>
-            </a:r>
-            <a:endParaRPr lang="el-GR" dirty="0"/>
+              <a:t>δομών δεδομένων</a:t>
+            </a:r>
+          </a:p>
+        </p:txBody>
+      </p:sp>
+      <p:sp>
+        <p:nvSpPr>
+          <p:cNvPr id="4" name="Θέση αριθμού διαφάνειας 3">
+            <a:extLst>
+              <a:ext uri="{FF2B5EF4-FFF2-40B4-BE49-F238E27FC236}">
+                <a16:creationId xmlns:a16="http://schemas.microsoft.com/office/drawing/2014/main" id="{C6EA0EB5-F67B-4638-AC39-AA5435EABE1D}"/>
+              </a:ext>
+            </a:extLst>
+          </p:cNvPr>
+          <p:cNvSpPr>
+            <a:spLocks noGrp="1"/>
+          </p:cNvSpPr>
+          <p:nvPr>
+            <p:ph type="sldNum" sz="quarter" idx="12"/>
+          </p:nvPr>
+        </p:nvSpPr>
+        <p:spPr/>
+        <p:txBody>
+          <a:bodyPr/>
+          <a:lstStyle/>
+          <a:p>
+            <a:fld id="{70E8846B-6BA9-4652-B6D0-30C643810B55}" type="slidenum">
+              <a:rPr lang="el-GR" smtClean="0"/>
+              <a:pPr/>
+              <a:t>29</a:t>
+            </a:fld>
+            <a:endParaRPr lang="el-GR"/>
           </a:p>
         </p:txBody>
       </p:sp>
@@ -7201,6 +8009,488 @@
 </file>
 
 <file path=ppt/slides/slide3.xml><?xml version="1.0" encoding="utf-8"?>
+<p:sld xmlns:a="http://schemas.openxmlformats.org/drawingml/2006/main" xmlns:r="http://schemas.openxmlformats.org/officeDocument/2006/relationships" xmlns:p="http://schemas.openxmlformats.org/presentationml/2006/main">
+  <p:cSld>
+    <p:spTree>
+      <p:nvGrpSpPr>
+        <p:cNvPr id="1" name=""/>
+        <p:cNvGrpSpPr/>
+        <p:nvPr/>
+      </p:nvGrpSpPr>
+      <p:grpSpPr>
+        <a:xfrm>
+          <a:off x="0" y="0"/>
+          <a:ext cx="0" cy="0"/>
+          <a:chOff x="0" y="0"/>
+          <a:chExt cx="0" cy="0"/>
+        </a:xfrm>
+      </p:grpSpPr>
+      <p:sp>
+        <p:nvSpPr>
+          <p:cNvPr id="2" name="Title 1"/>
+          <p:cNvSpPr>
+            <a:spLocks noGrp="1"/>
+          </p:cNvSpPr>
+          <p:nvPr>
+            <p:ph type="title"/>
+          </p:nvPr>
+        </p:nvSpPr>
+        <p:spPr/>
+        <p:txBody>
+          <a:bodyPr>
+            <a:normAutofit fontScale="90000"/>
+          </a:bodyPr>
+          <a:lstStyle/>
+          <a:p>
+            <a:r>
+              <a:rPr lang="el-GR" dirty="0"/>
+              <a:t>Αρχικά...</a:t>
+            </a:r>
+          </a:p>
+        </p:txBody>
+      </p:sp>
+      <p:sp>
+        <p:nvSpPr>
+          <p:cNvPr id="3" name="Text Placeholder 2"/>
+          <p:cNvSpPr>
+            <a:spLocks noGrp="1"/>
+          </p:cNvSpPr>
+          <p:nvPr>
+            <p:ph type="body" idx="1"/>
+          </p:nvPr>
+        </p:nvSpPr>
+        <p:spPr>
+          <a:xfrm>
+            <a:off x="1049500" y="1617450"/>
+            <a:ext cx="7020900" cy="2706900"/>
+          </a:xfrm>
+        </p:spPr>
+        <p:txBody>
+          <a:bodyPr/>
+          <a:lstStyle/>
+          <a:p>
+            <a:pPr>
+              <a:buFont typeface="Arial" pitchFamily="34" charset="0"/>
+              <a:buChar char="•"/>
+            </a:pPr>
+            <a:r>
+              <a:rPr lang="el-GR" dirty="0"/>
+              <a:t> Πρέπει να εγκαταστήσουμε την </a:t>
+            </a:r>
+            <a:r>
+              <a:rPr lang="en-US" dirty="0"/>
+              <a:t>python </a:t>
+            </a:r>
+            <a:r>
+              <a:rPr lang="el-GR" dirty="0"/>
+              <a:t>στον Η/Υ μας, ακολουθώντας αυτά τα δυο </a:t>
+            </a:r>
+            <a:r>
+              <a:rPr lang="en-US" dirty="0"/>
+              <a:t>links!</a:t>
+            </a:r>
+            <a:endParaRPr lang="el-GR" dirty="0"/>
+          </a:p>
+          <a:p>
+            <a:pPr>
+              <a:buFont typeface="Arial" pitchFamily="34" charset="0"/>
+              <a:buChar char="•"/>
+            </a:pPr>
+            <a:endParaRPr lang="el-GR" dirty="0"/>
+          </a:p>
+        </p:txBody>
+      </p:sp>
+      <p:sp>
+        <p:nvSpPr>
+          <p:cNvPr id="4" name="TextBox 3"/>
+          <p:cNvSpPr txBox="1"/>
+          <p:nvPr/>
+        </p:nvSpPr>
+        <p:spPr>
+          <a:xfrm>
+            <a:off x="381000" y="2800350"/>
+            <a:ext cx="8382000" cy="1569660"/>
+          </a:xfrm>
+          <a:prstGeom prst="rect">
+            <a:avLst/>
+          </a:prstGeom>
+          <a:noFill/>
+        </p:spPr>
+        <p:txBody>
+          <a:bodyPr wrap="square" rtlCol="0">
+            <a:spAutoFit/>
+          </a:bodyPr>
+          <a:lstStyle/>
+          <a:p>
+            <a:r>
+              <a:rPr lang="en-US" sz="3600" b="1" u="sng" dirty="0"/>
+              <a:t>www.python.org/downloads/</a:t>
+            </a:r>
+            <a:endParaRPr lang="el-GR" sz="3600" b="1" u="sng" dirty="0"/>
+          </a:p>
+          <a:p>
+            <a:endParaRPr lang="el-GR" sz="2400" b="1" u="sng" dirty="0"/>
+          </a:p>
+          <a:p>
+            <a:r>
+              <a:rPr lang="en-US" sz="3600" b="1" u="sng" dirty="0"/>
+              <a:t>www.jetbrains.com/pycharm/ </a:t>
+            </a:r>
+            <a:endParaRPr lang="el-GR" sz="3600" b="1" u="sng" dirty="0"/>
+          </a:p>
+        </p:txBody>
+      </p:sp>
+    </p:spTree>
+  </p:cSld>
+  <p:clrMapOvr>
+    <a:masterClrMapping/>
+  </p:clrMapOvr>
+</p:sld>
+</file>
+
+<file path=ppt/slides/slide30.xml><?xml version="1.0" encoding="utf-8"?>
+<p:sld xmlns:a="http://schemas.openxmlformats.org/drawingml/2006/main" xmlns:r="http://schemas.openxmlformats.org/officeDocument/2006/relationships" xmlns:p="http://schemas.openxmlformats.org/presentationml/2006/main">
+  <p:cSld>
+    <p:spTree>
+      <p:nvGrpSpPr>
+        <p:cNvPr id="1" name=""/>
+        <p:cNvGrpSpPr/>
+        <p:nvPr/>
+      </p:nvGrpSpPr>
+      <p:grpSpPr>
+        <a:xfrm>
+          <a:off x="0" y="0"/>
+          <a:ext cx="0" cy="0"/>
+          <a:chOff x="0" y="0"/>
+          <a:chExt cx="0" cy="0"/>
+        </a:xfrm>
+      </p:grpSpPr>
+      <p:sp>
+        <p:nvSpPr>
+          <p:cNvPr id="2" name="Title 1"/>
+          <p:cNvSpPr>
+            <a:spLocks noGrp="1"/>
+          </p:cNvSpPr>
+          <p:nvPr>
+            <p:ph type="title"/>
+          </p:nvPr>
+        </p:nvSpPr>
+        <p:spPr/>
+        <p:txBody>
+          <a:bodyPr/>
+          <a:lstStyle/>
+          <a:p>
+            <a:r>
+              <a:rPr lang="el-GR" dirty="0"/>
+              <a:t>Δομές Δεδομένων - 1</a:t>
+            </a:r>
+          </a:p>
+        </p:txBody>
+      </p:sp>
+      <p:sp>
+        <p:nvSpPr>
+          <p:cNvPr id="3" name="Content Placeholder 2"/>
+          <p:cNvSpPr>
+            <a:spLocks noGrp="1"/>
+          </p:cNvSpPr>
+          <p:nvPr>
+            <p:ph idx="1"/>
+          </p:nvPr>
+        </p:nvSpPr>
+        <p:spPr/>
+        <p:txBody>
+          <a:bodyPr/>
+          <a:lstStyle/>
+          <a:p>
+            <a:r>
+              <a:rPr lang="el-GR" dirty="0"/>
+              <a:t>Η έννοια της </a:t>
+            </a:r>
+            <a:r>
+              <a:rPr lang="el-GR" b="1" u="sng" dirty="0"/>
+              <a:t>δομής δεδομένων</a:t>
+            </a:r>
+            <a:r>
+              <a:rPr lang="el-GR" dirty="0"/>
+              <a:t> αναφέρεται στους διαφορετικούς δυνατούς τρόπους </a:t>
+            </a:r>
+            <a:r>
+              <a:rPr lang="el-GR" b="1" u="sng" dirty="0">
+                <a:solidFill>
+                  <a:srgbClr val="C00000"/>
+                </a:solidFill>
+              </a:rPr>
+              <a:t>οργάνωσης και αποθήκευσης </a:t>
+            </a:r>
+            <a:r>
+              <a:rPr lang="el-GR" dirty="0"/>
+              <a:t>δεδομένων μέσα σε έναν υπολογιστή, ώστε τα δεδομένα αυτά να μπορούν να χρησιμοποιηθούν </a:t>
+            </a:r>
+            <a:r>
+              <a:rPr lang="el-GR" b="1" u="sng" dirty="0">
+                <a:solidFill>
+                  <a:srgbClr val="C00000"/>
+                </a:solidFill>
+              </a:rPr>
+              <a:t>αποδοτικά</a:t>
+            </a:r>
+            <a:r>
+              <a:rPr lang="el-GR" dirty="0"/>
+              <a:t>.</a:t>
+            </a:r>
+          </a:p>
+        </p:txBody>
+      </p:sp>
+      <p:sp>
+        <p:nvSpPr>
+          <p:cNvPr id="4" name="Θέση αριθμού διαφάνειας 3">
+            <a:extLst>
+              <a:ext uri="{FF2B5EF4-FFF2-40B4-BE49-F238E27FC236}">
+                <a16:creationId xmlns:a16="http://schemas.microsoft.com/office/drawing/2014/main" id="{E18D09B4-C093-41E1-BFC1-859687AA8950}"/>
+              </a:ext>
+            </a:extLst>
+          </p:cNvPr>
+          <p:cNvSpPr>
+            <a:spLocks noGrp="1"/>
+          </p:cNvSpPr>
+          <p:nvPr>
+            <p:ph type="sldNum" sz="quarter" idx="12"/>
+          </p:nvPr>
+        </p:nvSpPr>
+        <p:spPr/>
+        <p:txBody>
+          <a:bodyPr/>
+          <a:lstStyle/>
+          <a:p>
+            <a:fld id="{70E8846B-6BA9-4652-B6D0-30C643810B55}" type="slidenum">
+              <a:rPr lang="el-GR" smtClean="0"/>
+              <a:pPr/>
+              <a:t>30</a:t>
+            </a:fld>
+            <a:endParaRPr lang="el-GR"/>
+          </a:p>
+        </p:txBody>
+      </p:sp>
+    </p:spTree>
+  </p:cSld>
+  <p:clrMapOvr>
+    <a:masterClrMapping/>
+  </p:clrMapOvr>
+</p:sld>
+</file>
+
+<file path=ppt/slides/slide31.xml><?xml version="1.0" encoding="utf-8"?>
+<p:sld xmlns:a="http://schemas.openxmlformats.org/drawingml/2006/main" xmlns:r="http://schemas.openxmlformats.org/officeDocument/2006/relationships" xmlns:p="http://schemas.openxmlformats.org/presentationml/2006/main">
+  <p:cSld>
+    <p:spTree>
+      <p:nvGrpSpPr>
+        <p:cNvPr id="1" name=""/>
+        <p:cNvGrpSpPr/>
+        <p:nvPr/>
+      </p:nvGrpSpPr>
+      <p:grpSpPr>
+        <a:xfrm>
+          <a:off x="0" y="0"/>
+          <a:ext cx="0" cy="0"/>
+          <a:chOff x="0" y="0"/>
+          <a:chExt cx="0" cy="0"/>
+        </a:xfrm>
+      </p:grpSpPr>
+      <p:sp>
+        <p:nvSpPr>
+          <p:cNvPr id="2" name="Title 1"/>
+          <p:cNvSpPr>
+            <a:spLocks noGrp="1"/>
+          </p:cNvSpPr>
+          <p:nvPr>
+            <p:ph type="title"/>
+          </p:nvPr>
+        </p:nvSpPr>
+        <p:spPr/>
+        <p:txBody>
+          <a:bodyPr>
+            <a:noAutofit/>
+          </a:bodyPr>
+          <a:lstStyle/>
+          <a:p>
+            <a:r>
+              <a:rPr lang="el-GR" sz="4000" dirty="0"/>
+              <a:t>Θεμελιώδης αρχή των προγραμμάτων</a:t>
+            </a:r>
+          </a:p>
+        </p:txBody>
+      </p:sp>
+      <p:sp>
+        <p:nvSpPr>
+          <p:cNvPr id="3" name="Content Placeholder 2"/>
+          <p:cNvSpPr>
+            <a:spLocks noGrp="1"/>
+          </p:cNvSpPr>
+          <p:nvPr>
+            <p:ph idx="1"/>
+          </p:nvPr>
+        </p:nvSpPr>
+        <p:spPr>
+          <a:xfrm>
+            <a:off x="228600" y="1200151"/>
+            <a:ext cx="8686800" cy="3394472"/>
+          </a:xfrm>
+        </p:spPr>
+        <p:txBody>
+          <a:bodyPr anchor="ctr"/>
+          <a:lstStyle/>
+          <a:p>
+            <a:pPr algn="ctr">
+              <a:buNone/>
+            </a:pPr>
+            <a:r>
+              <a:rPr lang="el-GR" b="1" i="1" u="sng" dirty="0"/>
+              <a:t>Αλγόριθμοι + Δομές Δεδομένων = Προγράμματα</a:t>
+            </a:r>
+            <a:endParaRPr lang="el-GR" i="1" u="sng" dirty="0"/>
+          </a:p>
+          <a:p>
+            <a:pPr algn="ctr">
+              <a:buNone/>
+            </a:pPr>
+            <a:endParaRPr lang="el-GR" i="1" u="sng" dirty="0"/>
+          </a:p>
+        </p:txBody>
+      </p:sp>
+      <p:sp>
+        <p:nvSpPr>
+          <p:cNvPr id="4" name="Θέση αριθμού διαφάνειας 3">
+            <a:extLst>
+              <a:ext uri="{FF2B5EF4-FFF2-40B4-BE49-F238E27FC236}">
+                <a16:creationId xmlns:a16="http://schemas.microsoft.com/office/drawing/2014/main" id="{16D11352-54F2-4950-9CC7-27BFB9D4E49B}"/>
+              </a:ext>
+            </a:extLst>
+          </p:cNvPr>
+          <p:cNvSpPr>
+            <a:spLocks noGrp="1"/>
+          </p:cNvSpPr>
+          <p:nvPr>
+            <p:ph type="sldNum" sz="quarter" idx="12"/>
+          </p:nvPr>
+        </p:nvSpPr>
+        <p:spPr/>
+        <p:txBody>
+          <a:bodyPr/>
+          <a:lstStyle/>
+          <a:p>
+            <a:fld id="{70E8846B-6BA9-4652-B6D0-30C643810B55}" type="slidenum">
+              <a:rPr lang="el-GR" smtClean="0"/>
+              <a:pPr/>
+              <a:t>31</a:t>
+            </a:fld>
+            <a:endParaRPr lang="el-GR"/>
+          </a:p>
+        </p:txBody>
+      </p:sp>
+    </p:spTree>
+  </p:cSld>
+  <p:clrMapOvr>
+    <a:masterClrMapping/>
+  </p:clrMapOvr>
+</p:sld>
+</file>
+
+<file path=ppt/slides/slide32.xml><?xml version="1.0" encoding="utf-8"?>
+<p:sld xmlns:a="http://schemas.openxmlformats.org/drawingml/2006/main" xmlns:r="http://schemas.openxmlformats.org/officeDocument/2006/relationships" xmlns:p="http://schemas.openxmlformats.org/presentationml/2006/main">
+  <p:cSld>
+    <p:spTree>
+      <p:nvGrpSpPr>
+        <p:cNvPr id="1" name=""/>
+        <p:cNvGrpSpPr/>
+        <p:nvPr/>
+      </p:nvGrpSpPr>
+      <p:grpSpPr>
+        <a:xfrm>
+          <a:off x="0" y="0"/>
+          <a:ext cx="0" cy="0"/>
+          <a:chOff x="0" y="0"/>
+          <a:chExt cx="0" cy="0"/>
+        </a:xfrm>
+      </p:grpSpPr>
+      <p:sp>
+        <p:nvSpPr>
+          <p:cNvPr id="3" name="Content Placeholder 2"/>
+          <p:cNvSpPr>
+            <a:spLocks noGrp="1"/>
+          </p:cNvSpPr>
+          <p:nvPr>
+            <p:ph idx="1"/>
+          </p:nvPr>
+        </p:nvSpPr>
+        <p:spPr>
+          <a:xfrm>
+            <a:off x="457200" y="1234678"/>
+            <a:ext cx="8229600" cy="2556273"/>
+          </a:xfrm>
+        </p:spPr>
+        <p:txBody>
+          <a:bodyPr anchor="ctr">
+            <a:normAutofit/>
+          </a:bodyPr>
+          <a:lstStyle/>
+          <a:p>
+            <a:pPr algn="ctr">
+              <a:buNone/>
+            </a:pPr>
+            <a:r>
+              <a:rPr lang="el-GR" sz="4000" dirty="0"/>
+              <a:t>Τέλος...μέσω της </a:t>
+            </a:r>
+            <a:r>
+              <a:rPr lang="en-US" sz="4000" dirty="0"/>
+              <a:t>Python </a:t>
+            </a:r>
+            <a:r>
+              <a:rPr lang="el-GR" sz="4000" dirty="0"/>
+              <a:t>θα δείτε την πρακτική εφαρμογή της θεωρίας...</a:t>
+            </a:r>
+          </a:p>
+        </p:txBody>
+      </p:sp>
+      <p:sp>
+        <p:nvSpPr>
+          <p:cNvPr id="2" name="Θέση αριθμού διαφάνειας 1">
+            <a:extLst>
+              <a:ext uri="{FF2B5EF4-FFF2-40B4-BE49-F238E27FC236}">
+                <a16:creationId xmlns:a16="http://schemas.microsoft.com/office/drawing/2014/main" id="{0A66641E-6AAB-408F-B828-7EBAD75E16B0}"/>
+              </a:ext>
+            </a:extLst>
+          </p:cNvPr>
+          <p:cNvSpPr>
+            <a:spLocks noGrp="1"/>
+          </p:cNvSpPr>
+          <p:nvPr>
+            <p:ph type="sldNum" sz="quarter" idx="12"/>
+          </p:nvPr>
+        </p:nvSpPr>
+        <p:spPr/>
+        <p:txBody>
+          <a:bodyPr/>
+          <a:lstStyle/>
+          <a:p>
+            <a:fld id="{70E8846B-6BA9-4652-B6D0-30C643810B55}" type="slidenum">
+              <a:rPr lang="el-GR" smtClean="0"/>
+              <a:pPr/>
+              <a:t>32</a:t>
+            </a:fld>
+            <a:endParaRPr lang="el-GR"/>
+          </a:p>
+        </p:txBody>
+      </p:sp>
+    </p:spTree>
+  </p:cSld>
+  <p:clrMapOvr>
+    <a:masterClrMapping/>
+  </p:clrMapOvr>
+</p:sld>
+</file>
+
+<file path=ppt/slides/slide4.xml><?xml version="1.0" encoding="utf-8"?>
 <p:sld xmlns:a="http://schemas.openxmlformats.org/drawingml/2006/main" xmlns:r="http://schemas.openxmlformats.org/officeDocument/2006/relationships" xmlns:p="http://schemas.openxmlformats.org/presentationml/2006/main">
   <p:cSld>
     <p:spTree>
@@ -7300,19 +8590,19 @@
           <a:lstStyle/>
           <a:p>
             <a:r>
-              <a:rPr lang="el-GR" dirty="0" smtClean="0"/>
+              <a:rPr lang="el-GR" dirty="0"/>
               <a:t>Εγκαθιστώντας την </a:t>
             </a:r>
             <a:r>
-              <a:rPr lang="en-US" dirty="0" smtClean="0"/>
+              <a:rPr lang="en-US" dirty="0"/>
               <a:t>Python -</a:t>
             </a:r>
             <a:r>
-              <a:rPr lang="el-GR" dirty="0" smtClean="0"/>
+              <a:rPr lang="el-GR" dirty="0"/>
               <a:t> </a:t>
             </a:r>
             <a:r>
-              <a:rPr lang="en-US" dirty="0" smtClean="0"/>
+              <a:rPr lang="en-US" dirty="0"/>
               <a:t>1</a:t>
             </a:r>
             <a:endParaRPr lang="el-GR" dirty="0"/>
@@ -7324,17 +8614,10 @@
   <p:clrMapOvr>
     <a:masterClrMapping/>
   </p:clrMapOvr>
-  <p:timing>
-    <p:tnLst>
-      <p:par>
-        <p:cTn id="1" dur="indefinite" restart="never" nodeType="tmRoot"/>
-      </p:par>
-    </p:tnLst>
-  </p:timing>
 </p:sld>
 </file>
 
-<file path=ppt/slides/slide30.xml><?xml version="1.0" encoding="utf-8"?>
+<file path=ppt/slides/slide5.xml><?xml version="1.0" encoding="utf-8"?>
 <p:sld xmlns:a="http://schemas.openxmlformats.org/drawingml/2006/main" xmlns:r="http://schemas.openxmlformats.org/officeDocument/2006/relationships" xmlns:p="http://schemas.openxmlformats.org/presentationml/2006/main">
   <p:cSld>
     <p:spTree>
@@ -7364,209 +8647,33 @@
         <p:spPr/>
         <p:txBody>
           <a:bodyPr>
-            <a:noAutofit/>
-          </a:bodyPr>
-          <a:lstStyle/>
-          <a:p>
-            <a:r>
-              <a:rPr lang="el-GR" sz="4000" dirty="0" smtClean="0"/>
-              <a:t>Θεμελιώδης αρχή των προγραμμάτων</a:t>
-            </a:r>
-            <a:endParaRPr lang="el-GR" sz="4000" dirty="0"/>
-          </a:p>
-        </p:txBody>
-      </p:sp>
-      <p:sp>
-        <p:nvSpPr>
-          <p:cNvPr id="3" name="Content Placeholder 2"/>
-          <p:cNvSpPr>
-            <a:spLocks noGrp="1"/>
-          </p:cNvSpPr>
-          <p:nvPr>
-            <p:ph idx="1"/>
-          </p:nvPr>
-        </p:nvSpPr>
-        <p:spPr>
-          <a:xfrm>
-            <a:off x="228600" y="1200151"/>
-            <a:ext cx="8686800" cy="3394472"/>
-          </a:xfrm>
-        </p:spPr>
-        <p:txBody>
-          <a:bodyPr anchor="ctr"/>
-          <a:lstStyle/>
-          <a:p>
-            <a:pPr algn="ctr">
-              <a:buNone/>
-            </a:pPr>
-            <a:r>
-              <a:rPr lang="el-GR" b="1" i="1" u="sng" dirty="0" smtClean="0"/>
-              <a:t>Αλγόριθμοι + Δομές Δεδομένων = Προγράμματα</a:t>
-            </a:r>
-            <a:endParaRPr lang="el-GR" i="1" u="sng" dirty="0" smtClean="0"/>
-          </a:p>
-          <a:p>
-            <a:pPr algn="ctr">
-              <a:buNone/>
-            </a:pPr>
-            <a:endParaRPr lang="el-GR" i="1" u="sng" dirty="0"/>
-          </a:p>
-        </p:txBody>
-      </p:sp>
-    </p:spTree>
-  </p:cSld>
-  <p:clrMapOvr>
-    <a:masterClrMapping/>
-  </p:clrMapOvr>
-</p:sld>
-</file>
-
-<file path=ppt/slides/slide31.xml><?xml version="1.0" encoding="utf-8"?>
-<p:sld xmlns:a="http://schemas.openxmlformats.org/drawingml/2006/main" xmlns:r="http://schemas.openxmlformats.org/officeDocument/2006/relationships" xmlns:p="http://schemas.openxmlformats.org/presentationml/2006/main">
-  <p:cSld>
-    <p:spTree>
-      <p:nvGrpSpPr>
-        <p:cNvPr id="1" name=""/>
-        <p:cNvGrpSpPr/>
-        <p:nvPr/>
-      </p:nvGrpSpPr>
-      <p:grpSpPr>
-        <a:xfrm>
-          <a:off x="0" y="0"/>
-          <a:ext cx="0" cy="0"/>
-          <a:chOff x="0" y="0"/>
-          <a:chExt cx="0" cy="0"/>
-        </a:xfrm>
-      </p:grpSpPr>
-      <p:sp>
-        <p:nvSpPr>
-          <p:cNvPr id="3" name="Content Placeholder 2"/>
-          <p:cNvSpPr>
-            <a:spLocks noGrp="1"/>
-          </p:cNvSpPr>
-          <p:nvPr>
-            <p:ph idx="1"/>
-          </p:nvPr>
-        </p:nvSpPr>
-        <p:spPr>
-          <a:xfrm>
-            <a:off x="457200" y="1234678"/>
-            <a:ext cx="8229600" cy="2556273"/>
-          </a:xfrm>
-        </p:spPr>
-        <p:txBody>
-          <a:bodyPr anchor="ctr">
             <a:normAutofit/>
           </a:bodyPr>
           <a:lstStyle/>
           <a:p>
-            <a:pPr algn="ctr">
-              <a:buNone/>
-            </a:pPr>
-            <a:r>
-              <a:rPr lang="el-GR" sz="4000" dirty="0" smtClean="0"/>
-              <a:t>Τέλος...μέσω της </a:t>
-            </a:r>
-            <a:r>
-              <a:rPr lang="en-US" sz="4000" dirty="0" smtClean="0"/>
-              <a:t>Python </a:t>
-            </a:r>
-            <a:r>
-              <a:rPr lang="el-GR" sz="4000" dirty="0" smtClean="0"/>
-              <a:t>θα δείτε την πρακτική εφαρμογή της θεωρίας...</a:t>
-            </a:r>
-            <a:endParaRPr lang="el-GR" sz="4000" dirty="0"/>
-          </a:p>
-        </p:txBody>
-      </p:sp>
-    </p:spTree>
-  </p:cSld>
-  <p:clrMapOvr>
-    <a:masterClrMapping/>
-  </p:clrMapOvr>
-</p:sld>
-</file>
-
-<file path=ppt/slides/slide32.xml><?xml version="1.0" encoding="utf-8"?>
-<p:sld xmlns:a="http://schemas.openxmlformats.org/drawingml/2006/main" xmlns:r="http://schemas.openxmlformats.org/officeDocument/2006/relationships" xmlns:p="http://schemas.openxmlformats.org/presentationml/2006/main">
-  <p:cSld>
-    <p:spTree>
-      <p:nvGrpSpPr>
-        <p:cNvPr id="1" name=""/>
-        <p:cNvGrpSpPr/>
-        <p:nvPr/>
-      </p:nvGrpSpPr>
-      <p:grpSpPr>
-        <a:xfrm>
-          <a:off x="0" y="0"/>
-          <a:ext cx="0" cy="0"/>
-          <a:chOff x="0" y="0"/>
-          <a:chExt cx="0" cy="0"/>
-        </a:xfrm>
-      </p:grpSpPr>
-      <p:sp>
-        <p:nvSpPr>
-          <p:cNvPr id="4" name="Title 3"/>
-          <p:cNvSpPr>
-            <a:spLocks noGrp="1"/>
-          </p:cNvSpPr>
-          <p:nvPr>
-            <p:ph type="title"/>
-          </p:nvPr>
-        </p:nvSpPr>
-        <p:spPr>
-          <a:xfrm>
-            <a:off x="457200" y="2143125"/>
-            <a:ext cx="8229600" cy="857250"/>
-          </a:xfrm>
-        </p:spPr>
-        <p:txBody>
-          <a:bodyPr>
-            <a:noAutofit/>
-          </a:bodyPr>
-          <a:lstStyle/>
-          <a:p>
-            <a:r>
-              <a:rPr lang="el-GR" sz="6000" b="1" i="1" dirty="0" smtClean="0"/>
-              <a:t>Καλή Συνέχεια!</a:t>
-            </a:r>
-            <a:endParaRPr lang="el-GR" sz="6000" b="1" i="1" dirty="0"/>
-          </a:p>
-        </p:txBody>
-      </p:sp>
-    </p:spTree>
-  </p:cSld>
-  <p:clrMapOvr>
-    <a:masterClrMapping/>
-  </p:clrMapOvr>
-</p:sld>
-</file>
-
-<file path=ppt/slides/slide4.xml><?xml version="1.0" encoding="utf-8"?>
-<p:sld xmlns:a="http://schemas.openxmlformats.org/drawingml/2006/main" xmlns:r="http://schemas.openxmlformats.org/officeDocument/2006/relationships" xmlns:p="http://schemas.openxmlformats.org/presentationml/2006/main">
-  <p:cSld>
-    <p:spTree>
-      <p:nvGrpSpPr>
-        <p:cNvPr id="1" name=""/>
-        <p:cNvGrpSpPr/>
-        <p:nvPr/>
-      </p:nvGrpSpPr>
-      <p:grpSpPr>
-        <a:xfrm>
-          <a:off x="0" y="0"/>
-          <a:ext cx="0" cy="0"/>
-          <a:chOff x="0" y="0"/>
-          <a:chExt cx="0" cy="0"/>
-        </a:xfrm>
-      </p:grpSpPr>
-      <p:sp>
-        <p:nvSpPr>
-          <p:cNvPr id="2" name="Title 1"/>
-          <p:cNvSpPr>
-            <a:spLocks noGrp="1"/>
-          </p:cNvSpPr>
-          <p:nvPr>
-            <p:ph type="title"/>
+            <a:r>
+              <a:rPr lang="el-GR" dirty="0"/>
+              <a:t>Εγκαθιστώντας την </a:t>
+            </a:r>
+            <a:r>
+              <a:rPr lang="en-US" dirty="0"/>
+              <a:t>Python -</a:t>
+            </a:r>
+            <a:r>
+              <a:rPr lang="el-GR" dirty="0"/>
+              <a:t> 2 </a:t>
+            </a:r>
+          </a:p>
+        </p:txBody>
+      </p:sp>
+      <p:sp>
+        <p:nvSpPr>
+          <p:cNvPr id="17" name="Content Placeholder 16"/>
+          <p:cNvSpPr>
+            <a:spLocks noGrp="1"/>
+          </p:cNvSpPr>
+          <p:nvPr>
+            <p:ph sz="half" idx="1"/>
           </p:nvPr>
         </p:nvSpPr>
         <p:spPr/>
@@ -7577,52 +8684,19 @@
           <a:lstStyle/>
           <a:p>
             <a:r>
-              <a:rPr lang="el-GR" dirty="0" smtClean="0"/>
-              <a:t>Εγκαθιστώντας την </a:t>
-            </a:r>
-            <a:r>
-              <a:rPr lang="en-US" dirty="0" smtClean="0"/>
-              <a:t>Python -</a:t>
-            </a:r>
-            <a:r>
-              <a:rPr lang="el-GR" dirty="0" smtClean="0"/>
-              <a:t> 2 </a:t>
-            </a:r>
-            <a:endParaRPr lang="el-GR" dirty="0"/>
-          </a:p>
-        </p:txBody>
-      </p:sp>
-      <p:sp>
-        <p:nvSpPr>
-          <p:cNvPr id="17" name="Content Placeholder 16"/>
-          <p:cNvSpPr>
-            <a:spLocks noGrp="1"/>
-          </p:cNvSpPr>
-          <p:nvPr>
-            <p:ph sz="half" idx="1"/>
-          </p:nvPr>
-        </p:nvSpPr>
-        <p:spPr/>
-        <p:txBody>
-          <a:bodyPr>
-            <a:normAutofit/>
-          </a:bodyPr>
-          <a:lstStyle/>
-          <a:p>
-            <a:r>
-              <a:rPr lang="el-GR" dirty="0" smtClean="0"/>
+              <a:rPr lang="el-GR" dirty="0"/>
               <a:t>Εφόσον κατέβει το </a:t>
             </a:r>
             <a:r>
-              <a:rPr lang="en-US" dirty="0" smtClean="0"/>
+              <a:rPr lang="en-US" dirty="0"/>
               <a:t>.exe</a:t>
             </a:r>
             <a:r>
-              <a:rPr lang="el-GR" dirty="0" smtClean="0"/>
+              <a:rPr lang="el-GR" dirty="0"/>
               <a:t> αρχείο, πατάμε διπλό κλίκ πάνω του και περιμένουμε να εμφανιστεί το παράθυρο δίπλα!</a:t>
             </a:r>
             <a:r>
-              <a:rPr lang="en-US" dirty="0" smtClean="0"/>
+              <a:rPr lang="en-US" dirty="0"/>
               <a:t> </a:t>
             </a:r>
             <a:endParaRPr lang="el-GR" dirty="0"/>
@@ -7653,141 +8727,41 @@
           </a:prstGeom>
         </p:spPr>
       </p:pic>
+      <p:sp>
+        <p:nvSpPr>
+          <p:cNvPr id="3" name="Θέση αριθμού διαφάνειας 2">
+            <a:extLst>
+              <a:ext uri="{FF2B5EF4-FFF2-40B4-BE49-F238E27FC236}">
+                <a16:creationId xmlns:a16="http://schemas.microsoft.com/office/drawing/2014/main" id="{32CE1D67-AE50-4519-9E03-345F3CA51BAC}"/>
+              </a:ext>
+            </a:extLst>
+          </p:cNvPr>
+          <p:cNvSpPr>
+            <a:spLocks noGrp="1"/>
+          </p:cNvSpPr>
+          <p:nvPr>
+            <p:ph type="sldNum" sz="quarter" idx="12"/>
+          </p:nvPr>
+        </p:nvSpPr>
+        <p:spPr/>
+        <p:txBody>
+          <a:bodyPr/>
+          <a:lstStyle/>
+          <a:p>
+            <a:fld id="{70E8846B-6BA9-4652-B6D0-30C643810B55}" type="slidenum">
+              <a:rPr lang="el-GR" smtClean="0"/>
+              <a:pPr/>
+              <a:t>5</a:t>
+            </a:fld>
+            <a:endParaRPr lang="el-GR"/>
+          </a:p>
+        </p:txBody>
+      </p:sp>
     </p:spTree>
   </p:cSld>
   <p:clrMapOvr>
     <a:masterClrMapping/>
   </p:clrMapOvr>
-  <p:timing>
-    <p:tnLst>
-      <p:par>
-        <p:cTn id="1" dur="indefinite" restart="never" nodeType="tmRoot"/>
-      </p:par>
-    </p:tnLst>
-  </p:timing>
-</p:sld>
-</file>
-
-<file path=ppt/slides/slide5.xml><?xml version="1.0" encoding="utf-8"?>
-<p:sld xmlns:a="http://schemas.openxmlformats.org/drawingml/2006/main" xmlns:r="http://schemas.openxmlformats.org/officeDocument/2006/relationships" xmlns:p="http://schemas.openxmlformats.org/presentationml/2006/main">
-  <p:cSld>
-    <p:spTree>
-      <p:nvGrpSpPr>
-        <p:cNvPr id="1" name=""/>
-        <p:cNvGrpSpPr/>
-        <p:nvPr/>
-      </p:nvGrpSpPr>
-      <p:grpSpPr>
-        <a:xfrm>
-          <a:off x="0" y="0"/>
-          <a:ext cx="0" cy="0"/>
-          <a:chOff x="0" y="0"/>
-          <a:chExt cx="0" cy="0"/>
-        </a:xfrm>
-      </p:grpSpPr>
-      <p:sp>
-        <p:nvSpPr>
-          <p:cNvPr id="2" name="Title 1"/>
-          <p:cNvSpPr>
-            <a:spLocks noGrp="1"/>
-          </p:cNvSpPr>
-          <p:nvPr>
-            <p:ph type="title"/>
-          </p:nvPr>
-        </p:nvSpPr>
-        <p:spPr>
-          <a:xfrm>
-            <a:off x="571500" y="205979"/>
-            <a:ext cx="8229600" cy="857250"/>
-          </a:xfrm>
-        </p:spPr>
-        <p:txBody>
-          <a:bodyPr/>
-          <a:lstStyle/>
-          <a:p>
-            <a:r>
-              <a:rPr lang="el-GR" dirty="0" smtClean="0"/>
-              <a:t>Εγκαθιστώντας την </a:t>
-            </a:r>
-            <a:r>
-              <a:rPr lang="en-US" dirty="0" smtClean="0"/>
-              <a:t>Python - </a:t>
-            </a:r>
-            <a:r>
-              <a:rPr lang="el-GR" dirty="0" smtClean="0"/>
-              <a:t>3</a:t>
-            </a:r>
-            <a:endParaRPr lang="el-GR" dirty="0"/>
-          </a:p>
-        </p:txBody>
-      </p:sp>
-      <p:sp>
-        <p:nvSpPr>
-          <p:cNvPr id="3" name="Content Placeholder 2"/>
-          <p:cNvSpPr>
-            <a:spLocks noGrp="1"/>
-          </p:cNvSpPr>
-          <p:nvPr>
-            <p:ph sz="half" idx="1"/>
-          </p:nvPr>
-        </p:nvSpPr>
-        <p:spPr>
-          <a:xfrm>
-            <a:off x="228600" y="1200151"/>
-            <a:ext cx="8915400" cy="3394472"/>
-          </a:xfrm>
-        </p:spPr>
-        <p:txBody>
-          <a:bodyPr/>
-          <a:lstStyle/>
-          <a:p>
-            <a:r>
-              <a:rPr lang="el-GR" dirty="0" smtClean="0"/>
-              <a:t>Τσεκάρουμε τα δύο κουτάκια και πατάμε το </a:t>
-            </a:r>
-            <a:r>
-              <a:rPr lang="en-US" dirty="0" smtClean="0"/>
-              <a:t>“Install Now”</a:t>
-            </a:r>
-            <a:endParaRPr lang="el-GR" dirty="0"/>
-          </a:p>
-        </p:txBody>
-      </p:sp>
-      <p:pic>
-        <p:nvPicPr>
-          <p:cNvPr id="9" name="Content Placeholder 8" descr="pythonsetup.jpg"/>
-          <p:cNvPicPr>
-            <a:picLocks noGrp="1" noChangeAspect="1"/>
-          </p:cNvPicPr>
-          <p:nvPr>
-            <p:ph sz="half" idx="2"/>
-          </p:nvPr>
-        </p:nvPicPr>
-        <p:blipFill>
-          <a:blip r:embed="rId2" cstate="print"/>
-          <a:stretch>
-            <a:fillRect/>
-          </a:stretch>
-        </p:blipFill>
-        <p:spPr>
-          <a:xfrm>
-            <a:off x="2057400" y="1733551"/>
-            <a:ext cx="5257800" cy="3233156"/>
-          </a:xfrm>
-        </p:spPr>
-      </p:pic>
-    </p:spTree>
-  </p:cSld>
-  <p:clrMapOvr>
-    <a:masterClrMapping/>
-  </p:clrMapOvr>
-  <p:timing>
-    <p:tnLst>
-      <p:par>
-        <p:cTn id="1" dur="indefinite" restart="never" nodeType="tmRoot"/>
-      </p:par>
-    </p:tnLst>
-  </p:timing>
 </p:sld>
 </file>
 
@@ -7829,18 +8803,17 @@
           <a:lstStyle/>
           <a:p>
             <a:r>
-              <a:rPr lang="el-GR" dirty="0" smtClean="0"/>
+              <a:rPr lang="el-GR" dirty="0"/>
               <a:t>Εγκαθιστώντας την </a:t>
             </a:r>
             <a:r>
-              <a:rPr lang="en-US" dirty="0" smtClean="0"/>
+              <a:rPr lang="en-US" dirty="0"/>
               <a:t>Python - </a:t>
             </a:r>
             <a:r>
-              <a:rPr lang="el-GR" dirty="0" smtClean="0"/>
-              <a:t>4</a:t>
-            </a:r>
-            <a:endParaRPr lang="el-GR" dirty="0"/>
+              <a:rPr lang="el-GR" dirty="0"/>
+              <a:t>3</a:t>
+            </a:r>
           </a:p>
         </p:txBody>
       </p:sp>
@@ -7865,16 +8838,12 @@
           <a:lstStyle/>
           <a:p>
             <a:r>
-              <a:rPr lang="el-GR" dirty="0" smtClean="0"/>
-              <a:t>Πατάμε το </a:t>
-            </a:r>
-            <a:r>
-              <a:rPr lang="en-US" dirty="0" smtClean="0"/>
-              <a:t>yes button</a:t>
-            </a:r>
-            <a:r>
-              <a:rPr lang="el-GR" dirty="0" smtClean="0"/>
-              <a:t> για να προχωρήσει η εγκατάσταση</a:t>
+              <a:rPr lang="el-GR" dirty="0"/>
+              <a:t>Τσεκάρουμε τα δύο κουτάκια και πατάμε το </a:t>
+            </a:r>
+            <a:r>
+              <a:rPr lang="en-US" dirty="0"/>
+              <a:t>“Install Now”</a:t>
             </a:r>
             <a:endParaRPr lang="el-GR" dirty="0"/>
           </a:p>
@@ -7882,7 +8851,7 @@
       </p:sp>
       <p:pic>
         <p:nvPicPr>
-          <p:cNvPr id="6" name="Content Placeholder 5" descr="useraccountcontrol.jpg"/>
+          <p:cNvPr id="9" name="Content Placeholder 8" descr="pythonsetup.jpg"/>
           <p:cNvPicPr>
             <a:picLocks noGrp="1" noChangeAspect="1"/>
           </p:cNvPicPr>
@@ -7898,23 +8867,46 @@
         </p:blipFill>
         <p:spPr>
           <a:xfrm>
-            <a:off x="1524000" y="1733551"/>
-            <a:ext cx="6324600" cy="3203909"/>
+            <a:off x="2057400" y="1733551"/>
+            <a:ext cx="5257800" cy="3233156"/>
           </a:xfrm>
         </p:spPr>
       </p:pic>
+      <p:sp>
+        <p:nvSpPr>
+          <p:cNvPr id="4" name="Θέση αριθμού διαφάνειας 3">
+            <a:extLst>
+              <a:ext uri="{FF2B5EF4-FFF2-40B4-BE49-F238E27FC236}">
+                <a16:creationId xmlns:a16="http://schemas.microsoft.com/office/drawing/2014/main" id="{D71441BC-8D7F-4166-8ACE-526BBE1584D3}"/>
+              </a:ext>
+            </a:extLst>
+          </p:cNvPr>
+          <p:cNvSpPr>
+            <a:spLocks noGrp="1"/>
+          </p:cNvSpPr>
+          <p:nvPr>
+            <p:ph type="sldNum" sz="quarter" idx="12"/>
+          </p:nvPr>
+        </p:nvSpPr>
+        <p:spPr/>
+        <p:txBody>
+          <a:bodyPr/>
+          <a:lstStyle/>
+          <a:p>
+            <a:fld id="{70E8846B-6BA9-4652-B6D0-30C643810B55}" type="slidenum">
+              <a:rPr lang="el-GR" smtClean="0"/>
+              <a:pPr/>
+              <a:t>6</a:t>
+            </a:fld>
+            <a:endParaRPr lang="el-GR"/>
+          </a:p>
+        </p:txBody>
+      </p:sp>
     </p:spTree>
   </p:cSld>
   <p:clrMapOvr>
     <a:masterClrMapping/>
   </p:clrMapOvr>
-  <p:timing>
-    <p:tnLst>
-      <p:par>
-        <p:cTn id="1" dur="indefinite" restart="never" nodeType="tmRoot"/>
-      </p:par>
-    </p:tnLst>
-  </p:timing>
 </p:sld>
 </file>
 
@@ -7945,6 +8937,154 @@
             <p:ph type="title"/>
           </p:nvPr>
         </p:nvSpPr>
+        <p:spPr>
+          <a:xfrm>
+            <a:off x="571500" y="205979"/>
+            <a:ext cx="8229600" cy="857250"/>
+          </a:xfrm>
+        </p:spPr>
+        <p:txBody>
+          <a:bodyPr/>
+          <a:lstStyle/>
+          <a:p>
+            <a:r>
+              <a:rPr lang="el-GR" dirty="0"/>
+              <a:t>Εγκαθιστώντας την </a:t>
+            </a:r>
+            <a:r>
+              <a:rPr lang="en-US" dirty="0"/>
+              <a:t>Python - </a:t>
+            </a:r>
+            <a:r>
+              <a:rPr lang="el-GR" dirty="0"/>
+              <a:t>4</a:t>
+            </a:r>
+          </a:p>
+        </p:txBody>
+      </p:sp>
+      <p:sp>
+        <p:nvSpPr>
+          <p:cNvPr id="3" name="Content Placeholder 2"/>
+          <p:cNvSpPr>
+            <a:spLocks noGrp="1"/>
+          </p:cNvSpPr>
+          <p:nvPr>
+            <p:ph sz="half" idx="1"/>
+          </p:nvPr>
+        </p:nvSpPr>
+        <p:spPr>
+          <a:xfrm>
+            <a:off x="228600" y="1200151"/>
+            <a:ext cx="8915400" cy="3394472"/>
+          </a:xfrm>
+        </p:spPr>
+        <p:txBody>
+          <a:bodyPr/>
+          <a:lstStyle/>
+          <a:p>
+            <a:r>
+              <a:rPr lang="el-GR" dirty="0"/>
+              <a:t>Πατάμε το </a:t>
+            </a:r>
+            <a:r>
+              <a:rPr lang="en-US" dirty="0"/>
+              <a:t>yes button</a:t>
+            </a:r>
+            <a:r>
+              <a:rPr lang="el-GR" dirty="0"/>
+              <a:t> για να προχωρήσει η εγκατάσταση</a:t>
+            </a:r>
+          </a:p>
+        </p:txBody>
+      </p:sp>
+      <p:pic>
+        <p:nvPicPr>
+          <p:cNvPr id="6" name="Content Placeholder 5" descr="useraccountcontrol.jpg"/>
+          <p:cNvPicPr>
+            <a:picLocks noGrp="1" noChangeAspect="1"/>
+          </p:cNvPicPr>
+          <p:nvPr>
+            <p:ph sz="half" idx="2"/>
+          </p:nvPr>
+        </p:nvPicPr>
+        <p:blipFill>
+          <a:blip r:embed="rId2" cstate="print"/>
+          <a:stretch>
+            <a:fillRect/>
+          </a:stretch>
+        </p:blipFill>
+        <p:spPr>
+          <a:xfrm>
+            <a:off x="1524000" y="1733551"/>
+            <a:ext cx="6324600" cy="3203909"/>
+          </a:xfrm>
+        </p:spPr>
+      </p:pic>
+      <p:sp>
+        <p:nvSpPr>
+          <p:cNvPr id="4" name="Θέση αριθμού διαφάνειας 3">
+            <a:extLst>
+              <a:ext uri="{FF2B5EF4-FFF2-40B4-BE49-F238E27FC236}">
+                <a16:creationId xmlns:a16="http://schemas.microsoft.com/office/drawing/2014/main" id="{16415DAB-50AC-42C6-8559-277E79256689}"/>
+              </a:ext>
+            </a:extLst>
+          </p:cNvPr>
+          <p:cNvSpPr>
+            <a:spLocks noGrp="1"/>
+          </p:cNvSpPr>
+          <p:nvPr>
+            <p:ph type="sldNum" sz="quarter" idx="12"/>
+          </p:nvPr>
+        </p:nvSpPr>
+        <p:spPr/>
+        <p:txBody>
+          <a:bodyPr/>
+          <a:lstStyle/>
+          <a:p>
+            <a:fld id="{70E8846B-6BA9-4652-B6D0-30C643810B55}" type="slidenum">
+              <a:rPr lang="el-GR" smtClean="0"/>
+              <a:pPr/>
+              <a:t>7</a:t>
+            </a:fld>
+            <a:endParaRPr lang="el-GR"/>
+          </a:p>
+        </p:txBody>
+      </p:sp>
+    </p:spTree>
+  </p:cSld>
+  <p:clrMapOvr>
+    <a:masterClrMapping/>
+  </p:clrMapOvr>
+</p:sld>
+</file>
+
+<file path=ppt/slides/slide8.xml><?xml version="1.0" encoding="utf-8"?>
+<p:sld xmlns:a="http://schemas.openxmlformats.org/drawingml/2006/main" xmlns:r="http://schemas.openxmlformats.org/officeDocument/2006/relationships" xmlns:p="http://schemas.openxmlformats.org/presentationml/2006/main">
+  <p:cSld>
+    <p:spTree>
+      <p:nvGrpSpPr>
+        <p:cNvPr id="1" name=""/>
+        <p:cNvGrpSpPr/>
+        <p:nvPr/>
+      </p:nvGrpSpPr>
+      <p:grpSpPr>
+        <a:xfrm>
+          <a:off x="0" y="0"/>
+          <a:ext cx="0" cy="0"/>
+          <a:chOff x="0" y="0"/>
+          <a:chExt cx="0" cy="0"/>
+        </a:xfrm>
+      </p:grpSpPr>
+      <p:sp>
+        <p:nvSpPr>
+          <p:cNvPr id="2" name="Title 1"/>
+          <p:cNvSpPr>
+            <a:spLocks noGrp="1"/>
+          </p:cNvSpPr>
+          <p:nvPr>
+            <p:ph type="title"/>
+          </p:nvPr>
+        </p:nvSpPr>
         <p:spPr/>
         <p:txBody>
           <a:bodyPr>
@@ -7953,18 +9093,17 @@
           <a:lstStyle/>
           <a:p>
             <a:r>
-              <a:rPr lang="el-GR" dirty="0" smtClean="0"/>
+              <a:rPr lang="el-GR" dirty="0"/>
               <a:t>Εγκαθιστώντας την </a:t>
             </a:r>
             <a:r>
-              <a:rPr lang="en-US" dirty="0" smtClean="0"/>
+              <a:rPr lang="en-US" dirty="0"/>
               <a:t>Python - </a:t>
             </a:r>
             <a:r>
-              <a:rPr lang="el-GR" dirty="0" smtClean="0"/>
+              <a:rPr lang="el-GR" dirty="0"/>
               <a:t>5</a:t>
             </a:r>
-            <a:endParaRPr lang="el-GR" dirty="0"/>
           </a:p>
         </p:txBody>
       </p:sp>
@@ -7989,10 +9128,9 @@
           <a:lstStyle/>
           <a:p>
             <a:r>
-              <a:rPr lang="el-GR" dirty="0" smtClean="0"/>
+              <a:rPr lang="el-GR" dirty="0"/>
               <a:t>Εμφανίζεται το παρακάτω παράθυρο</a:t>
             </a:r>
-            <a:endParaRPr lang="el-GR" dirty="0"/>
           </a:p>
         </p:txBody>
       </p:sp>
@@ -8019,22 +9157,45 @@
           </a:xfrm>
         </p:spPr>
       </p:pic>
+      <p:sp>
+        <p:nvSpPr>
+          <p:cNvPr id="4" name="Θέση αριθμού διαφάνειας 3">
+            <a:extLst>
+              <a:ext uri="{FF2B5EF4-FFF2-40B4-BE49-F238E27FC236}">
+                <a16:creationId xmlns:a16="http://schemas.microsoft.com/office/drawing/2014/main" id="{FB43E078-15B1-46A3-9D8C-DA980D08BC7A}"/>
+              </a:ext>
+            </a:extLst>
+          </p:cNvPr>
+          <p:cNvSpPr>
+            <a:spLocks noGrp="1"/>
+          </p:cNvSpPr>
+          <p:nvPr>
+            <p:ph type="sldNum" sz="quarter" idx="12"/>
+          </p:nvPr>
+        </p:nvSpPr>
+        <p:spPr/>
+        <p:txBody>
+          <a:bodyPr/>
+          <a:lstStyle/>
+          <a:p>
+            <a:fld id="{70E8846B-6BA9-4652-B6D0-30C643810B55}" type="slidenum">
+              <a:rPr lang="el-GR" smtClean="0"/>
+              <a:pPr/>
+              <a:t>8</a:t>
+            </a:fld>
+            <a:endParaRPr lang="el-GR"/>
+          </a:p>
+        </p:txBody>
+      </p:sp>
     </p:spTree>
   </p:cSld>
   <p:clrMapOvr>
     <a:masterClrMapping/>
   </p:clrMapOvr>
-  <p:timing>
-    <p:tnLst>
-      <p:par>
-        <p:cTn id="1" dur="indefinite" restart="never" nodeType="tmRoot"/>
-      </p:par>
-    </p:tnLst>
-  </p:timing>
 </p:sld>
 </file>
 
-<file path=ppt/slides/slide8.xml><?xml version="1.0" encoding="utf-8"?>
+<file path=ppt/slides/slide9.xml><?xml version="1.0" encoding="utf-8"?>
 <p:sld xmlns:a="http://schemas.openxmlformats.org/drawingml/2006/main" xmlns:r="http://schemas.openxmlformats.org/officeDocument/2006/relationships" xmlns:p="http://schemas.openxmlformats.org/presentationml/2006/main">
   <p:cSld>
     <p:spTree>
@@ -8089,143 +9250,41 @@
           </a:effectLst>
         </p:spPr>
       </p:pic>
+      <p:sp>
+        <p:nvSpPr>
+          <p:cNvPr id="2" name="Θέση αριθμού διαφάνειας 1">
+            <a:extLst>
+              <a:ext uri="{FF2B5EF4-FFF2-40B4-BE49-F238E27FC236}">
+                <a16:creationId xmlns:a16="http://schemas.microsoft.com/office/drawing/2014/main" id="{272264E4-BDD1-4C1A-8FBF-BE946B50124B}"/>
+              </a:ext>
+            </a:extLst>
+          </p:cNvPr>
+          <p:cNvSpPr>
+            <a:spLocks noGrp="1"/>
+          </p:cNvSpPr>
+          <p:nvPr>
+            <p:ph type="sldNum" sz="quarter" idx="12"/>
+          </p:nvPr>
+        </p:nvSpPr>
+        <p:spPr/>
+        <p:txBody>
+          <a:bodyPr/>
+          <a:lstStyle/>
+          <a:p>
+            <a:fld id="{70E8846B-6BA9-4652-B6D0-30C643810B55}" type="slidenum">
+              <a:rPr lang="el-GR" smtClean="0"/>
+              <a:pPr/>
+              <a:t>9</a:t>
+            </a:fld>
+            <a:endParaRPr lang="el-GR"/>
+          </a:p>
+        </p:txBody>
+      </p:sp>
     </p:spTree>
   </p:cSld>
   <p:clrMapOvr>
     <a:masterClrMapping/>
   </p:clrMapOvr>
-  <p:timing>
-    <p:tnLst>
-      <p:par>
-        <p:cTn id="1" dur="indefinite" restart="never" nodeType="tmRoot"/>
-      </p:par>
-    </p:tnLst>
-  </p:timing>
-</p:sld>
-</file>
-
-<file path=ppt/slides/slide9.xml><?xml version="1.0" encoding="utf-8"?>
-<p:sld xmlns:a="http://schemas.openxmlformats.org/drawingml/2006/main" xmlns:r="http://schemas.openxmlformats.org/officeDocument/2006/relationships" xmlns:p="http://schemas.openxmlformats.org/presentationml/2006/main">
-  <p:cSld>
-    <p:spTree>
-      <p:nvGrpSpPr>
-        <p:cNvPr id="1" name=""/>
-        <p:cNvGrpSpPr/>
-        <p:nvPr/>
-      </p:nvGrpSpPr>
-      <p:grpSpPr>
-        <a:xfrm>
-          <a:off x="0" y="0"/>
-          <a:ext cx="0" cy="0"/>
-          <a:chOff x="0" y="0"/>
-          <a:chExt cx="0" cy="0"/>
-        </a:xfrm>
-      </p:grpSpPr>
-      <p:pic>
-        <p:nvPicPr>
-          <p:cNvPr id="5" name="Picture 4" descr="Capture2.PNG"/>
-          <p:cNvPicPr>
-            <a:picLocks noChangeAspect="1"/>
-          </p:cNvPicPr>
-          <p:nvPr/>
-        </p:nvPicPr>
-        <p:blipFill>
-          <a:blip r:embed="rId2" cstate="print"/>
-          <a:stretch>
-            <a:fillRect/>
-          </a:stretch>
-        </p:blipFill>
-        <p:spPr>
-          <a:xfrm>
-            <a:off x="356158" y="1399708"/>
-            <a:ext cx="8431689" cy="3305643"/>
-          </a:xfrm>
-          <a:prstGeom prst="rect">
-            <a:avLst/>
-          </a:prstGeom>
-        </p:spPr>
-      </p:pic>
-      <p:cxnSp>
-        <p:nvCxnSpPr>
-          <p:cNvPr id="6" name="Straight Arrow Connector 5"/>
-          <p:cNvCxnSpPr/>
-          <p:nvPr/>
-        </p:nvCxnSpPr>
-        <p:spPr>
-          <a:xfrm flipH="1">
-            <a:off x="6477002" y="2952750"/>
-            <a:ext cx="398585" cy="914400"/>
-          </a:xfrm>
-          <a:prstGeom prst="straightConnector1">
-            <a:avLst/>
-          </a:prstGeom>
-          <a:ln w="57150">
-            <a:solidFill>
-              <a:srgbClr val="FF0000"/>
-            </a:solidFill>
-            <a:tailEnd type="arrow"/>
-          </a:ln>
-        </p:spPr>
-        <p:style>
-          <a:lnRef idx="1">
-            <a:schemeClr val="accent1"/>
-          </a:lnRef>
-          <a:fillRef idx="0">
-            <a:schemeClr val="accent1"/>
-          </a:fillRef>
-          <a:effectRef idx="0">
-            <a:schemeClr val="accent1"/>
-          </a:effectRef>
-          <a:fontRef idx="minor">
-            <a:schemeClr val="tx1"/>
-          </a:fontRef>
-        </p:style>
-      </p:cxnSp>
-      <p:sp>
-        <p:nvSpPr>
-          <p:cNvPr id="10" name="Title 9"/>
-          <p:cNvSpPr>
-            <a:spLocks noGrp="1"/>
-          </p:cNvSpPr>
-          <p:nvPr>
-            <p:ph type="title"/>
-          </p:nvPr>
-        </p:nvSpPr>
-        <p:spPr/>
-        <p:txBody>
-          <a:bodyPr>
-            <a:normAutofit/>
-          </a:bodyPr>
-          <a:lstStyle/>
-          <a:p>
-            <a:r>
-              <a:rPr lang="el-GR" dirty="0" smtClean="0"/>
-              <a:t>Εγκαθιστώντας το </a:t>
-            </a:r>
-            <a:r>
-              <a:rPr lang="en-US" dirty="0" smtClean="0"/>
-              <a:t>PyCharm</a:t>
-            </a:r>
-            <a:r>
-              <a:rPr lang="el-GR" dirty="0" smtClean="0"/>
-              <a:t> - 1</a:t>
-            </a:r>
-            <a:endParaRPr lang="el-GR" dirty="0"/>
-          </a:p>
-        </p:txBody>
-      </p:sp>
-    </p:spTree>
-  </p:cSld>
-  <p:clrMapOvr>
-    <a:masterClrMapping/>
-  </p:clrMapOvr>
-  <p:timing>
-    <p:tnLst>
-      <p:par>
-        <p:cTn id="1" dur="indefinite" restart="never" nodeType="tmRoot"/>
-      </p:par>
-    </p:tnLst>
-  </p:timing>
 </p:sld>
 </file>
 
@@ -8522,4 +9581,299 @@
   <a:objectDefaults/>
   <a:extraClrSchemeLst/>
 </a:theme>
+</file>
+
+<file path=ppt/theme/theme2.xml><?xml version="1.0" encoding="utf-8"?>
+<a:theme xmlns:a="http://schemas.openxmlformats.org/drawingml/2006/main" name="Θέμα του Office">
+  <a:themeElements>
+    <a:clrScheme name="Office">
+      <a:dk1>
+        <a:sysClr val="windowText" lastClr="000000"/>
+      </a:dk1>
+      <a:lt1>
+        <a:sysClr val="window" lastClr="FFFFFF"/>
+      </a:lt1>
+      <a:dk2>
+        <a:srgbClr val="44546A"/>
+      </a:dk2>
+      <a:lt2>
+        <a:srgbClr val="E7E6E6"/>
+      </a:lt2>
+      <a:accent1>
+        <a:srgbClr val="4472C4"/>
+      </a:accent1>
+      <a:accent2>
+        <a:srgbClr val="ED7D31"/>
+      </a:accent2>
+      <a:accent3>
+        <a:srgbClr val="A5A5A5"/>
+      </a:accent3>
+      <a:accent4>
+        <a:srgbClr val="FFC000"/>
+      </a:accent4>
+      <a:accent5>
+        <a:srgbClr val="5B9BD5"/>
+      </a:accent5>
+      <a:accent6>
+        <a:srgbClr val="70AD47"/>
+      </a:accent6>
+      <a:hlink>
+        <a:srgbClr val="0563C1"/>
+      </a:hlink>
+      <a:folHlink>
+        <a:srgbClr val="954F72"/>
+      </a:folHlink>
+    </a:clrScheme>
+    <a:fontScheme name="Office">
+      <a:majorFont>
+        <a:latin typeface="Calibri Light" panose="020F0302020204030204"/>
+        <a:ea typeface=""/>
+        <a:cs typeface=""/>
+        <a:font script="Jpan" typeface="游ゴシック Light"/>
+        <a:font script="Hang" typeface="맑은 고딕"/>
+        <a:font script="Hans" typeface="等线 Light"/>
+        <a:font script="Hant" typeface="新細明體"/>
+        <a:font script="Arab" typeface="Times New Roman"/>
+        <a:font script="Hebr" typeface="Times New Roman"/>
+        <a:font script="Thai" typeface="Angsana New"/>
+        <a:font script="Ethi" typeface="Nyala"/>
+        <a:font script="Beng" typeface="Vrinda"/>
+        <a:font script="Gujr" typeface="Shruti"/>
+        <a:font script="Khmr" typeface="MoolBoran"/>
+        <a:font script="Knda" typeface="Tunga"/>
+        <a:font script="Guru" typeface="Raavi"/>
+        <a:font script="Cans" typeface="Euphemia"/>
+        <a:font script="Cher" typeface="Plantagenet Cherokee"/>
+        <a:font script="Yiii" typeface="Microsoft Yi Baiti"/>
+        <a:font script="Tibt" typeface="Microsoft Himalaya"/>
+        <a:font script="Thaa" typeface="MV Boli"/>
+        <a:font script="Deva" typeface="Mangal"/>
+        <a:font script="Telu" typeface="Gautami"/>
+        <a:font script="Taml" typeface="Latha"/>
+        <a:font script="Syrc" typeface="Estrangelo Edessa"/>
+        <a:font script="Orya" typeface="Kalinga"/>
+        <a:font script="Mlym" typeface="Kartika"/>
+        <a:font script="Laoo" typeface="DokChampa"/>
+        <a:font script="Sinh" typeface="Iskoola Pota"/>
+        <a:font script="Mong" typeface="Mongolian Baiti"/>
+        <a:font script="Viet" typeface="Times New Roman"/>
+        <a:font script="Uigh" typeface="Microsoft Uighur"/>
+        <a:font script="Geor" typeface="Sylfaen"/>
+        <a:font script="Armn" typeface="Arial"/>
+        <a:font script="Bugi" typeface="Leelawadee UI"/>
+        <a:font script="Bopo" typeface="Microsoft JhengHei"/>
+        <a:font script="Java" typeface="Javanese Text"/>
+        <a:font script="Lisu" typeface="Segoe UI"/>
+        <a:font script="Mymr" typeface="Myanmar Text"/>
+        <a:font script="Nkoo" typeface="Ebrima"/>
+        <a:font script="Olck" typeface="Nirmala UI"/>
+        <a:font script="Osma" typeface="Ebrima"/>
+        <a:font script="Phag" typeface="Phagspa"/>
+        <a:font script="Syrn" typeface="Estrangelo Edessa"/>
+        <a:font script="Syrj" typeface="Estrangelo Edessa"/>
+        <a:font script="Syre" typeface="Estrangelo Edessa"/>
+        <a:font script="Sora" typeface="Nirmala UI"/>
+        <a:font script="Tale" typeface="Microsoft Tai Le"/>
+        <a:font script="Talu" typeface="Microsoft New Tai Lue"/>
+        <a:font script="Tfng" typeface="Ebrima"/>
+      </a:majorFont>
+      <a:minorFont>
+        <a:latin typeface="Calibri" panose="020F0502020204030204"/>
+        <a:ea typeface=""/>
+        <a:cs typeface=""/>
+        <a:font script="Jpan" typeface="游ゴシック"/>
+        <a:font script="Hang" typeface="맑은 고딕"/>
+        <a:font script="Hans" typeface="等线"/>
+        <a:font script="Hant" typeface="新細明體"/>
+        <a:font script="Arab" typeface="Arial"/>
+        <a:font script="Hebr" typeface="Arial"/>
+        <a:font script="Thai" typeface="Cordia New"/>
+        <a:font script="Ethi" typeface="Nyala"/>
+        <a:font script="Beng" typeface="Vrinda"/>
+        <a:font script="Gujr" typeface="Shruti"/>
+        <a:font script="Khmr" typeface="DaunPenh"/>
+        <a:font script="Knda" typeface="Tunga"/>
+        <a:font script="Guru" typeface="Raavi"/>
+        <a:font script="Cans" typeface="Euphemia"/>
+        <a:font script="Cher" typeface="Plantagenet Cherokee"/>
+        <a:font script="Yiii" typeface="Microsoft Yi Baiti"/>
+        <a:font script="Tibt" typeface="Microsoft Himalaya"/>
+        <a:font script="Thaa" typeface="MV Boli"/>
+        <a:font script="Deva" typeface="Mangal"/>
+        <a:font script="Telu" typeface="Gautami"/>
+        <a:font script="Taml" typeface="Latha"/>
+        <a:font script="Syrc" typeface="Estrangelo Edessa"/>
+        <a:font script="Orya" typeface="Kalinga"/>
+        <a:font script="Mlym" typeface="Kartika"/>
+        <a:font script="Laoo" typeface="DokChampa"/>
+        <a:font script="Sinh" typeface="Iskoola Pota"/>
+        <a:font script="Mong" typeface="Mongolian Baiti"/>
+        <a:font script="Viet" typeface="Arial"/>
+        <a:font script="Uigh" typeface="Microsoft Uighur"/>
+        <a:font script="Geor" typeface="Sylfaen"/>
+        <a:font script="Armn" typeface="Arial"/>
+        <a:font script="Bugi" typeface="Leelawadee UI"/>
+        <a:font script="Bopo" typeface="Microsoft JhengHei"/>
+        <a:font script="Java" typeface="Javanese Text"/>
+        <a:font script="Lisu" typeface="Segoe UI"/>
+        <a:font script="Mymr" typeface="Myanmar Text"/>
+        <a:font script="Nkoo" typeface="Ebrima"/>
+        <a:font script="Olck" typeface="Nirmala UI"/>
+        <a:font script="Osma" typeface="Ebrima"/>
+        <a:font script="Phag" typeface="Phagspa"/>
+        <a:font script="Syrn" typeface="Estrangelo Edessa"/>
+        <a:font script="Syrj" typeface="Estrangelo Edessa"/>
+        <a:font script="Syre" typeface="Estrangelo Edessa"/>
+        <a:font script="Sora" typeface="Nirmala UI"/>
+        <a:font script="Tale" typeface="Microsoft Tai Le"/>
+        <a:font script="Talu" typeface="Microsoft New Tai Lue"/>
+        <a:font script="Tfng" typeface="Ebrima"/>
+      </a:minorFont>
+    </a:fontScheme>
+    <a:fmtScheme name="Office">
+      <a:fillStyleLst>
+        <a:solidFill>
+          <a:schemeClr val="phClr"/>
+        </a:solidFill>
+        <a:gradFill rotWithShape="1">
+          <a:gsLst>
+            <a:gs pos="0">
+              <a:schemeClr val="phClr">
+                <a:lumMod val="110000"/>
+                <a:satMod val="105000"/>
+                <a:tint val="67000"/>
+              </a:schemeClr>
+            </a:gs>
+            <a:gs pos="50000">
+              <a:schemeClr val="phClr">
+                <a:lumMod val="105000"/>
+                <a:satMod val="103000"/>
+                <a:tint val="73000"/>
+              </a:schemeClr>
+            </a:gs>
+            <a:gs pos="100000">
+              <a:schemeClr val="phClr">
+                <a:lumMod val="105000"/>
+                <a:satMod val="109000"/>
+                <a:tint val="81000"/>
+              </a:schemeClr>
+            </a:gs>
+          </a:gsLst>
+          <a:lin ang="5400000" scaled="0"/>
+        </a:gradFill>
+        <a:gradFill rotWithShape="1">
+          <a:gsLst>
+            <a:gs pos="0">
+              <a:schemeClr val="phClr">
+                <a:satMod val="103000"/>
+                <a:lumMod val="102000"/>
+                <a:tint val="94000"/>
+              </a:schemeClr>
+            </a:gs>
+            <a:gs pos="50000">
+              <a:schemeClr val="phClr">
+                <a:satMod val="110000"/>
+                <a:lumMod val="100000"/>
+                <a:shade val="100000"/>
+              </a:schemeClr>
+            </a:gs>
+            <a:gs pos="100000">
+              <a:schemeClr val="phClr">
+                <a:lumMod val="99000"/>
+                <a:satMod val="120000"/>
+                <a:shade val="78000"/>
+              </a:schemeClr>
+            </a:gs>
+          </a:gsLst>
+          <a:lin ang="5400000" scaled="0"/>
+        </a:gradFill>
+      </a:fillStyleLst>
+      <a:lnStyleLst>
+        <a:ln w="6350" cap="flat" cmpd="sng" algn="ctr">
+          <a:solidFill>
+            <a:schemeClr val="phClr"/>
+          </a:solidFill>
+          <a:prstDash val="solid"/>
+          <a:miter lim="800000"/>
+        </a:ln>
+        <a:ln w="12700" cap="flat" cmpd="sng" algn="ctr">
+          <a:solidFill>
+            <a:schemeClr val="phClr"/>
+          </a:solidFill>
+          <a:prstDash val="solid"/>
+          <a:miter lim="800000"/>
+        </a:ln>
+        <a:ln w="19050" cap="flat" cmpd="sng" algn="ctr">
+          <a:solidFill>
+            <a:schemeClr val="phClr"/>
+          </a:solidFill>
+          <a:prstDash val="solid"/>
+          <a:miter lim="800000"/>
+        </a:ln>
+      </a:lnStyleLst>
+      <a:effectStyleLst>
+        <a:effectStyle>
+          <a:effectLst/>
+        </a:effectStyle>
+        <a:effectStyle>
+          <a:effectLst/>
+        </a:effectStyle>
+        <a:effectStyle>
+          <a:effectLst>
+            <a:outerShdw blurRad="57150" dist="19050" dir="5400000" algn="ctr" rotWithShape="0">
+              <a:srgbClr val="000000">
+                <a:alpha val="63000"/>
+              </a:srgbClr>
+            </a:outerShdw>
+          </a:effectLst>
+        </a:effectStyle>
+      </a:effectStyleLst>
+      <a:bgFillStyleLst>
+        <a:solidFill>
+          <a:schemeClr val="phClr"/>
+        </a:solidFill>
+        <a:solidFill>
+          <a:schemeClr val="phClr">
+            <a:tint val="95000"/>
+            <a:satMod val="170000"/>
+          </a:schemeClr>
+        </a:solidFill>
+        <a:gradFill rotWithShape="1">
+          <a:gsLst>
+            <a:gs pos="0">
+              <a:schemeClr val="phClr">
+                <a:tint val="93000"/>
+                <a:satMod val="150000"/>
+                <a:shade val="98000"/>
+                <a:lumMod val="102000"/>
+              </a:schemeClr>
+            </a:gs>
+            <a:gs pos="50000">
+              <a:schemeClr val="phClr">
+                <a:tint val="98000"/>
+                <a:satMod val="130000"/>
+                <a:shade val="90000"/>
+                <a:lumMod val="103000"/>
+              </a:schemeClr>
+            </a:gs>
+            <a:gs pos="100000">
+              <a:schemeClr val="phClr">
+                <a:shade val="63000"/>
+                <a:satMod val="120000"/>
+              </a:schemeClr>
+            </a:gs>
+          </a:gsLst>
+          <a:lin ang="5400000" scaled="0"/>
+        </a:gradFill>
+      </a:bgFillStyleLst>
+    </a:fmtScheme>
+  </a:themeElements>
+  <a:objectDefaults/>
+  <a:extraClrSchemeLst/>
+  <a:extLst>
+    <a:ext uri="{05A4C25C-085E-4340-85A3-A5531E510DB2}">
+      <thm15:themeFamily xmlns:thm15="http://schemas.microsoft.com/office/thememl/2012/main" name="Office Theme" id="{62F939B6-93AF-4DB8-9C6B-D6C7DFDC589F}" vid="{4A3C46E8-61CC-4603-A589-7422A47A8E4A}"/>
+    </a:ext>
+  </a:extLst>
+</a:theme>
 </file>